--- a/ChainReactionDanelRF.pptx
+++ b/ChainReactionDanelRF.pptx
@@ -5,13 +5,11 @@
     <p:sldMasterId id="2147483648" r:id="rId1"/>
   </p:sldMasterIdLst>
   <p:notesMasterIdLst>
-    <p:notesMasterId r:id="rId6"/>
+    <p:notesMasterId r:id="rId4"/>
   </p:notesMasterIdLst>
   <p:sldIdLst>
-    <p:sldId id="256" r:id="rId2"/>
-    <p:sldId id="257" r:id="rId3"/>
-    <p:sldId id="259" r:id="rId4"/>
-    <p:sldId id="260" r:id="rId5"/>
+    <p:sldId id="259" r:id="rId2"/>
+    <p:sldId id="262" r:id="rId3"/>
   </p:sldIdLst>
   <p:sldSz cx="12192000" cy="6858000"/>
   <p:notesSz cx="6858000" cy="9144000"/>
@@ -110,6 +108,11 @@
       </a:defRPr>
     </a:lvl9pPr>
   </p:defaultTextStyle>
+  <p:extLst>
+    <p:ext uri="{EFAFB233-063F-42B5-8137-9DF3F51BA10A}">
+      <p15:sldGuideLst xmlns:p15="http://schemas.microsoft.com/office/powerpoint/2012/main"/>
+    </p:ext>
+  </p:extLst>
 </p:presentation>
 </file>
 
@@ -259,35 +262,35 @@
           <a:p>
             <a:pPr lvl="0"/>
             <a:r>
-              <a:rPr lang="de-DE" smtClean="0"/>
+              <a:rPr lang="de-DE"/>
               <a:t>Click to edit Master text styles</a:t>
             </a:r>
           </a:p>
           <a:p>
             <a:pPr lvl="1"/>
             <a:r>
-              <a:rPr lang="de-DE" smtClean="0"/>
+              <a:rPr lang="de-DE"/>
               <a:t>Second level</a:t>
             </a:r>
           </a:p>
           <a:p>
             <a:pPr lvl="2"/>
             <a:r>
-              <a:rPr lang="de-DE" smtClean="0"/>
+              <a:rPr lang="de-DE"/>
               <a:t>Third level</a:t>
             </a:r>
           </a:p>
           <a:p>
             <a:pPr lvl="3"/>
             <a:r>
-              <a:rPr lang="de-DE" smtClean="0"/>
+              <a:rPr lang="de-DE"/>
               <a:t>Fourth level</a:t>
             </a:r>
           </a:p>
           <a:p>
             <a:pPr lvl="4"/>
             <a:r>
-              <a:rPr lang="de-DE" smtClean="0"/>
+              <a:rPr lang="de-DE"/>
               <a:t>Fifth level</a:t>
             </a:r>
             <a:endParaRPr lang="en-US"/>
@@ -354,7 +357,7 @@
           <a:p>
             <a:fld id="{D6D69A79-09F5-D543-AAFD-6FEA88BC999D}" type="slidenum">
               <a:rPr lang="en-US" smtClean="0"/>
-              <a:t>‹#›</a:t>
+              <a:t>‹Nr.›</a:t>
             </a:fld>
             <a:endParaRPr lang="en-US"/>
           </a:p>
@@ -508,100 +511,100 @@
           <a:lstStyle/>
           <a:p>
             <a:r>
-              <a:rPr lang="en-US" dirty="0" smtClean="0"/>
+              <a:rPr lang="en-US" dirty="0"/>
               <a:t>&lt;div&gt;Icons made by &lt;a </a:t>
             </a:r>
             <a:r>
-              <a:rPr lang="en-US" dirty="0" err="1" smtClean="0"/>
+              <a:rPr lang="en-US" dirty="0" err="1"/>
               <a:t>href</a:t>
             </a:r>
             <a:r>
-              <a:rPr lang="en-US" dirty="0" smtClean="0"/>
+              <a:rPr lang="en-US" dirty="0"/>
               <a:t>="https://</a:t>
             </a:r>
             <a:r>
-              <a:rPr lang="en-US" dirty="0" err="1" smtClean="0"/>
+              <a:rPr lang="en-US" dirty="0" err="1"/>
               <a:t>www.flaticon.com</a:t>
             </a:r>
             <a:r>
-              <a:rPr lang="en-US" dirty="0" smtClean="0"/>
+              <a:rPr lang="en-US" dirty="0"/>
               <a:t>/authors/</a:t>
             </a:r>
             <a:r>
-              <a:rPr lang="en-US" dirty="0" err="1" smtClean="0"/>
+              <a:rPr lang="en-US" dirty="0" err="1"/>
               <a:t>eucalyp</a:t>
             </a:r>
             <a:r>
-              <a:rPr lang="en-US" dirty="0" smtClean="0"/>
+              <a:rPr lang="en-US" dirty="0"/>
               <a:t>" title="</a:t>
             </a:r>
             <a:r>
-              <a:rPr lang="en-US" dirty="0" err="1" smtClean="0"/>
+              <a:rPr lang="en-US" dirty="0" err="1"/>
               <a:t>Eucalyp</a:t>
             </a:r>
             <a:r>
-              <a:rPr lang="en-US" dirty="0" smtClean="0"/>
+              <a:rPr lang="en-US" dirty="0"/>
               <a:t>"&gt;</a:t>
             </a:r>
             <a:r>
-              <a:rPr lang="en-US" dirty="0" err="1" smtClean="0"/>
+              <a:rPr lang="en-US" dirty="0" err="1"/>
               <a:t>Eucalyp</a:t>
             </a:r>
             <a:r>
-              <a:rPr lang="en-US" dirty="0" smtClean="0"/>
+              <a:rPr lang="en-US" dirty="0"/>
               <a:t>&lt;/a&gt; from &lt;a </a:t>
             </a:r>
             <a:r>
-              <a:rPr lang="en-US" dirty="0" err="1" smtClean="0"/>
+              <a:rPr lang="en-US" dirty="0" err="1"/>
               <a:t>href</a:t>
             </a:r>
             <a:r>
-              <a:rPr lang="en-US" dirty="0" smtClean="0"/>
+              <a:rPr lang="en-US" dirty="0"/>
               <a:t>="https://</a:t>
             </a:r>
             <a:r>
-              <a:rPr lang="en-US" dirty="0" err="1" smtClean="0"/>
+              <a:rPr lang="en-US" dirty="0" err="1"/>
               <a:t>www.flaticon.com</a:t>
             </a:r>
             <a:r>
-              <a:rPr lang="en-US" dirty="0" smtClean="0"/>
+              <a:rPr lang="en-US" dirty="0"/>
               <a:t>/" title="</a:t>
             </a:r>
             <a:r>
-              <a:rPr lang="en-US" dirty="0" err="1" smtClean="0"/>
+              <a:rPr lang="en-US" dirty="0" err="1"/>
               <a:t>Flaticon</a:t>
             </a:r>
             <a:r>
-              <a:rPr lang="en-US" dirty="0" smtClean="0"/>
+              <a:rPr lang="en-US" dirty="0"/>
               <a:t>"&gt;</a:t>
             </a:r>
             <a:r>
-              <a:rPr lang="en-US" dirty="0" err="1" smtClean="0"/>
+              <a:rPr lang="en-US" dirty="0" err="1"/>
               <a:t>www.flaticon.com</a:t>
             </a:r>
             <a:r>
-              <a:rPr lang="en-US" dirty="0" smtClean="0"/>
+              <a:rPr lang="en-US" dirty="0"/>
               <a:t>&lt;/a&gt; is licensed by &lt;a </a:t>
             </a:r>
             <a:r>
-              <a:rPr lang="en-US" dirty="0" err="1" smtClean="0"/>
+              <a:rPr lang="en-US" dirty="0" err="1"/>
               <a:t>href</a:t>
             </a:r>
             <a:r>
-              <a:rPr lang="en-US" dirty="0" smtClean="0"/>
+              <a:rPr lang="en-US" dirty="0"/>
               <a:t>="http://</a:t>
             </a:r>
             <a:r>
-              <a:rPr lang="en-US" dirty="0" err="1" smtClean="0"/>
+              <a:rPr lang="en-US" dirty="0" err="1"/>
               <a:t>creativecommons.org</a:t>
             </a:r>
             <a:r>
-              <a:rPr lang="en-US" dirty="0" smtClean="0"/>
+              <a:rPr lang="en-US" dirty="0"/>
               <a:t>/licenses/by/3.0/" title="Creative Commons BY 3.0" target="_blank"&gt;CC 3.0 BY&lt;/a&gt;&lt;/div&gt;</a:t>
             </a:r>
           </a:p>
           <a:p>
-            <a:endParaRPr lang="en-US" dirty="0" smtClean="0"/>
+            <a:endParaRPr lang="en-US" dirty="0"/>
           </a:p>
           <a:p>
             <a:endParaRPr lang="en-US" dirty="0"/>
@@ -625,7 +628,7 @@
           <a:p>
             <a:fld id="{D6D69A79-09F5-D543-AAFD-6FEA88BC999D}" type="slidenum">
               <a:rPr lang="en-US" smtClean="0"/>
-              <a:t>2</a:t>
+              <a:t>1</a:t>
             </a:fld>
             <a:endParaRPr lang="en-US"/>
           </a:p>
@@ -634,7 +637,7 @@
     </p:spTree>
     <p:extLst>
       <p:ext uri="{BB962C8B-B14F-4D97-AF65-F5344CB8AC3E}">
-        <p14:creationId xmlns:p14="http://schemas.microsoft.com/office/powerpoint/2010/main" val="1314004630"/>
+        <p14:creationId xmlns:p14="http://schemas.microsoft.com/office/powerpoint/2010/main" val="1152062404"/>
       </p:ext>
     </p:extLst>
   </p:cSld>
@@ -689,100 +692,100 @@
           <a:lstStyle/>
           <a:p>
             <a:r>
-              <a:rPr lang="en-US" dirty="0" smtClean="0"/>
+              <a:rPr lang="en-US" dirty="0"/>
               <a:t>&lt;div&gt;Icons made by &lt;a </a:t>
             </a:r>
             <a:r>
-              <a:rPr lang="en-US" dirty="0" err="1" smtClean="0"/>
+              <a:rPr lang="en-US" dirty="0" err="1"/>
               <a:t>href</a:t>
             </a:r>
             <a:r>
-              <a:rPr lang="en-US" dirty="0" smtClean="0"/>
+              <a:rPr lang="en-US" dirty="0"/>
               <a:t>="https://</a:t>
             </a:r>
             <a:r>
-              <a:rPr lang="en-US" dirty="0" err="1" smtClean="0"/>
+              <a:rPr lang="en-US" dirty="0" err="1"/>
               <a:t>www.flaticon.com</a:t>
             </a:r>
             <a:r>
-              <a:rPr lang="en-US" dirty="0" smtClean="0"/>
+              <a:rPr lang="en-US" dirty="0"/>
               <a:t>/authors/</a:t>
             </a:r>
             <a:r>
-              <a:rPr lang="en-US" dirty="0" err="1" smtClean="0"/>
+              <a:rPr lang="en-US" dirty="0" err="1"/>
               <a:t>eucalyp</a:t>
             </a:r>
             <a:r>
-              <a:rPr lang="en-US" dirty="0" smtClean="0"/>
+              <a:rPr lang="en-US" dirty="0"/>
               <a:t>" title="</a:t>
             </a:r>
             <a:r>
-              <a:rPr lang="en-US" dirty="0" err="1" smtClean="0"/>
+              <a:rPr lang="en-US" dirty="0" err="1"/>
               <a:t>Eucalyp</a:t>
             </a:r>
             <a:r>
-              <a:rPr lang="en-US" dirty="0" smtClean="0"/>
+              <a:rPr lang="en-US" dirty="0"/>
               <a:t>"&gt;</a:t>
             </a:r>
             <a:r>
-              <a:rPr lang="en-US" dirty="0" err="1" smtClean="0"/>
+              <a:rPr lang="en-US" dirty="0" err="1"/>
               <a:t>Eucalyp</a:t>
             </a:r>
             <a:r>
-              <a:rPr lang="en-US" dirty="0" smtClean="0"/>
+              <a:rPr lang="en-US" dirty="0"/>
               <a:t>&lt;/a&gt; from &lt;a </a:t>
             </a:r>
             <a:r>
-              <a:rPr lang="en-US" dirty="0" err="1" smtClean="0"/>
+              <a:rPr lang="en-US" dirty="0" err="1"/>
               <a:t>href</a:t>
             </a:r>
             <a:r>
-              <a:rPr lang="en-US" dirty="0" smtClean="0"/>
+              <a:rPr lang="en-US" dirty="0"/>
               <a:t>="https://</a:t>
             </a:r>
             <a:r>
-              <a:rPr lang="en-US" dirty="0" err="1" smtClean="0"/>
+              <a:rPr lang="en-US" dirty="0" err="1"/>
               <a:t>www.flaticon.com</a:t>
             </a:r>
             <a:r>
-              <a:rPr lang="en-US" dirty="0" smtClean="0"/>
+              <a:rPr lang="en-US" dirty="0"/>
               <a:t>/" title="</a:t>
             </a:r>
             <a:r>
-              <a:rPr lang="en-US" dirty="0" err="1" smtClean="0"/>
+              <a:rPr lang="en-US" dirty="0" err="1"/>
               <a:t>Flaticon</a:t>
             </a:r>
             <a:r>
-              <a:rPr lang="en-US" dirty="0" smtClean="0"/>
+              <a:rPr lang="en-US" dirty="0"/>
               <a:t>"&gt;</a:t>
             </a:r>
             <a:r>
-              <a:rPr lang="en-US" dirty="0" err="1" smtClean="0"/>
+              <a:rPr lang="en-US" dirty="0" err="1"/>
               <a:t>www.flaticon.com</a:t>
             </a:r>
             <a:r>
-              <a:rPr lang="en-US" dirty="0" smtClean="0"/>
+              <a:rPr lang="en-US" dirty="0"/>
               <a:t>&lt;/a&gt; is licensed by &lt;a </a:t>
             </a:r>
             <a:r>
-              <a:rPr lang="en-US" dirty="0" err="1" smtClean="0"/>
+              <a:rPr lang="en-US" dirty="0" err="1"/>
               <a:t>href</a:t>
             </a:r>
             <a:r>
-              <a:rPr lang="en-US" dirty="0" smtClean="0"/>
+              <a:rPr lang="en-US" dirty="0"/>
               <a:t>="http://</a:t>
             </a:r>
             <a:r>
-              <a:rPr lang="en-US" dirty="0" err="1" smtClean="0"/>
+              <a:rPr lang="en-US" dirty="0" err="1"/>
               <a:t>creativecommons.org</a:t>
             </a:r>
             <a:r>
-              <a:rPr lang="en-US" dirty="0" smtClean="0"/>
+              <a:rPr lang="en-US" dirty="0"/>
               <a:t>/licenses/by/3.0/" title="Creative Commons BY 3.0" target="_blank"&gt;CC 3.0 BY&lt;/a&gt;&lt;/div&gt;</a:t>
             </a:r>
           </a:p>
           <a:p>
-            <a:endParaRPr lang="en-US" dirty="0" smtClean="0"/>
+            <a:endParaRPr lang="en-US" dirty="0"/>
           </a:p>
           <a:p>
             <a:endParaRPr lang="en-US" dirty="0"/>
@@ -806,7 +809,7 @@
           <a:p>
             <a:fld id="{D6D69A79-09F5-D543-AAFD-6FEA88BC999D}" type="slidenum">
               <a:rPr lang="en-US" smtClean="0"/>
-              <a:t>3</a:t>
+              <a:t>2</a:t>
             </a:fld>
             <a:endParaRPr lang="en-US"/>
           </a:p>
@@ -815,188 +818,7 @@
     </p:spTree>
     <p:extLst>
       <p:ext uri="{BB962C8B-B14F-4D97-AF65-F5344CB8AC3E}">
-        <p14:creationId xmlns:p14="http://schemas.microsoft.com/office/powerpoint/2010/main" val="1152062404"/>
-      </p:ext>
-    </p:extLst>
-  </p:cSld>
-  <p:clrMapOvr>
-    <a:masterClrMapping/>
-  </p:clrMapOvr>
-</p:notes>
-</file>
-
-<file path=ppt/notesSlides/notesSlide3.xml><?xml version="1.0" encoding="utf-8"?>
-<p:notes xmlns:a="http://schemas.openxmlformats.org/drawingml/2006/main" xmlns:r="http://schemas.openxmlformats.org/officeDocument/2006/relationships" xmlns:p="http://schemas.openxmlformats.org/presentationml/2006/main">
-  <p:cSld>
-    <p:spTree>
-      <p:nvGrpSpPr>
-        <p:cNvPr id="1" name=""/>
-        <p:cNvGrpSpPr/>
-        <p:nvPr/>
-      </p:nvGrpSpPr>
-      <p:grpSpPr>
-        <a:xfrm>
-          <a:off x="0" y="0"/>
-          <a:ext cx="0" cy="0"/>
-          <a:chOff x="0" y="0"/>
-          <a:chExt cx="0" cy="0"/>
-        </a:xfrm>
-      </p:grpSpPr>
-      <p:sp>
-        <p:nvSpPr>
-          <p:cNvPr id="2" name="Slide Image Placeholder 1"/>
-          <p:cNvSpPr>
-            <a:spLocks noGrp="1" noRot="1" noChangeAspect="1"/>
-          </p:cNvSpPr>
-          <p:nvPr>
-            <p:ph type="sldImg"/>
-          </p:nvPr>
-        </p:nvSpPr>
-        <p:spPr/>
-      </p:sp>
-      <p:sp>
-        <p:nvSpPr>
-          <p:cNvPr id="3" name="Notes Placeholder 2"/>
-          <p:cNvSpPr>
-            <a:spLocks noGrp="1"/>
-          </p:cNvSpPr>
-          <p:nvPr>
-            <p:ph type="body" idx="1"/>
-          </p:nvPr>
-        </p:nvSpPr>
-        <p:spPr/>
-        <p:txBody>
-          <a:bodyPr/>
-          <a:lstStyle/>
-          <a:p>
-            <a:r>
-              <a:rPr lang="en-US" dirty="0" smtClean="0"/>
-              <a:t>&lt;div&gt;Icons made by &lt;a </a:t>
-            </a:r>
-            <a:r>
-              <a:rPr lang="en-US" dirty="0" err="1" smtClean="0"/>
-              <a:t>href</a:t>
-            </a:r>
-            <a:r>
-              <a:rPr lang="en-US" dirty="0" smtClean="0"/>
-              <a:t>="https://</a:t>
-            </a:r>
-            <a:r>
-              <a:rPr lang="en-US" dirty="0" err="1" smtClean="0"/>
-              <a:t>www.flaticon.com</a:t>
-            </a:r>
-            <a:r>
-              <a:rPr lang="en-US" dirty="0" smtClean="0"/>
-              <a:t>/authors/</a:t>
-            </a:r>
-            <a:r>
-              <a:rPr lang="en-US" dirty="0" err="1" smtClean="0"/>
-              <a:t>eucalyp</a:t>
-            </a:r>
-            <a:r>
-              <a:rPr lang="en-US" dirty="0" smtClean="0"/>
-              <a:t>" title="</a:t>
-            </a:r>
-            <a:r>
-              <a:rPr lang="en-US" dirty="0" err="1" smtClean="0"/>
-              <a:t>Eucalyp</a:t>
-            </a:r>
-            <a:r>
-              <a:rPr lang="en-US" dirty="0" smtClean="0"/>
-              <a:t>"&gt;</a:t>
-            </a:r>
-            <a:r>
-              <a:rPr lang="en-US" dirty="0" err="1" smtClean="0"/>
-              <a:t>Eucalyp</a:t>
-            </a:r>
-            <a:r>
-              <a:rPr lang="en-US" dirty="0" smtClean="0"/>
-              <a:t>&lt;/a&gt; from &lt;a </a:t>
-            </a:r>
-            <a:r>
-              <a:rPr lang="en-US" dirty="0" err="1" smtClean="0"/>
-              <a:t>href</a:t>
-            </a:r>
-            <a:r>
-              <a:rPr lang="en-US" dirty="0" smtClean="0"/>
-              <a:t>="https://</a:t>
-            </a:r>
-            <a:r>
-              <a:rPr lang="en-US" dirty="0" err="1" smtClean="0"/>
-              <a:t>www.flaticon.com</a:t>
-            </a:r>
-            <a:r>
-              <a:rPr lang="en-US" dirty="0" smtClean="0"/>
-              <a:t>/" title="</a:t>
-            </a:r>
-            <a:r>
-              <a:rPr lang="en-US" dirty="0" err="1" smtClean="0"/>
-              <a:t>Flaticon</a:t>
-            </a:r>
-            <a:r>
-              <a:rPr lang="en-US" dirty="0" smtClean="0"/>
-              <a:t>"&gt;</a:t>
-            </a:r>
-            <a:r>
-              <a:rPr lang="en-US" dirty="0" err="1" smtClean="0"/>
-              <a:t>www.flaticon.com</a:t>
-            </a:r>
-            <a:r>
-              <a:rPr lang="en-US" dirty="0" smtClean="0"/>
-              <a:t>&lt;/a&gt; is licensed by &lt;a </a:t>
-            </a:r>
-            <a:r>
-              <a:rPr lang="en-US" dirty="0" err="1" smtClean="0"/>
-              <a:t>href</a:t>
-            </a:r>
-            <a:r>
-              <a:rPr lang="en-US" dirty="0" smtClean="0"/>
-              <a:t>="http://</a:t>
-            </a:r>
-            <a:r>
-              <a:rPr lang="en-US" dirty="0" err="1" smtClean="0"/>
-              <a:t>creativecommons.org</a:t>
-            </a:r>
-            <a:r>
-              <a:rPr lang="en-US" dirty="0" smtClean="0"/>
-              <a:t>/licenses/by/3.0/" title="Creative Commons BY 3.0" target="_blank"&gt;CC 3.0 BY&lt;/a&gt;&lt;/div&gt;</a:t>
-            </a:r>
-          </a:p>
-          <a:p>
-            <a:endParaRPr lang="en-US" dirty="0" smtClean="0"/>
-          </a:p>
-          <a:p>
-            <a:endParaRPr lang="en-US" dirty="0"/>
-          </a:p>
-        </p:txBody>
-      </p:sp>
-      <p:sp>
-        <p:nvSpPr>
-          <p:cNvPr id="4" name="Slide Number Placeholder 3"/>
-          <p:cNvSpPr>
-            <a:spLocks noGrp="1"/>
-          </p:cNvSpPr>
-          <p:nvPr>
-            <p:ph type="sldNum" sz="quarter" idx="10"/>
-          </p:nvPr>
-        </p:nvSpPr>
-        <p:spPr/>
-        <p:txBody>
-          <a:bodyPr/>
-          <a:lstStyle/>
-          <a:p>
-            <a:fld id="{D6D69A79-09F5-D543-AAFD-6FEA88BC999D}" type="slidenum">
-              <a:rPr lang="en-US" smtClean="0"/>
-              <a:t>4</a:t>
-            </a:fld>
-            <a:endParaRPr lang="en-US"/>
-          </a:p>
-        </p:txBody>
-      </p:sp>
-    </p:spTree>
-    <p:extLst>
-      <p:ext uri="{BB962C8B-B14F-4D97-AF65-F5344CB8AC3E}">
-        <p14:creationId xmlns:p14="http://schemas.microsoft.com/office/powerpoint/2010/main" val="1480273301"/>
+        <p14:creationId xmlns:p14="http://schemas.microsoft.com/office/powerpoint/2010/main" val="2627156547"/>
       </p:ext>
     </p:extLst>
   </p:cSld>
@@ -1048,7 +870,7 @@
           </a:lstStyle>
           <a:p>
             <a:r>
-              <a:rPr lang="de-DE" smtClean="0"/>
+              <a:rPr lang="de-DE"/>
               <a:t>Click to edit Master title style</a:t>
             </a:r>
             <a:endParaRPr lang="en-US"/>
@@ -1113,7 +935,7 @@
           </a:lstStyle>
           <a:p>
             <a:r>
-              <a:rPr lang="de-DE" smtClean="0"/>
+              <a:rPr lang="de-DE"/>
               <a:t>Click to edit Master subtitle style</a:t>
             </a:r>
             <a:endParaRPr lang="en-US"/>
@@ -1179,7 +1001,7 @@
           <a:p>
             <a:fld id="{C709884C-2927-D047-AE78-F641CA15209D}" type="slidenum">
               <a:rPr lang="en-US" smtClean="0"/>
-              <a:t>‹#›</a:t>
+              <a:t>‹Nr.›</a:t>
             </a:fld>
             <a:endParaRPr lang="en-US"/>
           </a:p>
@@ -1231,7 +1053,7 @@
           <a:lstStyle/>
           <a:p>
             <a:r>
-              <a:rPr lang="sv-SE" smtClean="0"/>
+              <a:rPr lang="sv-SE"/>
               <a:t>Click to edit Master title style</a:t>
             </a:r>
             <a:endParaRPr lang="en-US"/>
@@ -1255,35 +1077,35 @@
           <a:p>
             <a:pPr lvl="0"/>
             <a:r>
-              <a:rPr lang="sv-SE" smtClean="0"/>
+              <a:rPr lang="sv-SE"/>
               <a:t>Click to edit Master text styles</a:t>
             </a:r>
           </a:p>
           <a:p>
             <a:pPr lvl="1"/>
             <a:r>
-              <a:rPr lang="sv-SE" smtClean="0"/>
+              <a:rPr lang="sv-SE"/>
               <a:t>Second level</a:t>
             </a:r>
           </a:p>
           <a:p>
             <a:pPr lvl="2"/>
             <a:r>
-              <a:rPr lang="sv-SE" smtClean="0"/>
+              <a:rPr lang="sv-SE"/>
               <a:t>Third level</a:t>
             </a:r>
           </a:p>
           <a:p>
             <a:pPr lvl="3"/>
             <a:r>
-              <a:rPr lang="sv-SE" smtClean="0"/>
+              <a:rPr lang="sv-SE"/>
               <a:t>Fourth level</a:t>
             </a:r>
           </a:p>
           <a:p>
             <a:pPr lvl="4"/>
             <a:r>
-              <a:rPr lang="sv-SE" smtClean="0"/>
+              <a:rPr lang="sv-SE"/>
               <a:t>Fifth level</a:t>
             </a:r>
             <a:endParaRPr lang="en-US"/>
@@ -1349,7 +1171,7 @@
           <a:p>
             <a:fld id="{C709884C-2927-D047-AE78-F641CA15209D}" type="slidenum">
               <a:rPr lang="en-US" smtClean="0"/>
-              <a:t>‹#›</a:t>
+              <a:t>‹Nr.›</a:t>
             </a:fld>
             <a:endParaRPr lang="en-US"/>
           </a:p>
@@ -1406,7 +1228,7 @@
           <a:lstStyle/>
           <a:p>
             <a:r>
-              <a:rPr lang="sv-SE" smtClean="0"/>
+              <a:rPr lang="sv-SE"/>
               <a:t>Click to edit Master title style</a:t>
             </a:r>
             <a:endParaRPr lang="en-US"/>
@@ -1435,35 +1257,35 @@
           <a:p>
             <a:pPr lvl="0"/>
             <a:r>
-              <a:rPr lang="sv-SE" smtClean="0"/>
+              <a:rPr lang="sv-SE"/>
               <a:t>Click to edit Master text styles</a:t>
             </a:r>
           </a:p>
           <a:p>
             <a:pPr lvl="1"/>
             <a:r>
-              <a:rPr lang="sv-SE" smtClean="0"/>
+              <a:rPr lang="sv-SE"/>
               <a:t>Second level</a:t>
             </a:r>
           </a:p>
           <a:p>
             <a:pPr lvl="2"/>
             <a:r>
-              <a:rPr lang="sv-SE" smtClean="0"/>
+              <a:rPr lang="sv-SE"/>
               <a:t>Third level</a:t>
             </a:r>
           </a:p>
           <a:p>
             <a:pPr lvl="3"/>
             <a:r>
-              <a:rPr lang="sv-SE" smtClean="0"/>
+              <a:rPr lang="sv-SE"/>
               <a:t>Fourth level</a:t>
             </a:r>
           </a:p>
           <a:p>
             <a:pPr lvl="4"/>
             <a:r>
-              <a:rPr lang="sv-SE" smtClean="0"/>
+              <a:rPr lang="sv-SE"/>
               <a:t>Fifth level</a:t>
             </a:r>
             <a:endParaRPr lang="en-US"/>
@@ -1529,7 +1351,7 @@
           <a:p>
             <a:fld id="{C709884C-2927-D047-AE78-F641CA15209D}" type="slidenum">
               <a:rPr lang="en-US" smtClean="0"/>
-              <a:t>‹#›</a:t>
+              <a:t>‹Nr.›</a:t>
             </a:fld>
             <a:endParaRPr lang="en-US"/>
           </a:p>
@@ -1581,7 +1403,7 @@
           <a:lstStyle/>
           <a:p>
             <a:r>
-              <a:rPr lang="de-DE" smtClean="0"/>
+              <a:rPr lang="de-DE"/>
               <a:t>Click to edit Master title style</a:t>
             </a:r>
             <a:endParaRPr lang="en-US"/>
@@ -1605,35 +1427,35 @@
           <a:p>
             <a:pPr lvl="0"/>
             <a:r>
-              <a:rPr lang="de-DE" smtClean="0"/>
+              <a:rPr lang="de-DE"/>
               <a:t>Click to edit Master text styles</a:t>
             </a:r>
           </a:p>
           <a:p>
             <a:pPr lvl="1"/>
             <a:r>
-              <a:rPr lang="de-DE" smtClean="0"/>
+              <a:rPr lang="de-DE"/>
               <a:t>Second level</a:t>
             </a:r>
           </a:p>
           <a:p>
             <a:pPr lvl="2"/>
             <a:r>
-              <a:rPr lang="de-DE" smtClean="0"/>
+              <a:rPr lang="de-DE"/>
               <a:t>Third level</a:t>
             </a:r>
           </a:p>
           <a:p>
             <a:pPr lvl="3"/>
             <a:r>
-              <a:rPr lang="de-DE" smtClean="0"/>
+              <a:rPr lang="de-DE"/>
               <a:t>Fourth level</a:t>
             </a:r>
           </a:p>
           <a:p>
             <a:pPr lvl="4"/>
             <a:r>
-              <a:rPr lang="de-DE" smtClean="0"/>
+              <a:rPr lang="de-DE"/>
               <a:t>Fifth level</a:t>
             </a:r>
             <a:endParaRPr lang="en-US"/>
@@ -1699,7 +1521,7 @@
           <a:p>
             <a:fld id="{C709884C-2927-D047-AE78-F641CA15209D}" type="slidenum">
               <a:rPr lang="en-US" smtClean="0"/>
-              <a:t>‹#›</a:t>
+              <a:t>‹Nr.›</a:t>
             </a:fld>
             <a:endParaRPr lang="en-US"/>
           </a:p>
@@ -1760,7 +1582,7 @@
           </a:lstStyle>
           <a:p>
             <a:r>
-              <a:rPr lang="sv-SE" smtClean="0"/>
+              <a:rPr lang="sv-SE"/>
               <a:t>Click to edit Master title style</a:t>
             </a:r>
             <a:endParaRPr lang="en-US"/>
@@ -1880,7 +1702,7 @@
           <a:p>
             <a:pPr lvl="0"/>
             <a:r>
-              <a:rPr lang="sv-SE" smtClean="0"/>
+              <a:rPr lang="sv-SE"/>
               <a:t>Click to edit Master text styles</a:t>
             </a:r>
           </a:p>
@@ -1945,7 +1767,7 @@
           <a:p>
             <a:fld id="{C709884C-2927-D047-AE78-F641CA15209D}" type="slidenum">
               <a:rPr lang="en-US" smtClean="0"/>
-              <a:t>‹#›</a:t>
+              <a:t>‹Nr.›</a:t>
             </a:fld>
             <a:endParaRPr lang="en-US"/>
           </a:p>
@@ -1997,7 +1819,7 @@
           <a:lstStyle/>
           <a:p>
             <a:r>
-              <a:rPr lang="sv-SE" smtClean="0"/>
+              <a:rPr lang="sv-SE"/>
               <a:t>Click to edit Master title style</a:t>
             </a:r>
             <a:endParaRPr lang="en-US"/>
@@ -2026,35 +1848,35 @@
           <a:p>
             <a:pPr lvl="0"/>
             <a:r>
-              <a:rPr lang="sv-SE" smtClean="0"/>
+              <a:rPr lang="sv-SE"/>
               <a:t>Click to edit Master text styles</a:t>
             </a:r>
           </a:p>
           <a:p>
             <a:pPr lvl="1"/>
             <a:r>
-              <a:rPr lang="sv-SE" smtClean="0"/>
+              <a:rPr lang="sv-SE"/>
               <a:t>Second level</a:t>
             </a:r>
           </a:p>
           <a:p>
             <a:pPr lvl="2"/>
             <a:r>
-              <a:rPr lang="sv-SE" smtClean="0"/>
+              <a:rPr lang="sv-SE"/>
               <a:t>Third level</a:t>
             </a:r>
           </a:p>
           <a:p>
             <a:pPr lvl="3"/>
             <a:r>
-              <a:rPr lang="sv-SE" smtClean="0"/>
+              <a:rPr lang="sv-SE"/>
               <a:t>Fourth level</a:t>
             </a:r>
           </a:p>
           <a:p>
             <a:pPr lvl="4"/>
             <a:r>
-              <a:rPr lang="sv-SE" smtClean="0"/>
+              <a:rPr lang="sv-SE"/>
               <a:t>Fifth level</a:t>
             </a:r>
             <a:endParaRPr lang="en-US"/>
@@ -2083,35 +1905,35 @@
           <a:p>
             <a:pPr lvl="0"/>
             <a:r>
-              <a:rPr lang="sv-SE" smtClean="0"/>
+              <a:rPr lang="sv-SE"/>
               <a:t>Click to edit Master text styles</a:t>
             </a:r>
           </a:p>
           <a:p>
             <a:pPr lvl="1"/>
             <a:r>
-              <a:rPr lang="sv-SE" smtClean="0"/>
+              <a:rPr lang="sv-SE"/>
               <a:t>Second level</a:t>
             </a:r>
           </a:p>
           <a:p>
             <a:pPr lvl="2"/>
             <a:r>
-              <a:rPr lang="sv-SE" smtClean="0"/>
+              <a:rPr lang="sv-SE"/>
               <a:t>Third level</a:t>
             </a:r>
           </a:p>
           <a:p>
             <a:pPr lvl="3"/>
             <a:r>
-              <a:rPr lang="sv-SE" smtClean="0"/>
+              <a:rPr lang="sv-SE"/>
               <a:t>Fourth level</a:t>
             </a:r>
           </a:p>
           <a:p>
             <a:pPr lvl="4"/>
             <a:r>
-              <a:rPr lang="sv-SE" smtClean="0"/>
+              <a:rPr lang="sv-SE"/>
               <a:t>Fifth level</a:t>
             </a:r>
             <a:endParaRPr lang="en-US"/>
@@ -2177,7 +1999,7 @@
           <a:p>
             <a:fld id="{C709884C-2927-D047-AE78-F641CA15209D}" type="slidenum">
               <a:rPr lang="en-US" smtClean="0"/>
-              <a:t>‹#›</a:t>
+              <a:t>‹Nr.›</a:t>
             </a:fld>
             <a:endParaRPr lang="en-US"/>
           </a:p>
@@ -2234,7 +2056,7 @@
           <a:lstStyle/>
           <a:p>
             <a:r>
-              <a:rPr lang="sv-SE" smtClean="0"/>
+              <a:rPr lang="sv-SE"/>
               <a:t>Click to edit Master title style</a:t>
             </a:r>
             <a:endParaRPr lang="en-US"/>
@@ -2300,7 +2122,7 @@
           <a:p>
             <a:pPr lvl="0"/>
             <a:r>
-              <a:rPr lang="sv-SE" smtClean="0"/>
+              <a:rPr lang="sv-SE"/>
               <a:t>Click to edit Master text styles</a:t>
             </a:r>
           </a:p>
@@ -2328,35 +2150,35 @@
           <a:p>
             <a:pPr lvl="0"/>
             <a:r>
-              <a:rPr lang="sv-SE" smtClean="0"/>
+              <a:rPr lang="sv-SE"/>
               <a:t>Click to edit Master text styles</a:t>
             </a:r>
           </a:p>
           <a:p>
             <a:pPr lvl="1"/>
             <a:r>
-              <a:rPr lang="sv-SE" smtClean="0"/>
+              <a:rPr lang="sv-SE"/>
               <a:t>Second level</a:t>
             </a:r>
           </a:p>
           <a:p>
             <a:pPr lvl="2"/>
             <a:r>
-              <a:rPr lang="sv-SE" smtClean="0"/>
+              <a:rPr lang="sv-SE"/>
               <a:t>Third level</a:t>
             </a:r>
           </a:p>
           <a:p>
             <a:pPr lvl="3"/>
             <a:r>
-              <a:rPr lang="sv-SE" smtClean="0"/>
+              <a:rPr lang="sv-SE"/>
               <a:t>Fourth level</a:t>
             </a:r>
           </a:p>
           <a:p>
             <a:pPr lvl="4"/>
             <a:r>
-              <a:rPr lang="sv-SE" smtClean="0"/>
+              <a:rPr lang="sv-SE"/>
               <a:t>Fifth level</a:t>
             </a:r>
             <a:endParaRPr lang="en-US"/>
@@ -2422,7 +2244,7 @@
           <a:p>
             <a:pPr lvl="0"/>
             <a:r>
-              <a:rPr lang="sv-SE" smtClean="0"/>
+              <a:rPr lang="sv-SE"/>
               <a:t>Click to edit Master text styles</a:t>
             </a:r>
           </a:p>
@@ -2450,35 +2272,35 @@
           <a:p>
             <a:pPr lvl="0"/>
             <a:r>
-              <a:rPr lang="sv-SE" smtClean="0"/>
+              <a:rPr lang="sv-SE"/>
               <a:t>Click to edit Master text styles</a:t>
             </a:r>
           </a:p>
           <a:p>
             <a:pPr lvl="1"/>
             <a:r>
-              <a:rPr lang="sv-SE" smtClean="0"/>
+              <a:rPr lang="sv-SE"/>
               <a:t>Second level</a:t>
             </a:r>
           </a:p>
           <a:p>
             <a:pPr lvl="2"/>
             <a:r>
-              <a:rPr lang="sv-SE" smtClean="0"/>
+              <a:rPr lang="sv-SE"/>
               <a:t>Third level</a:t>
             </a:r>
           </a:p>
           <a:p>
             <a:pPr lvl="3"/>
             <a:r>
-              <a:rPr lang="sv-SE" smtClean="0"/>
+              <a:rPr lang="sv-SE"/>
               <a:t>Fourth level</a:t>
             </a:r>
           </a:p>
           <a:p>
             <a:pPr lvl="4"/>
             <a:r>
-              <a:rPr lang="sv-SE" smtClean="0"/>
+              <a:rPr lang="sv-SE"/>
               <a:t>Fifth level</a:t>
             </a:r>
             <a:endParaRPr lang="en-US"/>
@@ -2544,7 +2366,7 @@
           <a:p>
             <a:fld id="{C709884C-2927-D047-AE78-F641CA15209D}" type="slidenum">
               <a:rPr lang="en-US" smtClean="0"/>
-              <a:t>‹#›</a:t>
+              <a:t>‹Nr.›</a:t>
             </a:fld>
             <a:endParaRPr lang="en-US"/>
           </a:p>
@@ -2596,7 +2418,7 @@
           <a:lstStyle/>
           <a:p>
             <a:r>
-              <a:rPr lang="sv-SE" smtClean="0"/>
+              <a:rPr lang="sv-SE"/>
               <a:t>Click to edit Master title style</a:t>
             </a:r>
             <a:endParaRPr lang="en-US"/>
@@ -2662,7 +2484,7 @@
           <a:p>
             <a:fld id="{C709884C-2927-D047-AE78-F641CA15209D}" type="slidenum">
               <a:rPr lang="en-US" smtClean="0"/>
-              <a:t>‹#›</a:t>
+              <a:t>‹Nr.›</a:t>
             </a:fld>
             <a:endParaRPr lang="en-US"/>
           </a:p>
@@ -2757,7 +2579,7 @@
           <a:p>
             <a:fld id="{C709884C-2927-D047-AE78-F641CA15209D}" type="slidenum">
               <a:rPr lang="en-US" smtClean="0"/>
-              <a:t>‹#›</a:t>
+              <a:t>‹Nr.›</a:t>
             </a:fld>
             <a:endParaRPr lang="en-US"/>
           </a:p>
@@ -2818,7 +2640,7 @@
           </a:lstStyle>
           <a:p>
             <a:r>
-              <a:rPr lang="sv-SE" smtClean="0"/>
+              <a:rPr lang="sv-SE"/>
               <a:t>Click to edit Master title style</a:t>
             </a:r>
             <a:endParaRPr lang="en-US"/>
@@ -2875,35 +2697,35 @@
           <a:p>
             <a:pPr lvl="0"/>
             <a:r>
-              <a:rPr lang="sv-SE" smtClean="0"/>
+              <a:rPr lang="sv-SE"/>
               <a:t>Click to edit Master text styles</a:t>
             </a:r>
           </a:p>
           <a:p>
             <a:pPr lvl="1"/>
             <a:r>
-              <a:rPr lang="sv-SE" smtClean="0"/>
+              <a:rPr lang="sv-SE"/>
               <a:t>Second level</a:t>
             </a:r>
           </a:p>
           <a:p>
             <a:pPr lvl="2"/>
             <a:r>
-              <a:rPr lang="sv-SE" smtClean="0"/>
+              <a:rPr lang="sv-SE"/>
               <a:t>Third level</a:t>
             </a:r>
           </a:p>
           <a:p>
             <a:pPr lvl="3"/>
             <a:r>
-              <a:rPr lang="sv-SE" smtClean="0"/>
+              <a:rPr lang="sv-SE"/>
               <a:t>Fourth level</a:t>
             </a:r>
           </a:p>
           <a:p>
             <a:pPr lvl="4"/>
             <a:r>
-              <a:rPr lang="sv-SE" smtClean="0"/>
+              <a:rPr lang="sv-SE"/>
               <a:t>Fifth level</a:t>
             </a:r>
             <a:endParaRPr lang="en-US"/>
@@ -2969,7 +2791,7 @@
           <a:p>
             <a:pPr lvl="0"/>
             <a:r>
-              <a:rPr lang="sv-SE" smtClean="0"/>
+              <a:rPr lang="sv-SE"/>
               <a:t>Click to edit Master text styles</a:t>
             </a:r>
           </a:p>
@@ -3034,7 +2856,7 @@
           <a:p>
             <a:fld id="{C709884C-2927-D047-AE78-F641CA15209D}" type="slidenum">
               <a:rPr lang="en-US" smtClean="0"/>
-              <a:t>‹#›</a:t>
+              <a:t>‹Nr.›</a:t>
             </a:fld>
             <a:endParaRPr lang="en-US"/>
           </a:p>
@@ -3095,7 +2917,7 @@
           </a:lstStyle>
           <a:p>
             <a:r>
-              <a:rPr lang="sv-SE" smtClean="0"/>
+              <a:rPr lang="sv-SE"/>
               <a:t>Click to edit Master title style</a:t>
             </a:r>
             <a:endParaRPr lang="en-US"/>
@@ -3222,7 +3044,7 @@
           <a:p>
             <a:pPr lvl="0"/>
             <a:r>
-              <a:rPr lang="sv-SE" smtClean="0"/>
+              <a:rPr lang="sv-SE"/>
               <a:t>Click to edit Master text styles</a:t>
             </a:r>
           </a:p>
@@ -3287,7 +3109,7 @@
           <a:p>
             <a:fld id="{C709884C-2927-D047-AE78-F641CA15209D}" type="slidenum">
               <a:rPr lang="en-US" smtClean="0"/>
-              <a:t>‹#›</a:t>
+              <a:t>‹Nr.›</a:t>
             </a:fld>
             <a:endParaRPr lang="en-US"/>
           </a:p>
@@ -3354,7 +3176,7 @@
           <a:lstStyle/>
           <a:p>
             <a:r>
-              <a:rPr lang="de-DE" smtClean="0"/>
+              <a:rPr lang="de-DE"/>
               <a:t>Click to edit Master title style</a:t>
             </a:r>
             <a:endParaRPr lang="en-US"/>
@@ -3388,35 +3210,35 @@
           <a:p>
             <a:pPr lvl="0"/>
             <a:r>
-              <a:rPr lang="de-DE" smtClean="0"/>
+              <a:rPr lang="de-DE"/>
               <a:t>Click to edit Master text styles</a:t>
             </a:r>
           </a:p>
           <a:p>
             <a:pPr lvl="1"/>
             <a:r>
-              <a:rPr lang="de-DE" smtClean="0"/>
+              <a:rPr lang="de-DE"/>
               <a:t>Second level</a:t>
             </a:r>
           </a:p>
           <a:p>
             <a:pPr lvl="2"/>
             <a:r>
-              <a:rPr lang="de-DE" smtClean="0"/>
+              <a:rPr lang="de-DE"/>
               <a:t>Third level</a:t>
             </a:r>
           </a:p>
           <a:p>
             <a:pPr lvl="3"/>
             <a:r>
-              <a:rPr lang="de-DE" smtClean="0"/>
+              <a:rPr lang="de-DE"/>
               <a:t>Fourth level</a:t>
             </a:r>
           </a:p>
           <a:p>
             <a:pPr lvl="4"/>
             <a:r>
-              <a:rPr lang="de-DE" smtClean="0"/>
+              <a:rPr lang="de-DE"/>
               <a:t>Fifth level</a:t>
             </a:r>
             <a:endParaRPr lang="en-US"/>
@@ -3536,7 +3358,7 @@
           <a:p>
             <a:fld id="{C709884C-2927-D047-AE78-F641CA15209D}" type="slidenum">
               <a:rPr lang="en-US" smtClean="0"/>
-              <a:t>‹#›</a:t>
+              <a:t>‹Nr.›</a:t>
             </a:fld>
             <a:endParaRPr lang="en-US"/>
           </a:p>
@@ -3863,84 +3685,9 @@
           <a:chExt cx="0" cy="0"/>
         </a:xfrm>
       </p:grpSpPr>
-      <p:sp>
-        <p:nvSpPr>
-          <p:cNvPr id="2" name="Title 1"/>
-          <p:cNvSpPr>
-            <a:spLocks noGrp="1"/>
-          </p:cNvSpPr>
-          <p:nvPr>
-            <p:ph type="ctrTitle"/>
-          </p:nvPr>
-        </p:nvSpPr>
-        <p:spPr/>
-        <p:txBody>
-          <a:bodyPr/>
-          <a:lstStyle/>
-          <a:p>
-            <a:endParaRPr lang="en-US" dirty="0"/>
-          </a:p>
-        </p:txBody>
-      </p:sp>
-      <p:sp>
-        <p:nvSpPr>
-          <p:cNvPr id="3" name="Subtitle 2"/>
-          <p:cNvSpPr>
-            <a:spLocks noGrp="1"/>
-          </p:cNvSpPr>
-          <p:nvPr>
-            <p:ph type="subTitle" idx="1"/>
-          </p:nvPr>
-        </p:nvSpPr>
-        <p:spPr/>
-        <p:txBody>
-          <a:bodyPr/>
-          <a:lstStyle/>
-          <a:p>
-            <a:endParaRPr lang="en-US"/>
-          </a:p>
-        </p:txBody>
-      </p:sp>
-    </p:spTree>
-    <p:extLst>
-      <p:ext uri="{BB962C8B-B14F-4D97-AF65-F5344CB8AC3E}">
-        <p14:creationId xmlns:p14="http://schemas.microsoft.com/office/powerpoint/2010/main" val="293322447"/>
-      </p:ext>
-    </p:extLst>
-  </p:cSld>
-  <p:clrMapOvr>
-    <a:masterClrMapping/>
-  </p:clrMapOvr>
-  <p:timing>
-    <p:tnLst>
-      <p:par>
-        <p:cTn id="1" dur="indefinite" restart="never" nodeType="tmRoot"/>
-      </p:par>
-    </p:tnLst>
-  </p:timing>
-</p:sld>
-</file>
-
-<file path=ppt/slides/slide2.xml><?xml version="1.0" encoding="utf-8"?>
-<p:sld xmlns:a="http://schemas.openxmlformats.org/drawingml/2006/main" xmlns:r="http://schemas.openxmlformats.org/officeDocument/2006/relationships" xmlns:p="http://schemas.openxmlformats.org/presentationml/2006/main">
-  <p:cSld>
-    <p:spTree>
-      <p:nvGrpSpPr>
-        <p:cNvPr id="1" name=""/>
-        <p:cNvGrpSpPr/>
-        <p:nvPr/>
-      </p:nvGrpSpPr>
-      <p:grpSpPr>
-        <a:xfrm>
-          <a:off x="0" y="0"/>
-          <a:ext cx="0" cy="0"/>
-          <a:chOff x="0" y="0"/>
-          <a:chExt cx="0" cy="0"/>
-        </a:xfrm>
-      </p:grpSpPr>
       <p:grpSp>
         <p:nvGrpSpPr>
-          <p:cNvPr id="92" name="Group 91"/>
+          <p:cNvPr id="55" name="Group 54"/>
           <p:cNvGrpSpPr/>
           <p:nvPr/>
         </p:nvGrpSpPr>
@@ -3954,7 +3701,7 @@
         </p:grpSpPr>
         <p:sp>
           <p:nvSpPr>
-            <p:cNvPr id="91" name="Oval 90"/>
+            <p:cNvPr id="57" name="Oval 56"/>
             <p:cNvSpPr/>
             <p:nvPr/>
           </p:nvSpPr>
@@ -4003,7 +3750,7 @@
         </p:sp>
         <p:sp>
           <p:nvSpPr>
-            <p:cNvPr id="90" name="Oval 89"/>
+            <p:cNvPr id="58" name="Oval 57"/>
             <p:cNvSpPr/>
             <p:nvPr/>
           </p:nvSpPr>
@@ -4201,18 +3948,53 @@
           </a:prstGeom>
         </p:spPr>
       </p:pic>
+      <p:sp>
+        <p:nvSpPr>
+          <p:cNvPr id="53" name="TextBox 52"/>
+          <p:cNvSpPr txBox="1"/>
+          <p:nvPr/>
+        </p:nvSpPr>
+        <p:spPr>
+          <a:xfrm>
+            <a:off x="512033" y="252248"/>
+            <a:ext cx="8726560" cy="707886"/>
+          </a:xfrm>
+          <a:prstGeom prst="rect">
+            <a:avLst/>
+          </a:prstGeom>
+          <a:noFill/>
+        </p:spPr>
+        <p:txBody>
+          <a:bodyPr wrap="square" rtlCol="0">
+            <a:spAutoFit/>
+          </a:bodyPr>
+          <a:lstStyle/>
+          <a:p>
+            <a:r>
+              <a:rPr lang="en-US" sz="4000"/>
+              <a:t>Our Model</a:t>
+            </a:r>
+          </a:p>
+        </p:txBody>
+      </p:sp>
       <p:grpSp>
         <p:nvGrpSpPr>
-          <p:cNvPr id="88" name="Group 87"/>
+          <p:cNvPr id="21" name="Gruppieren 20">
+            <a:extLst>
+              <a:ext uri="{FF2B5EF4-FFF2-40B4-BE49-F238E27FC236}">
+                <a16:creationId xmlns:a16="http://schemas.microsoft.com/office/drawing/2014/main" id="{24037047-10DE-5645-BBFF-F8C49B3324FF}"/>
+              </a:ext>
+            </a:extLst>
+          </p:cNvPr>
           <p:cNvGrpSpPr/>
           <p:nvPr/>
         </p:nvGrpSpPr>
         <p:grpSpPr>
           <a:xfrm>
-            <a:off x="486713" y="1087821"/>
-            <a:ext cx="10037545" cy="5475741"/>
-            <a:chOff x="486713" y="216201"/>
-            <a:chExt cx="10661327" cy="6347361"/>
+            <a:off x="478089" y="1087200"/>
+            <a:ext cx="10045424" cy="5475600"/>
+            <a:chOff x="478089" y="1087200"/>
+            <a:chExt cx="10045424" cy="5475600"/>
           </a:xfrm>
         </p:grpSpPr>
         <p:sp>
@@ -4223,8 +4005,8 @@
           </p:nvSpPr>
           <p:spPr>
             <a:xfrm>
-              <a:off x="486713" y="216201"/>
-              <a:ext cx="10652166" cy="6347361"/>
+              <a:off x="486713" y="1087200"/>
+              <a:ext cx="10028176" cy="5475600"/>
             </a:xfrm>
             <a:prstGeom prst="snipRoundRect">
               <a:avLst>
@@ -4239,9 +4021,7 @@
               </a:schemeClr>
             </a:solidFill>
             <a:ln>
-              <a:solidFill>
-                <a:schemeClr val="bg2"/>
-              </a:solidFill>
+              <a:noFill/>
             </a:ln>
           </p:spPr>
           <p:style>
@@ -4277,8 +4057,8 @@
           </p:nvSpPr>
           <p:spPr>
             <a:xfrm>
-              <a:off x="8048663" y="216201"/>
-              <a:ext cx="3099377" cy="6347361"/>
+              <a:off x="7605694" y="1087200"/>
+              <a:ext cx="2917819" cy="5475600"/>
             </a:xfrm>
             <a:prstGeom prst="roundRect">
               <a:avLst>
@@ -4292,9 +4072,7 @@
               </a:schemeClr>
             </a:solidFill>
             <a:ln w="12700">
-              <a:solidFill>
-                <a:schemeClr val="bg2"/>
-              </a:solidFill>
+              <a:noFill/>
             </a:ln>
           </p:spPr>
           <p:style>
@@ -4330,8 +4108,8 @@
           </p:nvSpPr>
           <p:spPr>
             <a:xfrm>
-              <a:off x="513607" y="216201"/>
-              <a:ext cx="3628087" cy="6347361"/>
+              <a:off x="478089" y="1087200"/>
+              <a:ext cx="3449501" cy="5475600"/>
             </a:xfrm>
             <a:prstGeom prst="roundRect">
               <a:avLst>
@@ -4345,11 +4123,7 @@
               </a:schemeClr>
             </a:solidFill>
             <a:ln w="28575">
-              <a:solidFill>
-                <a:schemeClr val="bg2">
-                  <a:lumMod val="90000"/>
-                </a:schemeClr>
-              </a:solidFill>
+              <a:noFill/>
             </a:ln>
           </p:spPr>
           <p:style>
@@ -4379,7 +4153,7 @@
         </p:sp>
         <p:pic>
           <p:nvPicPr>
-            <p:cNvPr id="16" name="Picture 15"/>
+            <p:cNvPr id="23" name="Picture 22"/>
             <p:cNvPicPr>
               <a:picLocks noChangeAspect="1"/>
             </p:cNvPicPr>
@@ -4399,68 +4173,8 @@
           </p:blipFill>
           <p:spPr>
             <a:xfrm>
-              <a:off x="5764733" y="1180700"/>
-              <a:ext cx="915512" cy="915512"/>
-            </a:xfrm>
-            <a:prstGeom prst="rect">
-              <a:avLst/>
-            </a:prstGeom>
-          </p:spPr>
-        </p:pic>
-        <p:pic>
-          <p:nvPicPr>
-            <p:cNvPr id="19" name="Picture 18"/>
-            <p:cNvPicPr>
-              <a:picLocks noChangeAspect="1"/>
-            </p:cNvPicPr>
-            <p:nvPr/>
-          </p:nvPicPr>
-          <p:blipFill>
-            <a:blip r:embed="rId9">
-              <a:extLst>
-                <a:ext uri="{28A0092B-C50C-407E-A947-70E740481C1C}">
-                  <a14:useLocalDpi xmlns:a14="http://schemas.microsoft.com/office/drawing/2010/main" val="0"/>
-                </a:ext>
-              </a:extLst>
-            </a:blip>
-            <a:stretch>
-              <a:fillRect/>
-            </a:stretch>
-          </p:blipFill>
-          <p:spPr>
-            <a:xfrm>
-              <a:off x="9063997" y="4918052"/>
-              <a:ext cx="540000" cy="540000"/>
-            </a:xfrm>
-            <a:prstGeom prst="rect">
-              <a:avLst/>
-            </a:prstGeom>
-          </p:spPr>
-        </p:pic>
-        <p:pic>
-          <p:nvPicPr>
-            <p:cNvPr id="23" name="Picture 22"/>
-            <p:cNvPicPr>
-              <a:picLocks noChangeAspect="1"/>
-            </p:cNvPicPr>
-            <p:nvPr/>
-          </p:nvPicPr>
-          <p:blipFill>
-            <a:blip r:embed="rId10">
-              <a:extLst>
-                <a:ext uri="{28A0092B-C50C-407E-A947-70E740481C1C}">
-                  <a14:useLocalDpi xmlns:a14="http://schemas.microsoft.com/office/drawing/2010/main" val="0"/>
-                </a:ext>
-              </a:extLst>
-            </a:blip>
-            <a:stretch>
-              <a:fillRect/>
-            </a:stretch>
-          </p:blipFill>
-          <p:spPr>
-            <a:xfrm>
-              <a:off x="9104461" y="777633"/>
-              <a:ext cx="540000" cy="540000"/>
+              <a:off x="8599644" y="1571524"/>
+              <a:ext cx="508367" cy="465835"/>
             </a:xfrm>
             <a:prstGeom prst="rect">
               <a:avLst/>
@@ -4469,194 +4183,14 @@
         </p:pic>
         <p:grpSp>
           <p:nvGrpSpPr>
-            <p:cNvPr id="28" name="Group 27"/>
-            <p:cNvGrpSpPr/>
-            <p:nvPr/>
-          </p:nvGrpSpPr>
-          <p:grpSpPr>
-            <a:xfrm>
-              <a:off x="4677799" y="1278634"/>
-              <a:ext cx="686905" cy="692268"/>
-              <a:chOff x="4627756" y="1549054"/>
-              <a:chExt cx="686905" cy="692268"/>
-            </a:xfrm>
-          </p:grpSpPr>
-          <p:pic>
-            <p:nvPicPr>
-              <p:cNvPr id="15" name="Picture 14"/>
-              <p:cNvPicPr>
-                <a:picLocks noChangeAspect="1"/>
-              </p:cNvPicPr>
-              <p:nvPr/>
-            </p:nvPicPr>
-            <p:blipFill>
-              <a:blip r:embed="rId11">
-                <a:extLst>
-                  <a:ext uri="{28A0092B-C50C-407E-A947-70E740481C1C}">
-                    <a14:useLocalDpi xmlns:a14="http://schemas.microsoft.com/office/drawing/2010/main" val="0"/>
-                  </a:ext>
-                </a:extLst>
-              </a:blip>
-              <a:stretch>
-                <a:fillRect/>
-              </a:stretch>
-            </p:blipFill>
-            <p:spPr>
-              <a:xfrm>
-                <a:off x="4627756" y="1549054"/>
-                <a:ext cx="540000" cy="540000"/>
-              </a:xfrm>
-              <a:prstGeom prst="rect">
-                <a:avLst/>
-              </a:prstGeom>
-            </p:spPr>
-          </p:pic>
-          <p:pic>
-            <p:nvPicPr>
-              <p:cNvPr id="27" name="Picture 26"/>
-              <p:cNvPicPr>
-                <a:picLocks noChangeAspect="1"/>
-              </p:cNvPicPr>
-              <p:nvPr/>
-            </p:nvPicPr>
-            <p:blipFill>
-              <a:blip r:embed="rId11">
-                <a:extLst>
-                  <a:ext uri="{28A0092B-C50C-407E-A947-70E740481C1C}">
-                    <a14:useLocalDpi xmlns:a14="http://schemas.microsoft.com/office/drawing/2010/main" val="0"/>
-                  </a:ext>
-                </a:extLst>
-              </a:blip>
-              <a:stretch>
-                <a:fillRect/>
-              </a:stretch>
-            </p:blipFill>
-            <p:spPr>
-              <a:xfrm>
-                <a:off x="4774661" y="1701322"/>
-                <a:ext cx="540000" cy="540000"/>
-              </a:xfrm>
-              <a:prstGeom prst="rect">
-                <a:avLst/>
-              </a:prstGeom>
-            </p:spPr>
-          </p:pic>
-        </p:grpSp>
-        <p:pic>
-          <p:nvPicPr>
-            <p:cNvPr id="33" name="Picture 32"/>
-            <p:cNvPicPr>
-              <a:picLocks noChangeAspect="1"/>
-            </p:cNvPicPr>
-            <p:nvPr/>
-          </p:nvPicPr>
-          <p:blipFill>
-            <a:blip r:embed="rId10">
-              <a:extLst>
-                <a:ext uri="{28A0092B-C50C-407E-A947-70E740481C1C}">
-                  <a14:useLocalDpi xmlns:a14="http://schemas.microsoft.com/office/drawing/2010/main" val="0"/>
-                </a:ext>
-              </a:extLst>
-            </a:blip>
-            <a:stretch>
-              <a:fillRect/>
-            </a:stretch>
-          </p:blipFill>
-          <p:spPr>
-            <a:xfrm>
-              <a:off x="9104400" y="2070898"/>
-              <a:ext cx="540000" cy="540000"/>
-            </a:xfrm>
-            <a:prstGeom prst="rect">
-              <a:avLst/>
-            </a:prstGeom>
-          </p:spPr>
-        </p:pic>
-        <p:grpSp>
-          <p:nvGrpSpPr>
-            <p:cNvPr id="34" name="Group 33"/>
-            <p:cNvGrpSpPr/>
-            <p:nvPr/>
-          </p:nvGrpSpPr>
-          <p:grpSpPr>
-            <a:xfrm>
-              <a:off x="7179883" y="2018197"/>
-              <a:ext cx="543678" cy="539868"/>
-              <a:chOff x="4627756" y="1549054"/>
-              <a:chExt cx="686905" cy="692268"/>
-            </a:xfrm>
-          </p:grpSpPr>
-          <p:pic>
-            <p:nvPicPr>
-              <p:cNvPr id="35" name="Picture 34"/>
-              <p:cNvPicPr>
-                <a:picLocks noChangeAspect="1"/>
-              </p:cNvPicPr>
-              <p:nvPr/>
-            </p:nvPicPr>
-            <p:blipFill>
-              <a:blip r:embed="rId11">
-                <a:extLst>
-                  <a:ext uri="{28A0092B-C50C-407E-A947-70E740481C1C}">
-                    <a14:useLocalDpi xmlns:a14="http://schemas.microsoft.com/office/drawing/2010/main" val="0"/>
-                  </a:ext>
-                </a:extLst>
-              </a:blip>
-              <a:stretch>
-                <a:fillRect/>
-              </a:stretch>
-            </p:blipFill>
-            <p:spPr>
-              <a:xfrm>
-                <a:off x="4627756" y="1549054"/>
-                <a:ext cx="540000" cy="540000"/>
-              </a:xfrm>
-              <a:prstGeom prst="rect">
-                <a:avLst/>
-              </a:prstGeom>
-            </p:spPr>
-          </p:pic>
-          <p:pic>
-            <p:nvPicPr>
-              <p:cNvPr id="36" name="Picture 35"/>
-              <p:cNvPicPr>
-                <a:picLocks noChangeAspect="1"/>
-              </p:cNvPicPr>
-              <p:nvPr/>
-            </p:nvPicPr>
-            <p:blipFill>
-              <a:blip r:embed="rId11">
-                <a:extLst>
-                  <a:ext uri="{28A0092B-C50C-407E-A947-70E740481C1C}">
-                    <a14:useLocalDpi xmlns:a14="http://schemas.microsoft.com/office/drawing/2010/main" val="0"/>
-                  </a:ext>
-                </a:extLst>
-              </a:blip>
-              <a:stretch>
-                <a:fillRect/>
-              </a:stretch>
-            </p:blipFill>
-            <p:spPr>
-              <a:xfrm>
-                <a:off x="4774661" y="1701322"/>
-                <a:ext cx="540000" cy="540000"/>
-              </a:xfrm>
-              <a:prstGeom prst="rect">
-                <a:avLst/>
-              </a:prstGeom>
-            </p:spPr>
-          </p:pic>
-        </p:grpSp>
-        <p:grpSp>
-          <p:nvGrpSpPr>
             <p:cNvPr id="37" name="Group 36"/>
             <p:cNvGrpSpPr/>
             <p:nvPr/>
           </p:nvGrpSpPr>
           <p:grpSpPr>
             <a:xfrm>
-              <a:off x="7182639" y="725579"/>
-              <a:ext cx="543678" cy="539868"/>
+              <a:off x="6790400" y="1526619"/>
+              <a:ext cx="511830" cy="465721"/>
               <a:chOff x="4627756" y="1549054"/>
               <a:chExt cx="686905" cy="692268"/>
             </a:xfrm>
@@ -4670,7 +4204,7 @@
               <p:nvPr/>
             </p:nvPicPr>
             <p:blipFill>
-              <a:blip r:embed="rId11">
+              <a:blip r:embed="rId9">
                 <a:extLst>
                   <a:ext uri="{28A0092B-C50C-407E-A947-70E740481C1C}">
                     <a14:useLocalDpi xmlns:a14="http://schemas.microsoft.com/office/drawing/2010/main" val="0"/>
@@ -4700,7 +4234,7 @@
               <p:nvPr/>
             </p:nvPicPr>
             <p:blipFill>
-              <a:blip r:embed="rId11">
+              <a:blip r:embed="rId9">
                 <a:extLst>
                   <a:ext uri="{28A0092B-C50C-407E-A947-70E740481C1C}">
                     <a14:useLocalDpi xmlns:a14="http://schemas.microsoft.com/office/drawing/2010/main" val="0"/>
@@ -4730,8 +4264,8 @@
           </p:nvGrpSpPr>
           <p:grpSpPr>
             <a:xfrm>
-              <a:off x="941294" y="1293658"/>
-              <a:ext cx="833718" cy="914400"/>
+              <a:off x="914665" y="2016677"/>
+              <a:ext cx="784880" cy="788814"/>
               <a:chOff x="941294" y="1721224"/>
               <a:chExt cx="833718" cy="914400"/>
             </a:xfrm>
@@ -4791,7 +4325,7 @@
               <p:nvPr/>
             </p:nvPicPr>
             <p:blipFill>
-              <a:blip r:embed="rId12">
+              <a:blip r:embed="rId10">
                 <a:extLst>
                   <a:ext uri="{28A0092B-C50C-407E-A947-70E740481C1C}">
                     <a14:useLocalDpi xmlns:a14="http://schemas.microsoft.com/office/drawing/2010/main" val="0"/>
@@ -4824,8 +4358,8 @@
           </p:nvGrpSpPr>
           <p:grpSpPr>
             <a:xfrm>
-              <a:off x="941294" y="3112123"/>
-              <a:ext cx="833718" cy="914400"/>
+              <a:off x="914665" y="3585389"/>
+              <a:ext cx="784880" cy="788814"/>
               <a:chOff x="941294" y="1721224"/>
               <a:chExt cx="833718" cy="914400"/>
             </a:xfrm>
@@ -4885,7 +4419,7 @@
               <p:nvPr/>
             </p:nvPicPr>
             <p:blipFill>
-              <a:blip r:embed="rId12">
+              <a:blip r:embed="rId10">
                 <a:extLst>
                   <a:ext uri="{28A0092B-C50C-407E-A947-70E740481C1C}">
                     <a14:useLocalDpi xmlns:a14="http://schemas.microsoft.com/office/drawing/2010/main" val="0"/>
@@ -4918,8 +4452,8 @@
           </p:nvGrpSpPr>
           <p:grpSpPr>
             <a:xfrm>
-              <a:off x="941294" y="4930589"/>
-              <a:ext cx="833718" cy="914400"/>
+              <a:off x="914665" y="5154103"/>
+              <a:ext cx="784880" cy="788814"/>
               <a:chOff x="941294" y="1721224"/>
               <a:chExt cx="833718" cy="914400"/>
             </a:xfrm>
@@ -4979,7 +4513,7 @@
               <p:nvPr/>
             </p:nvPicPr>
             <p:blipFill>
-              <a:blip r:embed="rId12">
+              <a:blip r:embed="rId10">
                 <a:extLst>
                   <a:ext uri="{28A0092B-C50C-407E-A947-70E740481C1C}">
                     <a14:useLocalDpi xmlns:a14="http://schemas.microsoft.com/office/drawing/2010/main" val="0"/>
@@ -5013,7 +4547,7 @@
             <p:nvPr/>
           </p:nvPicPr>
           <p:blipFill>
-            <a:blip r:embed="rId13">
+            <a:blip r:embed="rId11">
               <a:extLst>
                 <a:ext uri="{28A0092B-C50C-407E-A947-70E740481C1C}">
                   <a14:useLocalDpi xmlns:a14="http://schemas.microsoft.com/office/drawing/2010/main" val="0"/>
@@ -5026,8 +4560,8 @@
           </p:blipFill>
           <p:spPr>
             <a:xfrm>
-              <a:off x="3009984" y="788336"/>
-              <a:ext cx="540000" cy="540000"/>
+              <a:off x="2862174" y="1580757"/>
+              <a:ext cx="508367" cy="465835"/>
             </a:xfrm>
             <a:prstGeom prst="rect">
               <a:avLst/>
@@ -5043,7 +4577,7 @@
             <p:nvPr/>
           </p:nvPicPr>
           <p:blipFill>
-            <a:blip r:embed="rId14">
+            <a:blip r:embed="rId12">
               <a:extLst>
                 <a:ext uri="{28A0092B-C50C-407E-A947-70E740481C1C}">
                   <a14:useLocalDpi xmlns:a14="http://schemas.microsoft.com/office/drawing/2010/main" val="0"/>
@@ -5056,8 +4590,8 @@
           </p:blipFill>
           <p:spPr>
             <a:xfrm>
-              <a:off x="3012303" y="3577541"/>
-              <a:ext cx="540000" cy="540000"/>
+              <a:off x="2864357" y="3986886"/>
+              <a:ext cx="508367" cy="465835"/>
             </a:xfrm>
             <a:prstGeom prst="rect">
               <a:avLst/>
@@ -5072,8 +4606,8 @@
           </p:nvGrpSpPr>
           <p:grpSpPr>
             <a:xfrm>
-              <a:off x="2851951" y="2070898"/>
-              <a:ext cx="833810" cy="933996"/>
+              <a:off x="2713398" y="2687169"/>
+              <a:ext cx="784966" cy="805719"/>
               <a:chOff x="2851951" y="2070898"/>
               <a:chExt cx="833810" cy="933996"/>
             </a:xfrm>
@@ -5130,7 +4664,7 @@
               <p:nvPr/>
             </p:nvPicPr>
             <p:blipFill>
-              <a:blip r:embed="rId15">
+              <a:blip r:embed="rId13">
                 <a:extLst>
                   <a:ext uri="{28A0092B-C50C-407E-A947-70E740481C1C}">
                     <a14:useLocalDpi xmlns:a14="http://schemas.microsoft.com/office/drawing/2010/main" val="0"/>
@@ -5166,8 +4700,8 @@
           </p:nvCxnSpPr>
           <p:spPr>
             <a:xfrm flipV="1">
-              <a:off x="1775012" y="2528904"/>
-              <a:ext cx="1076939" cy="2858885"/>
+              <a:off x="1699545" y="3082271"/>
+              <a:ext cx="1013853" cy="2466239"/>
             </a:xfrm>
             <a:prstGeom prst="bentConnector3">
               <a:avLst/>
@@ -5205,8 +4739,8 @@
           </p:nvCxnSpPr>
           <p:spPr>
             <a:xfrm flipV="1">
-              <a:off x="1775012" y="2528904"/>
-              <a:ext cx="1074147" cy="985573"/>
+              <a:off x="1699545" y="3082271"/>
+              <a:ext cx="1011225" cy="850212"/>
             </a:xfrm>
             <a:prstGeom prst="bentConnector3">
               <a:avLst>
@@ -5248,8 +4782,8 @@
           </p:nvCxnSpPr>
           <p:spPr>
             <a:xfrm>
-              <a:off x="1775012" y="1750858"/>
-              <a:ext cx="1074147" cy="778046"/>
+              <a:off x="1699545" y="2411084"/>
+              <a:ext cx="1011225" cy="671187"/>
             </a:xfrm>
             <a:prstGeom prst="bentConnector3">
               <a:avLst/>
@@ -5281,82 +4815,6 @@
         </p:cxnSp>
         <p:cxnSp>
           <p:nvCxnSpPr>
-            <p:cNvPr id="65" name="Elbow Connector 64"/>
-            <p:cNvCxnSpPr>
-              <a:stCxn id="20" idx="3"/>
-              <a:endCxn id="15" idx="1"/>
-            </p:cNvCxnSpPr>
-            <p:nvPr/>
-          </p:nvCxnSpPr>
-          <p:spPr>
-            <a:xfrm flipV="1">
-              <a:off x="3685761" y="1548634"/>
-              <a:ext cx="992038" cy="980270"/>
-            </a:xfrm>
-            <a:prstGeom prst="bentConnector3">
-              <a:avLst/>
-            </a:prstGeom>
-            <a:ln w="50800" cmpd="tri">
-              <a:solidFill>
-                <a:schemeClr val="accent1"/>
-              </a:solidFill>
-              <a:prstDash val="solid"/>
-              <a:headEnd type="triangle"/>
-              <a:tailEnd type="triangle"/>
-            </a:ln>
-          </p:spPr>
-          <p:style>
-            <a:lnRef idx="1">
-              <a:schemeClr val="accent1"/>
-            </a:lnRef>
-            <a:fillRef idx="0">
-              <a:schemeClr val="accent1"/>
-            </a:fillRef>
-            <a:effectRef idx="0">
-              <a:schemeClr val="accent1"/>
-            </a:effectRef>
-            <a:fontRef idx="minor">
-              <a:schemeClr val="tx1"/>
-            </a:fontRef>
-          </p:style>
-        </p:cxnSp>
-        <p:cxnSp>
-          <p:nvCxnSpPr>
-            <p:cNvPr id="67" name="Elbow Connector 66"/>
-            <p:cNvCxnSpPr/>
-            <p:nvPr/>
-          </p:nvCxnSpPr>
-          <p:spPr>
-            <a:xfrm>
-              <a:off x="5380470" y="1606303"/>
-              <a:ext cx="400029" cy="2661"/>
-            </a:xfrm>
-            <a:prstGeom prst="bentConnector3">
-              <a:avLst/>
-            </a:prstGeom>
-            <a:ln w="38100">
-              <a:prstDash val="lgDashDotDot"/>
-              <a:headEnd type="triangle"/>
-              <a:tailEnd type="triangle"/>
-            </a:ln>
-          </p:spPr>
-          <p:style>
-            <a:lnRef idx="1">
-              <a:schemeClr val="accent1"/>
-            </a:lnRef>
-            <a:fillRef idx="0">
-              <a:schemeClr val="accent1"/>
-            </a:fillRef>
-            <a:effectRef idx="0">
-              <a:schemeClr val="accent1"/>
-            </a:effectRef>
-            <a:fontRef idx="minor">
-              <a:schemeClr val="tx1"/>
-            </a:fontRef>
-          </p:style>
-        </p:cxnSp>
-        <p:cxnSp>
-          <p:nvCxnSpPr>
             <p:cNvPr id="71" name="Elbow Connector 70"/>
             <p:cNvCxnSpPr>
               <a:stCxn id="39" idx="3"/>
@@ -5366,49 +4824,8 @@
           </p:nvCxnSpPr>
           <p:spPr>
             <a:xfrm flipV="1">
-              <a:off x="7726317" y="1047633"/>
-              <a:ext cx="1378144" cy="7254"/>
-            </a:xfrm>
-            <a:prstGeom prst="bentConnector3">
-              <a:avLst/>
-            </a:prstGeom>
-            <a:ln w="50800" cmpd="tri">
-              <a:solidFill>
-                <a:schemeClr val="accent1"/>
-              </a:solidFill>
-              <a:prstDash val="solid"/>
-              <a:headEnd type="triangle"/>
-              <a:tailEnd type="triangle"/>
-            </a:ln>
-          </p:spPr>
-          <p:style>
-            <a:lnRef idx="1">
-              <a:schemeClr val="accent1"/>
-            </a:lnRef>
-            <a:fillRef idx="0">
-              <a:schemeClr val="accent1"/>
-            </a:fillRef>
-            <a:effectRef idx="0">
-              <a:schemeClr val="accent1"/>
-            </a:effectRef>
-            <a:fontRef idx="minor">
-              <a:schemeClr val="tx1"/>
-            </a:fontRef>
-          </p:style>
-        </p:cxnSp>
-        <p:cxnSp>
-          <p:nvCxnSpPr>
-            <p:cNvPr id="72" name="Elbow Connector 71"/>
-            <p:cNvCxnSpPr>
-              <a:stCxn id="36" idx="3"/>
-              <a:endCxn id="33" idx="1"/>
-            </p:cNvCxnSpPr>
-            <p:nvPr/>
-          </p:nvCxnSpPr>
-          <p:spPr>
-            <a:xfrm flipV="1">
-              <a:off x="7723561" y="2340898"/>
-              <a:ext cx="1380839" cy="6607"/>
+              <a:off x="7302230" y="1804441"/>
+              <a:ext cx="1297414" cy="6258"/>
             </a:xfrm>
             <a:prstGeom prst="bentConnector3">
               <a:avLst/>
@@ -5445,42 +4862,8 @@
           </p:nvCxnSpPr>
           <p:spPr>
             <a:xfrm flipV="1">
-              <a:off x="6680245" y="1146700"/>
-              <a:ext cx="499638" cy="459603"/>
-            </a:xfrm>
-            <a:prstGeom prst="straightConnector1">
-              <a:avLst/>
-            </a:prstGeom>
-            <a:ln w="31750">
-              <a:headEnd type="triangle"/>
-              <a:tailEnd type="triangle"/>
-            </a:ln>
-          </p:spPr>
-          <p:style>
-            <a:lnRef idx="1">
-              <a:schemeClr val="accent1"/>
-            </a:lnRef>
-            <a:fillRef idx="0">
-              <a:schemeClr val="accent1"/>
-            </a:fillRef>
-            <a:effectRef idx="0">
-              <a:schemeClr val="accent1"/>
-            </a:effectRef>
-            <a:fontRef idx="minor">
-              <a:schemeClr val="tx1"/>
-            </a:fontRef>
-          </p:style>
-        </p:cxnSp>
-        <p:cxnSp>
-          <p:nvCxnSpPr>
-            <p:cNvPr id="80" name="Straight Arrow Connector 79"/>
-            <p:cNvCxnSpPr/>
-            <p:nvPr/>
-          </p:nvCxnSpPr>
-          <p:spPr>
-            <a:xfrm>
-              <a:off x="6676850" y="1758704"/>
-              <a:ext cx="442015" cy="371508"/>
+              <a:off x="6317436" y="1889902"/>
+              <a:ext cx="470370" cy="396480"/>
             </a:xfrm>
             <a:prstGeom prst="straightConnector1">
               <a:avLst/>
@@ -5513,8 +4896,8 @@
           </p:nvCxnSpPr>
           <p:spPr>
             <a:xfrm rot="16200000" flipV="1">
-              <a:off x="2868289" y="1711431"/>
-              <a:ext cx="786070" cy="15065"/>
+              <a:off x="2759736" y="2376478"/>
+              <a:ext cx="678109" cy="14183"/>
             </a:xfrm>
             <a:prstGeom prst="bentConnector3">
               <a:avLst/>
@@ -5552,8 +4935,8 @@
           </p:nvCxnSpPr>
           <p:spPr>
             <a:xfrm rot="5400000">
-              <a:off x="3000114" y="3287083"/>
-              <a:ext cx="572647" cy="8268"/>
+              <a:off x="2875434" y="3735994"/>
+              <a:ext cx="493998" cy="7784"/>
             </a:xfrm>
             <a:prstGeom prst="bentConnector3">
               <a:avLst/>
@@ -5581,21 +4964,386 @@
             </a:fontRef>
           </p:style>
         </p:cxnSp>
+        <p:pic>
+          <p:nvPicPr>
+            <p:cNvPr id="51" name="Picture 32">
+              <a:extLst>
+                <a:ext uri="{FF2B5EF4-FFF2-40B4-BE49-F238E27FC236}">
+                  <a16:creationId xmlns:a16="http://schemas.microsoft.com/office/drawing/2014/main" id="{D2904F57-BE8C-F54A-9D6A-6CE428AC098A}"/>
+                </a:ext>
+              </a:extLst>
+            </p:cNvPr>
+            <p:cNvPicPr>
+              <a:picLocks noChangeAspect="1"/>
+            </p:cNvPicPr>
+            <p:nvPr/>
+          </p:nvPicPr>
+          <p:blipFill>
+            <a:blip r:embed="rId8">
+              <a:extLst>
+                <a:ext uri="{28A0092B-C50C-407E-A947-70E740481C1C}">
+                  <a14:useLocalDpi xmlns:a14="http://schemas.microsoft.com/office/drawing/2010/main" val="0"/>
+                </a:ext>
+              </a:extLst>
+            </a:blip>
+            <a:stretch>
+              <a:fillRect/>
+            </a:stretch>
+          </p:blipFill>
+          <p:spPr>
+            <a:xfrm>
+              <a:off x="8600189" y="2687831"/>
+              <a:ext cx="508405" cy="465847"/>
+            </a:xfrm>
+            <a:prstGeom prst="rect">
+              <a:avLst/>
+            </a:prstGeom>
+          </p:spPr>
+        </p:pic>
         <p:cxnSp>
           <p:nvCxnSpPr>
-            <p:cNvPr id="87" name="Straight Arrow Connector 86"/>
+            <p:cNvPr id="65" name="Elbow Connector 64"/>
+            <p:cNvCxnSpPr>
+              <a:stCxn id="20" idx="3"/>
+              <a:endCxn id="15" idx="1"/>
+            </p:cNvCxnSpPr>
+            <p:nvPr/>
+          </p:nvCxnSpPr>
+          <p:spPr>
+            <a:xfrm flipV="1">
+              <a:off x="3498365" y="2236634"/>
+              <a:ext cx="933926" cy="845637"/>
+            </a:xfrm>
+            <a:prstGeom prst="bentConnector3">
+              <a:avLst/>
+            </a:prstGeom>
+            <a:ln w="50800" cmpd="tri">
+              <a:solidFill>
+                <a:schemeClr val="accent1"/>
+              </a:solidFill>
+              <a:prstDash val="solid"/>
+              <a:headEnd type="triangle"/>
+              <a:tailEnd type="triangle"/>
+            </a:ln>
+          </p:spPr>
+          <p:style>
+            <a:lnRef idx="1">
+              <a:schemeClr val="accent1"/>
+            </a:lnRef>
+            <a:fillRef idx="0">
+              <a:schemeClr val="accent1"/>
+            </a:fillRef>
+            <a:effectRef idx="0">
+              <a:schemeClr val="accent1"/>
+            </a:effectRef>
+            <a:fontRef idx="minor">
+              <a:schemeClr val="tx1"/>
+            </a:fontRef>
+          </p:style>
+        </p:cxnSp>
+        <p:pic>
+          <p:nvPicPr>
+            <p:cNvPr id="16" name="Picture 15"/>
+            <p:cNvPicPr>
+              <a:picLocks noChangeAspect="1"/>
+            </p:cNvPicPr>
+            <p:nvPr/>
+          </p:nvPicPr>
+          <p:blipFill>
+            <a:blip r:embed="rId14">
+              <a:extLst>
+                <a:ext uri="{28A0092B-C50C-407E-A947-70E740481C1C}">
+                  <a14:useLocalDpi xmlns:a14="http://schemas.microsoft.com/office/drawing/2010/main" val="0"/>
+                </a:ext>
+              </a:extLst>
+            </a:blip>
+            <a:stretch>
+              <a:fillRect/>
+            </a:stretch>
+          </p:blipFill>
+          <p:spPr>
+            <a:xfrm>
+              <a:off x="5455553" y="1919233"/>
+              <a:ext cx="861882" cy="789773"/>
+            </a:xfrm>
+            <a:prstGeom prst="rect">
+              <a:avLst/>
+            </a:prstGeom>
+          </p:spPr>
+        </p:pic>
+        <p:grpSp>
+          <p:nvGrpSpPr>
+            <p:cNvPr id="28" name="Group 27"/>
+            <p:cNvGrpSpPr/>
+            <p:nvPr/>
+          </p:nvGrpSpPr>
+          <p:grpSpPr>
+            <a:xfrm>
+              <a:off x="4432291" y="2003716"/>
+              <a:ext cx="646667" cy="597190"/>
+              <a:chOff x="4627756" y="1549054"/>
+              <a:chExt cx="686905" cy="692268"/>
+            </a:xfrm>
+          </p:grpSpPr>
+          <p:pic>
+            <p:nvPicPr>
+              <p:cNvPr id="15" name="Picture 14"/>
+              <p:cNvPicPr>
+                <a:picLocks noChangeAspect="1"/>
+              </p:cNvPicPr>
+              <p:nvPr/>
+            </p:nvPicPr>
+            <p:blipFill>
+              <a:blip r:embed="rId9">
+                <a:extLst>
+                  <a:ext uri="{28A0092B-C50C-407E-A947-70E740481C1C}">
+                    <a14:useLocalDpi xmlns:a14="http://schemas.microsoft.com/office/drawing/2010/main" val="0"/>
+                  </a:ext>
+                </a:extLst>
+              </a:blip>
+              <a:stretch>
+                <a:fillRect/>
+              </a:stretch>
+            </p:blipFill>
+            <p:spPr>
+              <a:xfrm>
+                <a:off x="4627756" y="1549054"/>
+                <a:ext cx="540000" cy="540000"/>
+              </a:xfrm>
+              <a:prstGeom prst="rect">
+                <a:avLst/>
+              </a:prstGeom>
+            </p:spPr>
+          </p:pic>
+          <p:pic>
+            <p:nvPicPr>
+              <p:cNvPr id="27" name="Picture 26"/>
+              <p:cNvPicPr>
+                <a:picLocks noChangeAspect="1"/>
+              </p:cNvPicPr>
+              <p:nvPr/>
+            </p:nvPicPr>
+            <p:blipFill>
+              <a:blip r:embed="rId9">
+                <a:extLst>
+                  <a:ext uri="{28A0092B-C50C-407E-A947-70E740481C1C}">
+                    <a14:useLocalDpi xmlns:a14="http://schemas.microsoft.com/office/drawing/2010/main" val="0"/>
+                  </a:ext>
+                </a:extLst>
+              </a:blip>
+              <a:stretch>
+                <a:fillRect/>
+              </a:stretch>
+            </p:blipFill>
+            <p:spPr>
+              <a:xfrm>
+                <a:off x="4774661" y="1701322"/>
+                <a:ext cx="540000" cy="540000"/>
+              </a:xfrm>
+              <a:prstGeom prst="rect">
+                <a:avLst/>
+              </a:prstGeom>
+            </p:spPr>
+          </p:pic>
+        </p:grpSp>
+        <p:cxnSp>
+          <p:nvCxnSpPr>
+            <p:cNvPr id="67" name="Elbow Connector 66"/>
             <p:cNvCxnSpPr/>
             <p:nvPr/>
           </p:nvCxnSpPr>
           <p:spPr>
-            <a:xfrm flipV="1">
-              <a:off x="6832645" y="1299100"/>
-              <a:ext cx="499638" cy="459603"/>
+            <a:xfrm>
+              <a:off x="5093800" y="2286382"/>
+              <a:ext cx="376596" cy="2296"/>
+            </a:xfrm>
+            <a:prstGeom prst="bentConnector3">
+              <a:avLst/>
+            </a:prstGeom>
+            <a:ln w="38100">
+              <a:prstDash val="lgDashDotDot"/>
+              <a:headEnd type="triangle"/>
+              <a:tailEnd type="triangle"/>
+            </a:ln>
+          </p:spPr>
+          <p:style>
+            <a:lnRef idx="1">
+              <a:schemeClr val="accent1"/>
+            </a:lnRef>
+            <a:fillRef idx="0">
+              <a:schemeClr val="accent1"/>
+            </a:fillRef>
+            <a:effectRef idx="0">
+              <a:schemeClr val="accent1"/>
+            </a:effectRef>
+            <a:fontRef idx="minor">
+              <a:schemeClr val="tx1"/>
+            </a:fontRef>
+          </p:style>
+        </p:cxnSp>
+        <p:grpSp>
+          <p:nvGrpSpPr>
+            <p:cNvPr id="60" name="Group 33">
+              <a:extLst>
+                <a:ext uri="{FF2B5EF4-FFF2-40B4-BE49-F238E27FC236}">
+                  <a16:creationId xmlns:a16="http://schemas.microsoft.com/office/drawing/2014/main" id="{6476BBE5-AAFC-754B-BD26-B89EEE92F750}"/>
+                </a:ext>
+              </a:extLst>
+            </p:cNvPr>
+            <p:cNvGrpSpPr/>
+            <p:nvPr/>
+          </p:nvGrpSpPr>
+          <p:grpSpPr>
+            <a:xfrm>
+              <a:off x="6788273" y="2642367"/>
+              <a:ext cx="511868" cy="465733"/>
+              <a:chOff x="4627756" y="1549054"/>
+              <a:chExt cx="686905" cy="692268"/>
+            </a:xfrm>
+          </p:grpSpPr>
+          <p:pic>
+            <p:nvPicPr>
+              <p:cNvPr id="61" name="Picture 34">
+                <a:extLst>
+                  <a:ext uri="{FF2B5EF4-FFF2-40B4-BE49-F238E27FC236}">
+                    <a16:creationId xmlns:a16="http://schemas.microsoft.com/office/drawing/2014/main" id="{294BD75E-A61E-024D-8955-8D536B036403}"/>
+                  </a:ext>
+                </a:extLst>
+              </p:cNvPr>
+              <p:cNvPicPr>
+                <a:picLocks noChangeAspect="1"/>
+              </p:cNvPicPr>
+              <p:nvPr/>
+            </p:nvPicPr>
+            <p:blipFill>
+              <a:blip r:embed="rId9">
+                <a:extLst>
+                  <a:ext uri="{28A0092B-C50C-407E-A947-70E740481C1C}">
+                    <a14:useLocalDpi xmlns:a14="http://schemas.microsoft.com/office/drawing/2010/main" val="0"/>
+                  </a:ext>
+                </a:extLst>
+              </a:blip>
+              <a:stretch>
+                <a:fillRect/>
+              </a:stretch>
+            </p:blipFill>
+            <p:spPr>
+              <a:xfrm>
+                <a:off x="4627756" y="1549054"/>
+                <a:ext cx="540000" cy="540000"/>
+              </a:xfrm>
+              <a:prstGeom prst="rect">
+                <a:avLst/>
+              </a:prstGeom>
+            </p:spPr>
+          </p:pic>
+          <p:pic>
+            <p:nvPicPr>
+              <p:cNvPr id="62" name="Picture 35">
+                <a:extLst>
+                  <a:ext uri="{FF2B5EF4-FFF2-40B4-BE49-F238E27FC236}">
+                    <a16:creationId xmlns:a16="http://schemas.microsoft.com/office/drawing/2014/main" id="{7101FF9E-5CE9-FC44-AEA3-E45AFE1ACD22}"/>
+                  </a:ext>
+                </a:extLst>
+              </p:cNvPr>
+              <p:cNvPicPr>
+                <a:picLocks noChangeAspect="1"/>
+              </p:cNvPicPr>
+              <p:nvPr/>
+            </p:nvPicPr>
+            <p:blipFill>
+              <a:blip r:embed="rId9">
+                <a:extLst>
+                  <a:ext uri="{28A0092B-C50C-407E-A947-70E740481C1C}">
+                    <a14:useLocalDpi xmlns:a14="http://schemas.microsoft.com/office/drawing/2010/main" val="0"/>
+                  </a:ext>
+                </a:extLst>
+              </a:blip>
+              <a:stretch>
+                <a:fillRect/>
+              </a:stretch>
+            </p:blipFill>
+            <p:spPr>
+              <a:xfrm>
+                <a:off x="4774661" y="1701322"/>
+                <a:ext cx="540000" cy="540000"/>
+              </a:xfrm>
+              <a:prstGeom prst="rect">
+                <a:avLst/>
+              </a:prstGeom>
+            </p:spPr>
+          </p:pic>
+        </p:grpSp>
+        <p:cxnSp>
+          <p:nvCxnSpPr>
+            <p:cNvPr id="64" name="Straight Arrow Connector 79">
+              <a:extLst>
+                <a:ext uri="{FF2B5EF4-FFF2-40B4-BE49-F238E27FC236}">
+                  <a16:creationId xmlns:a16="http://schemas.microsoft.com/office/drawing/2014/main" id="{4BB935E5-E512-2448-B482-9D3C31C4AA82}"/>
+                </a:ext>
+              </a:extLst>
+            </p:cNvPr>
+            <p:cNvCxnSpPr/>
+            <p:nvPr/>
+          </p:nvCxnSpPr>
+          <p:spPr>
+            <a:xfrm>
+              <a:off x="6314672" y="2418507"/>
+              <a:ext cx="416153" cy="320492"/>
             </a:xfrm>
             <a:prstGeom prst="straightConnector1">
               <a:avLst/>
             </a:prstGeom>
-            <a:ln>
+            <a:ln w="31750">
+              <a:solidFill>
+                <a:srgbClr val="5B9BD6"/>
+              </a:solidFill>
+              <a:headEnd type="triangle"/>
+              <a:tailEnd type="triangle"/>
+            </a:ln>
+          </p:spPr>
+          <p:style>
+            <a:lnRef idx="1">
+              <a:schemeClr val="accent1"/>
+            </a:lnRef>
+            <a:fillRef idx="0">
+              <a:schemeClr val="accent1"/>
+            </a:fillRef>
+            <a:effectRef idx="0">
+              <a:schemeClr val="accent1"/>
+            </a:effectRef>
+            <a:fontRef idx="minor">
+              <a:schemeClr val="tx1"/>
+            </a:fontRef>
+          </p:style>
+        </p:cxnSp>
+        <p:cxnSp>
+          <p:nvCxnSpPr>
+            <p:cNvPr id="63" name="Elbow Connector 71">
+              <a:extLst>
+                <a:ext uri="{FF2B5EF4-FFF2-40B4-BE49-F238E27FC236}">
+                  <a16:creationId xmlns:a16="http://schemas.microsoft.com/office/drawing/2014/main" id="{78125056-3577-D74D-8CD9-EC8BC44FEACC}"/>
+                </a:ext>
+              </a:extLst>
+            </p:cNvPr>
+            <p:cNvCxnSpPr>
+              <a:cxnSpLocks/>
+            </p:cNvCxnSpPr>
+            <p:nvPr/>
+          </p:nvCxnSpPr>
+          <p:spPr>
+            <a:xfrm flipV="1">
+              <a:off x="7300141" y="2920754"/>
+              <a:ext cx="1300048" cy="5700"/>
+            </a:xfrm>
+            <a:prstGeom prst="bentConnector3">
+              <a:avLst/>
+            </a:prstGeom>
+            <a:ln w="50800" cmpd="tri">
+              <a:solidFill>
+                <a:srgbClr val="5B9BD6"/>
+              </a:solidFill>
+              <a:prstDash val="solid"/>
               <a:headEnd type="triangle"/>
               <a:tailEnd type="triangle"/>
             </a:ln>
@@ -5616,57 +5364,20 @@
           </p:style>
         </p:cxnSp>
       </p:grpSp>
-      <p:sp>
-        <p:nvSpPr>
-          <p:cNvPr id="89" name="TextBox 88"/>
-          <p:cNvSpPr txBox="1"/>
-          <p:nvPr/>
-        </p:nvSpPr>
-        <p:spPr>
-          <a:xfrm>
-            <a:off x="512033" y="252248"/>
-            <a:ext cx="8726560" cy="707886"/>
-          </a:xfrm>
-          <a:prstGeom prst="rect">
-            <a:avLst/>
-          </a:prstGeom>
-          <a:noFill/>
-        </p:spPr>
-        <p:txBody>
-          <a:bodyPr wrap="square" rtlCol="0">
-            <a:spAutoFit/>
-          </a:bodyPr>
-          <a:lstStyle/>
-          <a:p>
-            <a:r>
-              <a:rPr lang="en-US" sz="4000" smtClean="0"/>
-              <a:t>Our Model</a:t>
-            </a:r>
-            <a:endParaRPr lang="en-US" sz="4000"/>
-          </a:p>
-        </p:txBody>
-      </p:sp>
     </p:spTree>
     <p:extLst>
       <p:ext uri="{BB962C8B-B14F-4D97-AF65-F5344CB8AC3E}">
-        <p14:creationId xmlns:p14="http://schemas.microsoft.com/office/powerpoint/2010/main" val="155629337"/>
+        <p14:creationId xmlns:p14="http://schemas.microsoft.com/office/powerpoint/2010/main" val="231337982"/>
       </p:ext>
     </p:extLst>
   </p:cSld>
   <p:clrMapOvr>
     <a:masterClrMapping/>
   </p:clrMapOvr>
-  <p:timing>
-    <p:tnLst>
-      <p:par>
-        <p:cTn id="1" dur="indefinite" restart="never" nodeType="tmRoot"/>
-      </p:par>
-    </p:tnLst>
-  </p:timing>
 </p:sld>
 </file>
 
-<file path=ppt/slides/slide3.xml><?xml version="1.0" encoding="utf-8"?>
+<file path=ppt/slides/slide2.xml><?xml version="1.0" encoding="utf-8"?>
 <p:sld xmlns:a="http://schemas.openxmlformats.org/drawingml/2006/main" xmlns:r="http://schemas.openxmlformats.org/officeDocument/2006/relationships" xmlns:p="http://schemas.openxmlformats.org/presentationml/2006/main">
   <p:cSld>
     <p:spTree>
@@ -5946,215 +5657,207 @@
           </a:prstGeom>
         </p:spPr>
       </p:pic>
+      <p:sp>
+        <p:nvSpPr>
+          <p:cNvPr id="4" name="Snip and Round Single Corner Rectangle 3"/>
+          <p:cNvSpPr/>
+          <p:nvPr/>
+        </p:nvSpPr>
+        <p:spPr>
+          <a:xfrm>
+            <a:off x="486713" y="1087200"/>
+            <a:ext cx="10028176" cy="5475600"/>
+          </a:xfrm>
+          <a:prstGeom prst="snipRoundRect">
+            <a:avLst>
+              <a:gd name="adj1" fmla="val 3320"/>
+              <a:gd name="adj2" fmla="val 5862"/>
+            </a:avLst>
+          </a:prstGeom>
+          <a:solidFill>
+            <a:schemeClr val="accent2">
+              <a:lumMod val="40000"/>
+              <a:lumOff val="60000"/>
+            </a:schemeClr>
+          </a:solidFill>
+          <a:ln>
+            <a:noFill/>
+          </a:ln>
+        </p:spPr>
+        <p:style>
+          <a:lnRef idx="2">
+            <a:schemeClr val="accent1">
+              <a:shade val="50000"/>
+            </a:schemeClr>
+          </a:lnRef>
+          <a:fillRef idx="1">
+            <a:schemeClr val="accent1"/>
+          </a:fillRef>
+          <a:effectRef idx="0">
+            <a:schemeClr val="accent1"/>
+          </a:effectRef>
+          <a:fontRef idx="minor">
+            <a:schemeClr val="lt1"/>
+          </a:fontRef>
+        </p:style>
+        <p:txBody>
+          <a:bodyPr rtlCol="0" anchor="ctr"/>
+          <a:lstStyle/>
+          <a:p>
+            <a:pPr algn="ctr"/>
+            <a:endParaRPr lang="en-US"/>
+          </a:p>
+        </p:txBody>
+      </p:sp>
+      <p:sp>
+        <p:nvSpPr>
+          <p:cNvPr id="44" name="Rounded Rectangle 43"/>
+          <p:cNvSpPr/>
+          <p:nvPr/>
+        </p:nvSpPr>
+        <p:spPr>
+          <a:xfrm>
+            <a:off x="7605694" y="1087200"/>
+            <a:ext cx="2917819" cy="5475600"/>
+          </a:xfrm>
+          <a:prstGeom prst="roundRect">
+            <a:avLst>
+              <a:gd name="adj" fmla="val 0"/>
+            </a:avLst>
+          </a:prstGeom>
+          <a:solidFill>
+            <a:schemeClr val="accent2">
+              <a:lumMod val="20000"/>
+              <a:lumOff val="80000"/>
+            </a:schemeClr>
+          </a:solidFill>
+          <a:ln w="12700">
+            <a:noFill/>
+          </a:ln>
+        </p:spPr>
+        <p:style>
+          <a:lnRef idx="2">
+            <a:schemeClr val="accent1">
+              <a:shade val="50000"/>
+            </a:schemeClr>
+          </a:lnRef>
+          <a:fillRef idx="1">
+            <a:schemeClr val="accent1"/>
+          </a:fillRef>
+          <a:effectRef idx="0">
+            <a:schemeClr val="accent1"/>
+          </a:effectRef>
+          <a:fontRef idx="minor">
+            <a:schemeClr val="lt1"/>
+          </a:fontRef>
+        </p:style>
+        <p:txBody>
+          <a:bodyPr rtlCol="0" anchor="ctr"/>
+          <a:lstStyle/>
+          <a:p>
+            <a:pPr algn="ctr"/>
+            <a:endParaRPr lang="en-US"/>
+          </a:p>
+        </p:txBody>
+      </p:sp>
+      <p:sp>
+        <p:nvSpPr>
+          <p:cNvPr id="43" name="Rounded Rectangle 42"/>
+          <p:cNvSpPr/>
+          <p:nvPr/>
+        </p:nvSpPr>
+        <p:spPr>
+          <a:xfrm>
+            <a:off x="478089" y="1087200"/>
+            <a:ext cx="3449501" cy="5475600"/>
+          </a:xfrm>
+          <a:prstGeom prst="roundRect">
+            <a:avLst>
+              <a:gd name="adj" fmla="val 0"/>
+            </a:avLst>
+          </a:prstGeom>
+          <a:solidFill>
+            <a:schemeClr val="accent2">
+              <a:lumMod val="60000"/>
+              <a:lumOff val="40000"/>
+            </a:schemeClr>
+          </a:solidFill>
+          <a:ln w="28575">
+            <a:noFill/>
+          </a:ln>
+        </p:spPr>
+        <p:style>
+          <a:lnRef idx="2">
+            <a:schemeClr val="accent1">
+              <a:shade val="50000"/>
+            </a:schemeClr>
+          </a:lnRef>
+          <a:fillRef idx="1">
+            <a:schemeClr val="accent1"/>
+          </a:fillRef>
+          <a:effectRef idx="0">
+            <a:schemeClr val="accent1"/>
+          </a:effectRef>
+          <a:fontRef idx="minor">
+            <a:schemeClr val="lt1"/>
+          </a:fontRef>
+        </p:style>
+        <p:txBody>
+          <a:bodyPr rtlCol="0" anchor="ctr"/>
+          <a:lstStyle/>
+          <a:p>
+            <a:pPr algn="ctr"/>
+            <a:endParaRPr lang="en-US"/>
+          </a:p>
+        </p:txBody>
+      </p:sp>
+      <p:pic>
+        <p:nvPicPr>
+          <p:cNvPr id="23" name="Picture 22"/>
+          <p:cNvPicPr>
+            <a:picLocks noChangeAspect="1"/>
+          </p:cNvPicPr>
+          <p:nvPr/>
+        </p:nvPicPr>
+        <p:blipFill>
+          <a:blip r:embed="rId8">
+            <a:extLst>
+              <a:ext uri="{28A0092B-C50C-407E-A947-70E740481C1C}">
+                <a14:useLocalDpi xmlns:a14="http://schemas.microsoft.com/office/drawing/2010/main" val="0"/>
+              </a:ext>
+            </a:extLst>
+          </a:blip>
+          <a:stretch>
+            <a:fillRect/>
+          </a:stretch>
+        </p:blipFill>
+        <p:spPr>
+          <a:xfrm>
+            <a:off x="8599644" y="1571524"/>
+            <a:ext cx="508367" cy="465835"/>
+          </a:xfrm>
+          <a:prstGeom prst="rect">
+            <a:avLst/>
+          </a:prstGeom>
+        </p:spPr>
+      </p:pic>
       <p:grpSp>
         <p:nvGrpSpPr>
-          <p:cNvPr id="2" name="Group 1"/>
+          <p:cNvPr id="37" name="Group 36"/>
           <p:cNvGrpSpPr/>
           <p:nvPr/>
         </p:nvGrpSpPr>
         <p:grpSpPr>
           <a:xfrm>
-            <a:off x="486713" y="1087200"/>
-            <a:ext cx="10036800" cy="5475600"/>
-            <a:chOff x="486713" y="216201"/>
-            <a:chExt cx="10661327" cy="6347361"/>
+            <a:off x="6790400" y="1526619"/>
+            <a:ext cx="511830" cy="465721"/>
+            <a:chOff x="4627756" y="1549054"/>
+            <a:chExt cx="686905" cy="692268"/>
           </a:xfrm>
         </p:grpSpPr>
-        <p:sp>
-          <p:nvSpPr>
-            <p:cNvPr id="4" name="Snip and Round Single Corner Rectangle 3"/>
-            <p:cNvSpPr/>
-            <p:nvPr/>
-          </p:nvSpPr>
-          <p:spPr>
-            <a:xfrm>
-              <a:off x="486713" y="216201"/>
-              <a:ext cx="10652166" cy="6347361"/>
-            </a:xfrm>
-            <a:prstGeom prst="snipRoundRect">
-              <a:avLst>
-                <a:gd name="adj1" fmla="val 3320"/>
-                <a:gd name="adj2" fmla="val 5862"/>
-              </a:avLst>
-            </a:prstGeom>
-            <a:solidFill>
-              <a:schemeClr val="accent2">
-                <a:lumMod val="40000"/>
-                <a:lumOff val="60000"/>
-              </a:schemeClr>
-            </a:solidFill>
-            <a:ln>
-              <a:solidFill>
-                <a:schemeClr val="bg2"/>
-              </a:solidFill>
-            </a:ln>
-          </p:spPr>
-          <p:style>
-            <a:lnRef idx="2">
-              <a:schemeClr val="accent1">
-                <a:shade val="50000"/>
-              </a:schemeClr>
-            </a:lnRef>
-            <a:fillRef idx="1">
-              <a:schemeClr val="accent1"/>
-            </a:fillRef>
-            <a:effectRef idx="0">
-              <a:schemeClr val="accent1"/>
-            </a:effectRef>
-            <a:fontRef idx="minor">
-              <a:schemeClr val="lt1"/>
-            </a:fontRef>
-          </p:style>
-          <p:txBody>
-            <a:bodyPr rtlCol="0" anchor="ctr"/>
-            <a:lstStyle/>
-            <a:p>
-              <a:pPr algn="ctr"/>
-              <a:endParaRPr lang="en-US"/>
-            </a:p>
-          </p:txBody>
-        </p:sp>
-        <p:sp>
-          <p:nvSpPr>
-            <p:cNvPr id="44" name="Rounded Rectangle 43"/>
-            <p:cNvSpPr/>
-            <p:nvPr/>
-          </p:nvSpPr>
-          <p:spPr>
-            <a:xfrm>
-              <a:off x="8048663" y="216201"/>
-              <a:ext cx="3099377" cy="6347361"/>
-            </a:xfrm>
-            <a:prstGeom prst="roundRect">
-              <a:avLst>
-                <a:gd name="adj" fmla="val 0"/>
-              </a:avLst>
-            </a:prstGeom>
-            <a:solidFill>
-              <a:schemeClr val="accent2">
-                <a:lumMod val="20000"/>
-                <a:lumOff val="80000"/>
-              </a:schemeClr>
-            </a:solidFill>
-            <a:ln w="12700">
-              <a:solidFill>
-                <a:schemeClr val="bg2"/>
-              </a:solidFill>
-            </a:ln>
-          </p:spPr>
-          <p:style>
-            <a:lnRef idx="2">
-              <a:schemeClr val="accent1">
-                <a:shade val="50000"/>
-              </a:schemeClr>
-            </a:lnRef>
-            <a:fillRef idx="1">
-              <a:schemeClr val="accent1"/>
-            </a:fillRef>
-            <a:effectRef idx="0">
-              <a:schemeClr val="accent1"/>
-            </a:effectRef>
-            <a:fontRef idx="minor">
-              <a:schemeClr val="lt1"/>
-            </a:fontRef>
-          </p:style>
-          <p:txBody>
-            <a:bodyPr rtlCol="0" anchor="ctr"/>
-            <a:lstStyle/>
-            <a:p>
-              <a:pPr algn="ctr"/>
-              <a:endParaRPr lang="en-US"/>
-            </a:p>
-          </p:txBody>
-        </p:sp>
-        <p:sp>
-          <p:nvSpPr>
-            <p:cNvPr id="43" name="Rounded Rectangle 42"/>
-            <p:cNvSpPr/>
-            <p:nvPr/>
-          </p:nvSpPr>
-          <p:spPr>
-            <a:xfrm>
-              <a:off x="513607" y="216201"/>
-              <a:ext cx="3628087" cy="6347361"/>
-            </a:xfrm>
-            <a:prstGeom prst="roundRect">
-              <a:avLst>
-                <a:gd name="adj" fmla="val 0"/>
-              </a:avLst>
-            </a:prstGeom>
-            <a:solidFill>
-              <a:schemeClr val="accent2">
-                <a:lumMod val="60000"/>
-                <a:lumOff val="40000"/>
-              </a:schemeClr>
-            </a:solidFill>
-            <a:ln w="28575">
-              <a:solidFill>
-                <a:schemeClr val="bg2">
-                  <a:lumMod val="90000"/>
-                </a:schemeClr>
-              </a:solidFill>
-            </a:ln>
-          </p:spPr>
-          <p:style>
-            <a:lnRef idx="2">
-              <a:schemeClr val="accent1">
-                <a:shade val="50000"/>
-              </a:schemeClr>
-            </a:lnRef>
-            <a:fillRef idx="1">
-              <a:schemeClr val="accent1"/>
-            </a:fillRef>
-            <a:effectRef idx="0">
-              <a:schemeClr val="accent1"/>
-            </a:effectRef>
-            <a:fontRef idx="minor">
-              <a:schemeClr val="lt1"/>
-            </a:fontRef>
-          </p:style>
-          <p:txBody>
-            <a:bodyPr rtlCol="0" anchor="ctr"/>
-            <a:lstStyle/>
-            <a:p>
-              <a:pPr algn="ctr"/>
-              <a:endParaRPr lang="en-US"/>
-            </a:p>
-          </p:txBody>
-        </p:sp>
         <p:pic>
           <p:nvPicPr>
-            <p:cNvPr id="16" name="Picture 15"/>
-            <p:cNvPicPr>
-              <a:picLocks noChangeAspect="1"/>
-            </p:cNvPicPr>
-            <p:nvPr/>
-          </p:nvPicPr>
-          <p:blipFill>
-            <a:blip r:embed="rId8">
-              <a:extLst>
-                <a:ext uri="{28A0092B-C50C-407E-A947-70E740481C1C}">
-                  <a14:useLocalDpi xmlns:a14="http://schemas.microsoft.com/office/drawing/2010/main" val="0"/>
-                </a:ext>
-              </a:extLst>
-            </a:blip>
-            <a:stretch>
-              <a:fillRect/>
-            </a:stretch>
-          </p:blipFill>
-          <p:spPr>
-            <a:xfrm>
-              <a:off x="5764733" y="1180700"/>
-              <a:ext cx="915512" cy="915512"/>
-            </a:xfrm>
-            <a:prstGeom prst="rect">
-              <a:avLst/>
-            </a:prstGeom>
-          </p:spPr>
-        </p:pic>
-        <p:pic>
-          <p:nvPicPr>
-            <p:cNvPr id="19" name="Picture 18"/>
+            <p:cNvPr id="38" name="Picture 37"/>
             <p:cNvPicPr>
               <a:picLocks noChangeAspect="1"/>
             </p:cNvPicPr>
@@ -6174,7 +5877,7 @@
           </p:blipFill>
           <p:spPr>
             <a:xfrm>
-              <a:off x="9063997" y="5059944"/>
+              <a:off x="4627756" y="1549054"/>
               <a:ext cx="540000" cy="540000"/>
             </a:xfrm>
             <a:prstGeom prst="rect">
@@ -6184,14 +5887,14 @@
         </p:pic>
         <p:pic>
           <p:nvPicPr>
-            <p:cNvPr id="23" name="Picture 22"/>
+            <p:cNvPr id="39" name="Picture 38"/>
             <p:cNvPicPr>
               <a:picLocks noChangeAspect="1"/>
             </p:cNvPicPr>
             <p:nvPr/>
           </p:nvPicPr>
           <p:blipFill>
-            <a:blip r:embed="rId10">
+            <a:blip r:embed="rId9">
               <a:extLst>
                 <a:ext uri="{28A0092B-C50C-407E-A947-70E740481C1C}">
                   <a14:useLocalDpi xmlns:a14="http://schemas.microsoft.com/office/drawing/2010/main" val="0"/>
@@ -6204,7 +5907,7 @@
           </p:blipFill>
           <p:spPr>
             <a:xfrm>
-              <a:off x="9104461" y="777633"/>
+              <a:off x="4774661" y="1701322"/>
               <a:ext cx="540000" cy="540000"/>
             </a:xfrm>
             <a:prstGeom prst="rect">
@@ -6212,1156 +5915,37 @@
             </a:prstGeom>
           </p:spPr>
         </p:pic>
-        <p:grpSp>
-          <p:nvGrpSpPr>
-            <p:cNvPr id="28" name="Group 27"/>
-            <p:cNvGrpSpPr/>
-            <p:nvPr/>
-          </p:nvGrpSpPr>
-          <p:grpSpPr>
-            <a:xfrm>
-              <a:off x="4677799" y="1278634"/>
-              <a:ext cx="686905" cy="692268"/>
-              <a:chOff x="4627756" y="1549054"/>
-              <a:chExt cx="686905" cy="692268"/>
-            </a:xfrm>
-          </p:grpSpPr>
-          <p:pic>
-            <p:nvPicPr>
-              <p:cNvPr id="15" name="Picture 14"/>
-              <p:cNvPicPr>
-                <a:picLocks noChangeAspect="1"/>
-              </p:cNvPicPr>
-              <p:nvPr/>
-            </p:nvPicPr>
-            <p:blipFill>
-              <a:blip r:embed="rId11">
-                <a:extLst>
-                  <a:ext uri="{28A0092B-C50C-407E-A947-70E740481C1C}">
-                    <a14:useLocalDpi xmlns:a14="http://schemas.microsoft.com/office/drawing/2010/main" val="0"/>
-                  </a:ext>
-                </a:extLst>
-              </a:blip>
-              <a:stretch>
-                <a:fillRect/>
-              </a:stretch>
-            </p:blipFill>
-            <p:spPr>
-              <a:xfrm>
-                <a:off x="4627756" y="1549054"/>
-                <a:ext cx="540000" cy="540000"/>
-              </a:xfrm>
-              <a:prstGeom prst="rect">
-                <a:avLst/>
-              </a:prstGeom>
-            </p:spPr>
-          </p:pic>
-          <p:pic>
-            <p:nvPicPr>
-              <p:cNvPr id="27" name="Picture 26"/>
-              <p:cNvPicPr>
-                <a:picLocks noChangeAspect="1"/>
-              </p:cNvPicPr>
-              <p:nvPr/>
-            </p:nvPicPr>
-            <p:blipFill>
-              <a:blip r:embed="rId11">
-                <a:extLst>
-                  <a:ext uri="{28A0092B-C50C-407E-A947-70E740481C1C}">
-                    <a14:useLocalDpi xmlns:a14="http://schemas.microsoft.com/office/drawing/2010/main" val="0"/>
-                  </a:ext>
-                </a:extLst>
-              </a:blip>
-              <a:stretch>
-                <a:fillRect/>
-              </a:stretch>
-            </p:blipFill>
-            <p:spPr>
-              <a:xfrm>
-                <a:off x="4774661" y="1701322"/>
-                <a:ext cx="540000" cy="540000"/>
-              </a:xfrm>
-              <a:prstGeom prst="rect">
-                <a:avLst/>
-              </a:prstGeom>
-            </p:spPr>
-          </p:pic>
-        </p:grpSp>
-        <p:grpSp>
-          <p:nvGrpSpPr>
-            <p:cNvPr id="37" name="Group 36"/>
-            <p:cNvGrpSpPr/>
-            <p:nvPr/>
-          </p:nvGrpSpPr>
-          <p:grpSpPr>
-            <a:xfrm>
-              <a:off x="7182639" y="725579"/>
-              <a:ext cx="543678" cy="539868"/>
-              <a:chOff x="4627756" y="1549054"/>
-              <a:chExt cx="686905" cy="692268"/>
-            </a:xfrm>
-          </p:grpSpPr>
-          <p:pic>
-            <p:nvPicPr>
-              <p:cNvPr id="38" name="Picture 37"/>
-              <p:cNvPicPr>
-                <a:picLocks noChangeAspect="1"/>
-              </p:cNvPicPr>
-              <p:nvPr/>
-            </p:nvPicPr>
-            <p:blipFill>
-              <a:blip r:embed="rId11">
-                <a:extLst>
-                  <a:ext uri="{28A0092B-C50C-407E-A947-70E740481C1C}">
-                    <a14:useLocalDpi xmlns:a14="http://schemas.microsoft.com/office/drawing/2010/main" val="0"/>
-                  </a:ext>
-                </a:extLst>
-              </a:blip>
-              <a:stretch>
-                <a:fillRect/>
-              </a:stretch>
-            </p:blipFill>
-            <p:spPr>
-              <a:xfrm>
-                <a:off x="4627756" y="1549054"/>
-                <a:ext cx="540000" cy="540000"/>
-              </a:xfrm>
-              <a:prstGeom prst="rect">
-                <a:avLst/>
-              </a:prstGeom>
-            </p:spPr>
-          </p:pic>
-          <p:pic>
-            <p:nvPicPr>
-              <p:cNvPr id="39" name="Picture 38"/>
-              <p:cNvPicPr>
-                <a:picLocks noChangeAspect="1"/>
-              </p:cNvPicPr>
-              <p:nvPr/>
-            </p:nvPicPr>
-            <p:blipFill>
-              <a:blip r:embed="rId11">
-                <a:extLst>
-                  <a:ext uri="{28A0092B-C50C-407E-A947-70E740481C1C}">
-                    <a14:useLocalDpi xmlns:a14="http://schemas.microsoft.com/office/drawing/2010/main" val="0"/>
-                  </a:ext>
-                </a:extLst>
-              </a:blip>
-              <a:stretch>
-                <a:fillRect/>
-              </a:stretch>
-            </p:blipFill>
-            <p:spPr>
-              <a:xfrm>
-                <a:off x="4774661" y="1701322"/>
-                <a:ext cx="540000" cy="540000"/>
-              </a:xfrm>
-              <a:prstGeom prst="rect">
-                <a:avLst/>
-              </a:prstGeom>
-            </p:spPr>
-          </p:pic>
-        </p:grpSp>
-        <p:grpSp>
-          <p:nvGrpSpPr>
-            <p:cNvPr id="7" name="Group 6"/>
-            <p:cNvGrpSpPr/>
-            <p:nvPr/>
-          </p:nvGrpSpPr>
-          <p:grpSpPr>
-            <a:xfrm>
-              <a:off x="941294" y="1293658"/>
-              <a:ext cx="833718" cy="914400"/>
-              <a:chOff x="941294" y="1721224"/>
-              <a:chExt cx="833718" cy="914400"/>
-            </a:xfrm>
-          </p:grpSpPr>
-          <p:sp>
-            <p:nvSpPr>
-              <p:cNvPr id="6" name="Rounded Rectangle 5"/>
-              <p:cNvSpPr/>
-              <p:nvPr/>
-            </p:nvSpPr>
-            <p:spPr>
-              <a:xfrm>
-                <a:off x="941294" y="1721224"/>
-                <a:ext cx="833718" cy="914400"/>
-              </a:xfrm>
-              <a:prstGeom prst="roundRect">
-                <a:avLst/>
-              </a:prstGeom>
-              <a:solidFill>
-                <a:schemeClr val="bg1"/>
-              </a:solidFill>
-              <a:ln>
-                <a:noFill/>
-              </a:ln>
-            </p:spPr>
-            <p:style>
-              <a:lnRef idx="2">
-                <a:schemeClr val="accent1">
-                  <a:shade val="50000"/>
-                </a:schemeClr>
-              </a:lnRef>
-              <a:fillRef idx="1">
-                <a:schemeClr val="accent1"/>
-              </a:fillRef>
-              <a:effectRef idx="0">
-                <a:schemeClr val="accent1"/>
-              </a:effectRef>
-              <a:fontRef idx="minor">
-                <a:schemeClr val="lt1"/>
-              </a:fontRef>
-            </p:style>
-            <p:txBody>
-              <a:bodyPr rtlCol="0" anchor="ctr"/>
-              <a:lstStyle/>
-              <a:p>
-                <a:pPr algn="ctr"/>
-                <a:endParaRPr lang="en-US"/>
-              </a:p>
-            </p:txBody>
-          </p:sp>
-          <p:pic>
-            <p:nvPicPr>
-              <p:cNvPr id="5" name="Picture 4"/>
-              <p:cNvPicPr>
-                <a:picLocks noChangeAspect="1"/>
-              </p:cNvPicPr>
-              <p:nvPr/>
-            </p:nvPicPr>
-            <p:blipFill>
-              <a:blip r:embed="rId12">
-                <a:extLst>
-                  <a:ext uri="{28A0092B-C50C-407E-A947-70E740481C1C}">
-                    <a14:useLocalDpi xmlns:a14="http://schemas.microsoft.com/office/drawing/2010/main" val="0"/>
-                  </a:ext>
-                </a:extLst>
-              </a:blip>
-              <a:stretch>
-                <a:fillRect/>
-              </a:stretch>
-            </p:blipFill>
-            <p:spPr>
-              <a:xfrm>
-                <a:off x="1005541" y="1848224"/>
-                <a:ext cx="650240" cy="650240"/>
-              </a:xfrm>
-              <a:prstGeom prst="rect">
-                <a:avLst/>
-              </a:prstGeom>
-              <a:ln>
-                <a:noFill/>
-              </a:ln>
-            </p:spPr>
-          </p:pic>
-        </p:grpSp>
-        <p:grpSp>
-          <p:nvGrpSpPr>
-            <p:cNvPr id="8" name="Group 7"/>
-            <p:cNvGrpSpPr/>
-            <p:nvPr/>
-          </p:nvGrpSpPr>
-          <p:grpSpPr>
-            <a:xfrm>
-              <a:off x="941294" y="3112123"/>
-              <a:ext cx="833718" cy="914400"/>
-              <a:chOff x="941294" y="1721224"/>
-              <a:chExt cx="833718" cy="914400"/>
-            </a:xfrm>
-          </p:grpSpPr>
-          <p:sp>
-            <p:nvSpPr>
-              <p:cNvPr id="9" name="Rounded Rectangle 8"/>
-              <p:cNvSpPr/>
-              <p:nvPr/>
-            </p:nvSpPr>
-            <p:spPr>
-              <a:xfrm>
-                <a:off x="941294" y="1721224"/>
-                <a:ext cx="833718" cy="914400"/>
-              </a:xfrm>
-              <a:prstGeom prst="roundRect">
-                <a:avLst/>
-              </a:prstGeom>
-              <a:solidFill>
-                <a:schemeClr val="bg1"/>
-              </a:solidFill>
-              <a:ln>
-                <a:noFill/>
-              </a:ln>
-            </p:spPr>
-            <p:style>
-              <a:lnRef idx="2">
-                <a:schemeClr val="accent1">
-                  <a:shade val="50000"/>
-                </a:schemeClr>
-              </a:lnRef>
-              <a:fillRef idx="1">
-                <a:schemeClr val="accent1"/>
-              </a:fillRef>
-              <a:effectRef idx="0">
-                <a:schemeClr val="accent1"/>
-              </a:effectRef>
-              <a:fontRef idx="minor">
-                <a:schemeClr val="lt1"/>
-              </a:fontRef>
-            </p:style>
-            <p:txBody>
-              <a:bodyPr rtlCol="0" anchor="ctr"/>
-              <a:lstStyle/>
-              <a:p>
-                <a:pPr algn="ctr"/>
-                <a:endParaRPr lang="en-US"/>
-              </a:p>
-            </p:txBody>
-          </p:sp>
-          <p:pic>
-            <p:nvPicPr>
-              <p:cNvPr id="10" name="Picture 9"/>
-              <p:cNvPicPr>
-                <a:picLocks noChangeAspect="1"/>
-              </p:cNvPicPr>
-              <p:nvPr/>
-            </p:nvPicPr>
-            <p:blipFill>
-              <a:blip r:embed="rId12">
-                <a:extLst>
-                  <a:ext uri="{28A0092B-C50C-407E-A947-70E740481C1C}">
-                    <a14:useLocalDpi xmlns:a14="http://schemas.microsoft.com/office/drawing/2010/main" val="0"/>
-                  </a:ext>
-                </a:extLst>
-              </a:blip>
-              <a:stretch>
-                <a:fillRect/>
-              </a:stretch>
-            </p:blipFill>
-            <p:spPr>
-              <a:xfrm>
-                <a:off x="1005541" y="1848224"/>
-                <a:ext cx="650240" cy="650240"/>
-              </a:xfrm>
-              <a:prstGeom prst="rect">
-                <a:avLst/>
-              </a:prstGeom>
-              <a:ln>
-                <a:noFill/>
-              </a:ln>
-            </p:spPr>
-          </p:pic>
-        </p:grpSp>
-        <p:grpSp>
-          <p:nvGrpSpPr>
-            <p:cNvPr id="11" name="Group 10"/>
-            <p:cNvGrpSpPr/>
-            <p:nvPr/>
-          </p:nvGrpSpPr>
-          <p:grpSpPr>
-            <a:xfrm>
-              <a:off x="941294" y="4930589"/>
-              <a:ext cx="833718" cy="914400"/>
-              <a:chOff x="941294" y="1721224"/>
-              <a:chExt cx="833718" cy="914400"/>
-            </a:xfrm>
-          </p:grpSpPr>
-          <p:sp>
-            <p:nvSpPr>
-              <p:cNvPr id="12" name="Rounded Rectangle 11"/>
-              <p:cNvSpPr/>
-              <p:nvPr/>
-            </p:nvSpPr>
-            <p:spPr>
-              <a:xfrm>
-                <a:off x="941294" y="1721224"/>
-                <a:ext cx="833718" cy="914400"/>
-              </a:xfrm>
-              <a:prstGeom prst="roundRect">
-                <a:avLst/>
-              </a:prstGeom>
-              <a:solidFill>
-                <a:schemeClr val="bg1"/>
-              </a:solidFill>
-              <a:ln>
-                <a:noFill/>
-              </a:ln>
-            </p:spPr>
-            <p:style>
-              <a:lnRef idx="2">
-                <a:schemeClr val="accent1">
-                  <a:shade val="50000"/>
-                </a:schemeClr>
-              </a:lnRef>
-              <a:fillRef idx="1">
-                <a:schemeClr val="accent1"/>
-              </a:fillRef>
-              <a:effectRef idx="0">
-                <a:schemeClr val="accent1"/>
-              </a:effectRef>
-              <a:fontRef idx="minor">
-                <a:schemeClr val="lt1"/>
-              </a:fontRef>
-            </p:style>
-            <p:txBody>
-              <a:bodyPr rtlCol="0" anchor="ctr"/>
-              <a:lstStyle/>
-              <a:p>
-                <a:pPr algn="ctr"/>
-                <a:endParaRPr lang="en-US"/>
-              </a:p>
-            </p:txBody>
-          </p:sp>
-          <p:pic>
-            <p:nvPicPr>
-              <p:cNvPr id="13" name="Picture 12"/>
-              <p:cNvPicPr>
-                <a:picLocks noChangeAspect="1"/>
-              </p:cNvPicPr>
-              <p:nvPr/>
-            </p:nvPicPr>
-            <p:blipFill>
-              <a:blip r:embed="rId12">
-                <a:extLst>
-                  <a:ext uri="{28A0092B-C50C-407E-A947-70E740481C1C}">
-                    <a14:useLocalDpi xmlns:a14="http://schemas.microsoft.com/office/drawing/2010/main" val="0"/>
-                  </a:ext>
-                </a:extLst>
-              </a:blip>
-              <a:stretch>
-                <a:fillRect/>
-              </a:stretch>
-            </p:blipFill>
-            <p:spPr>
-              <a:xfrm>
-                <a:off x="1005541" y="1848224"/>
-                <a:ext cx="650240" cy="650240"/>
-              </a:xfrm>
-              <a:prstGeom prst="rect">
-                <a:avLst/>
-              </a:prstGeom>
-              <a:ln>
-                <a:noFill/>
-              </a:ln>
-            </p:spPr>
-          </p:pic>
-        </p:grpSp>
-        <p:pic>
-          <p:nvPicPr>
-            <p:cNvPr id="17" name="Picture 16"/>
-            <p:cNvPicPr>
-              <a:picLocks noChangeAspect="1"/>
-            </p:cNvPicPr>
-            <p:nvPr/>
-          </p:nvPicPr>
-          <p:blipFill>
-            <a:blip r:embed="rId13">
-              <a:extLst>
-                <a:ext uri="{28A0092B-C50C-407E-A947-70E740481C1C}">
-                  <a14:useLocalDpi xmlns:a14="http://schemas.microsoft.com/office/drawing/2010/main" val="0"/>
-                </a:ext>
-              </a:extLst>
-            </a:blip>
-            <a:stretch>
-              <a:fillRect/>
-            </a:stretch>
-          </p:blipFill>
-          <p:spPr>
-            <a:xfrm>
-              <a:off x="3009984" y="788336"/>
-              <a:ext cx="540000" cy="540000"/>
-            </a:xfrm>
-            <a:prstGeom prst="rect">
-              <a:avLst/>
-            </a:prstGeom>
-          </p:spPr>
-        </p:pic>
-        <p:pic>
-          <p:nvPicPr>
-            <p:cNvPr id="22" name="Picture 21"/>
-            <p:cNvPicPr>
-              <a:picLocks noChangeAspect="1"/>
-            </p:cNvPicPr>
-            <p:nvPr/>
-          </p:nvPicPr>
-          <p:blipFill>
-            <a:blip r:embed="rId14">
-              <a:extLst>
-                <a:ext uri="{28A0092B-C50C-407E-A947-70E740481C1C}">
-                  <a14:useLocalDpi xmlns:a14="http://schemas.microsoft.com/office/drawing/2010/main" val="0"/>
-                </a:ext>
-              </a:extLst>
-            </a:blip>
-            <a:stretch>
-              <a:fillRect/>
-            </a:stretch>
-          </p:blipFill>
-          <p:spPr>
-            <a:xfrm>
-              <a:off x="3012303" y="3577541"/>
-              <a:ext cx="540000" cy="540000"/>
-            </a:xfrm>
-            <a:prstGeom prst="rect">
-              <a:avLst/>
-            </a:prstGeom>
-          </p:spPr>
-        </p:pic>
-        <p:grpSp>
-          <p:nvGrpSpPr>
-            <p:cNvPr id="41" name="Group 40"/>
-            <p:cNvGrpSpPr/>
-            <p:nvPr/>
-          </p:nvGrpSpPr>
-          <p:grpSpPr>
-            <a:xfrm>
-              <a:off x="2851951" y="2070898"/>
-              <a:ext cx="833810" cy="933996"/>
-              <a:chOff x="2851951" y="2070898"/>
-              <a:chExt cx="833810" cy="933996"/>
-            </a:xfrm>
-          </p:grpSpPr>
-          <p:sp>
-            <p:nvSpPr>
-              <p:cNvPr id="40" name="Rounded Rectangle 39"/>
-              <p:cNvSpPr/>
-              <p:nvPr/>
-            </p:nvSpPr>
-            <p:spPr>
-              <a:xfrm>
-                <a:off x="2851951" y="2070898"/>
-                <a:ext cx="833810" cy="933996"/>
-              </a:xfrm>
-              <a:prstGeom prst="roundRect">
-                <a:avLst/>
-              </a:prstGeom>
-              <a:ln>
-                <a:noFill/>
-              </a:ln>
-            </p:spPr>
-            <p:style>
-              <a:lnRef idx="2">
-                <a:schemeClr val="accent1">
-                  <a:shade val="50000"/>
-                </a:schemeClr>
-              </a:lnRef>
-              <a:fillRef idx="1">
-                <a:schemeClr val="accent1"/>
-              </a:fillRef>
-              <a:effectRef idx="0">
-                <a:schemeClr val="accent1"/>
-              </a:effectRef>
-              <a:fontRef idx="minor">
-                <a:schemeClr val="lt1"/>
-              </a:fontRef>
-            </p:style>
-            <p:txBody>
-              <a:bodyPr rtlCol="0" anchor="ctr"/>
-              <a:lstStyle/>
-              <a:p>
-                <a:pPr algn="ctr"/>
-                <a:endParaRPr lang="en-US"/>
-              </a:p>
-            </p:txBody>
-          </p:sp>
-          <p:pic>
-            <p:nvPicPr>
-              <p:cNvPr id="20" name="Picture 19"/>
-              <p:cNvPicPr>
-                <a:picLocks noChangeAspect="1"/>
-              </p:cNvPicPr>
-              <p:nvPr/>
-            </p:nvPicPr>
-            <p:blipFill>
-              <a:blip r:embed="rId15">
-                <a:extLst>
-                  <a:ext uri="{28A0092B-C50C-407E-A947-70E740481C1C}">
-                    <a14:useLocalDpi xmlns:a14="http://schemas.microsoft.com/office/drawing/2010/main" val="0"/>
-                  </a:ext>
-                </a:extLst>
-              </a:blip>
-              <a:stretch>
-                <a:fillRect/>
-              </a:stretch>
-            </p:blipFill>
-            <p:spPr>
-              <a:xfrm>
-                <a:off x="2851951" y="2111999"/>
-                <a:ext cx="833810" cy="833810"/>
-              </a:xfrm>
-              <a:prstGeom prst="rect">
-                <a:avLst/>
-              </a:prstGeom>
-              <a:ln>
-                <a:noFill/>
-              </a:ln>
-            </p:spPr>
-          </p:pic>
-        </p:grpSp>
-        <p:cxnSp>
-          <p:nvCxnSpPr>
-            <p:cNvPr id="49" name="Elbow Connector 48"/>
-            <p:cNvCxnSpPr>
-              <a:stCxn id="12" idx="3"/>
-              <a:endCxn id="20" idx="1"/>
-            </p:cNvCxnSpPr>
-            <p:nvPr/>
-          </p:nvCxnSpPr>
-          <p:spPr>
-            <a:xfrm flipV="1">
-              <a:off x="1775012" y="2528904"/>
-              <a:ext cx="1076939" cy="2858885"/>
-            </a:xfrm>
-            <a:prstGeom prst="bentConnector3">
-              <a:avLst/>
-            </a:prstGeom>
-            <a:ln w="53975">
-              <a:solidFill>
-                <a:schemeClr val="bg1">
-                  <a:lumMod val="95000"/>
-                </a:schemeClr>
-              </a:solidFill>
-              <a:prstDash val="dash"/>
-              <a:tailEnd type="triangle"/>
-            </a:ln>
-          </p:spPr>
-          <p:style>
-            <a:lnRef idx="1">
-              <a:schemeClr val="accent1"/>
-            </a:lnRef>
-            <a:fillRef idx="0">
-              <a:schemeClr val="accent1"/>
-            </a:fillRef>
-            <a:effectRef idx="0">
-              <a:schemeClr val="accent1"/>
-            </a:effectRef>
-            <a:fontRef idx="minor">
-              <a:schemeClr val="tx1"/>
-            </a:fontRef>
-          </p:style>
-        </p:cxnSp>
-        <p:cxnSp>
-          <p:nvCxnSpPr>
-            <p:cNvPr id="52" name="Elbow Connector 51"/>
-            <p:cNvCxnSpPr/>
-            <p:nvPr/>
-          </p:nvCxnSpPr>
-          <p:spPr>
-            <a:xfrm flipV="1">
-              <a:off x="1775012" y="2528904"/>
-              <a:ext cx="1074147" cy="985573"/>
-            </a:xfrm>
-            <a:prstGeom prst="bentConnector3">
-              <a:avLst>
-                <a:gd name="adj1" fmla="val 33855"/>
-              </a:avLst>
-            </a:prstGeom>
-            <a:ln w="53975">
-              <a:solidFill>
-                <a:schemeClr val="bg1">
-                  <a:lumMod val="95000"/>
-                </a:schemeClr>
-              </a:solidFill>
-              <a:prstDash val="dash"/>
-              <a:tailEnd type="triangle"/>
-            </a:ln>
-          </p:spPr>
-          <p:style>
-            <a:lnRef idx="1">
-              <a:schemeClr val="accent1"/>
-            </a:lnRef>
-            <a:fillRef idx="0">
-              <a:schemeClr val="accent1"/>
-            </a:fillRef>
-            <a:effectRef idx="0">
-              <a:schemeClr val="accent1"/>
-            </a:effectRef>
-            <a:fontRef idx="minor">
-              <a:schemeClr val="tx1"/>
-            </a:fontRef>
-          </p:style>
-        </p:cxnSp>
-        <p:cxnSp>
-          <p:nvCxnSpPr>
-            <p:cNvPr id="54" name="Elbow Connector 53"/>
-            <p:cNvCxnSpPr>
-              <a:stCxn id="6" idx="3"/>
-            </p:cNvCxnSpPr>
-            <p:nvPr/>
-          </p:nvCxnSpPr>
-          <p:spPr>
-            <a:xfrm>
-              <a:off x="1775012" y="1750858"/>
-              <a:ext cx="1074147" cy="778046"/>
-            </a:xfrm>
-            <a:prstGeom prst="bentConnector3">
-              <a:avLst/>
-            </a:prstGeom>
-            <a:ln w="53975">
-              <a:solidFill>
-                <a:schemeClr val="bg1">
-                  <a:lumMod val="95000"/>
-                </a:schemeClr>
-              </a:solidFill>
-              <a:prstDash val="dash"/>
-              <a:tailEnd type="triangle"/>
-            </a:ln>
-          </p:spPr>
-          <p:style>
-            <a:lnRef idx="1">
-              <a:schemeClr val="accent1"/>
-            </a:lnRef>
-            <a:fillRef idx="0">
-              <a:schemeClr val="accent1"/>
-            </a:fillRef>
-            <a:effectRef idx="0">
-              <a:schemeClr val="accent1"/>
-            </a:effectRef>
-            <a:fontRef idx="minor">
-              <a:schemeClr val="tx1"/>
-            </a:fontRef>
-          </p:style>
-        </p:cxnSp>
-        <p:cxnSp>
-          <p:nvCxnSpPr>
-            <p:cNvPr id="65" name="Elbow Connector 64"/>
-            <p:cNvCxnSpPr>
-              <a:stCxn id="20" idx="3"/>
-              <a:endCxn id="15" idx="1"/>
-            </p:cNvCxnSpPr>
-            <p:nvPr/>
-          </p:nvCxnSpPr>
-          <p:spPr>
-            <a:xfrm flipV="1">
-              <a:off x="3685761" y="1548634"/>
-              <a:ext cx="992038" cy="980270"/>
-            </a:xfrm>
-            <a:prstGeom prst="bentConnector3">
-              <a:avLst/>
-            </a:prstGeom>
-            <a:ln w="50800" cmpd="tri">
-              <a:solidFill>
-                <a:schemeClr val="accent1"/>
-              </a:solidFill>
-              <a:prstDash val="solid"/>
-              <a:headEnd type="triangle"/>
-              <a:tailEnd type="triangle"/>
-            </a:ln>
-          </p:spPr>
-          <p:style>
-            <a:lnRef idx="1">
-              <a:schemeClr val="accent1"/>
-            </a:lnRef>
-            <a:fillRef idx="0">
-              <a:schemeClr val="accent1"/>
-            </a:fillRef>
-            <a:effectRef idx="0">
-              <a:schemeClr val="accent1"/>
-            </a:effectRef>
-            <a:fontRef idx="minor">
-              <a:schemeClr val="tx1"/>
-            </a:fontRef>
-          </p:style>
-        </p:cxnSp>
-        <p:cxnSp>
-          <p:nvCxnSpPr>
-            <p:cNvPr id="67" name="Elbow Connector 66"/>
-            <p:cNvCxnSpPr/>
-            <p:nvPr/>
-          </p:nvCxnSpPr>
-          <p:spPr>
-            <a:xfrm>
-              <a:off x="5380470" y="1606303"/>
-              <a:ext cx="400029" cy="2661"/>
-            </a:xfrm>
-            <a:prstGeom prst="bentConnector3">
-              <a:avLst/>
-            </a:prstGeom>
-            <a:ln w="38100">
-              <a:prstDash val="lgDashDotDot"/>
-              <a:headEnd type="triangle"/>
-              <a:tailEnd type="triangle"/>
-            </a:ln>
-          </p:spPr>
-          <p:style>
-            <a:lnRef idx="1">
-              <a:schemeClr val="accent1"/>
-            </a:lnRef>
-            <a:fillRef idx="0">
-              <a:schemeClr val="accent1"/>
-            </a:fillRef>
-            <a:effectRef idx="0">
-              <a:schemeClr val="accent1"/>
-            </a:effectRef>
-            <a:fontRef idx="minor">
-              <a:schemeClr val="tx1"/>
-            </a:fontRef>
-          </p:style>
-        </p:cxnSp>
-        <p:cxnSp>
-          <p:nvCxnSpPr>
-            <p:cNvPr id="71" name="Elbow Connector 70"/>
-            <p:cNvCxnSpPr>
-              <a:stCxn id="39" idx="3"/>
-              <a:endCxn id="23" idx="1"/>
-            </p:cNvCxnSpPr>
-            <p:nvPr/>
-          </p:nvCxnSpPr>
-          <p:spPr>
-            <a:xfrm flipV="1">
-              <a:off x="7726317" y="1047633"/>
-              <a:ext cx="1378144" cy="7254"/>
-            </a:xfrm>
-            <a:prstGeom prst="bentConnector3">
-              <a:avLst/>
-            </a:prstGeom>
-            <a:ln w="50800" cmpd="tri">
-              <a:solidFill>
-                <a:schemeClr val="accent1"/>
-              </a:solidFill>
-              <a:prstDash val="solid"/>
-              <a:headEnd type="triangle"/>
-              <a:tailEnd type="triangle"/>
-            </a:ln>
-          </p:spPr>
-          <p:style>
-            <a:lnRef idx="1">
-              <a:schemeClr val="accent1"/>
-            </a:lnRef>
-            <a:fillRef idx="0">
-              <a:schemeClr val="accent1"/>
-            </a:fillRef>
-            <a:effectRef idx="0">
-              <a:schemeClr val="accent1"/>
-            </a:effectRef>
-            <a:fontRef idx="minor">
-              <a:schemeClr val="tx1"/>
-            </a:fontRef>
-          </p:style>
-        </p:cxnSp>
-        <p:cxnSp>
-          <p:nvCxnSpPr>
-            <p:cNvPr id="79" name="Straight Arrow Connector 78"/>
-            <p:cNvCxnSpPr/>
-            <p:nvPr/>
-          </p:nvCxnSpPr>
-          <p:spPr>
-            <a:xfrm flipV="1">
-              <a:off x="6680245" y="1146700"/>
-              <a:ext cx="499638" cy="459603"/>
-            </a:xfrm>
-            <a:prstGeom prst="straightConnector1">
-              <a:avLst/>
-            </a:prstGeom>
-            <a:ln w="31750">
-              <a:headEnd type="triangle"/>
-              <a:tailEnd type="triangle"/>
-            </a:ln>
-          </p:spPr>
-          <p:style>
-            <a:lnRef idx="1">
-              <a:schemeClr val="accent1"/>
-            </a:lnRef>
-            <a:fillRef idx="0">
-              <a:schemeClr val="accent1"/>
-            </a:fillRef>
-            <a:effectRef idx="0">
-              <a:schemeClr val="accent1"/>
-            </a:effectRef>
-            <a:fontRef idx="minor">
-              <a:schemeClr val="tx1"/>
-            </a:fontRef>
-          </p:style>
-        </p:cxnSp>
-        <p:cxnSp>
-          <p:nvCxnSpPr>
-            <p:cNvPr id="56" name="Elbow Connector 55"/>
-            <p:cNvCxnSpPr/>
-            <p:nvPr/>
-          </p:nvCxnSpPr>
-          <p:spPr>
-            <a:xfrm rot="16200000" flipV="1">
-              <a:off x="2868289" y="1711431"/>
-              <a:ext cx="786070" cy="15065"/>
-            </a:xfrm>
-            <a:prstGeom prst="bentConnector3">
-              <a:avLst/>
-            </a:prstGeom>
-            <a:ln w="53975">
-              <a:solidFill>
-                <a:schemeClr val="bg2"/>
-              </a:solidFill>
-              <a:prstDash val="dash"/>
-              <a:tailEnd type="triangle"/>
-            </a:ln>
-          </p:spPr>
-          <p:style>
-            <a:lnRef idx="1">
-              <a:schemeClr val="accent1"/>
-            </a:lnRef>
-            <a:fillRef idx="0">
-              <a:schemeClr val="accent1"/>
-            </a:fillRef>
-            <a:effectRef idx="0">
-              <a:schemeClr val="accent1"/>
-            </a:effectRef>
-            <a:fontRef idx="minor">
-              <a:schemeClr val="tx1"/>
-            </a:fontRef>
-          </p:style>
-        </p:cxnSp>
-        <p:cxnSp>
-          <p:nvCxnSpPr>
-            <p:cNvPr id="59" name="Elbow Connector 58"/>
-            <p:cNvCxnSpPr>
-              <a:endCxn id="22" idx="0"/>
-            </p:cNvCxnSpPr>
-            <p:nvPr/>
-          </p:nvCxnSpPr>
-          <p:spPr>
-            <a:xfrm rot="5400000">
-              <a:off x="3000114" y="3287083"/>
-              <a:ext cx="572647" cy="8268"/>
-            </a:xfrm>
-            <a:prstGeom prst="bentConnector3">
-              <a:avLst/>
-            </a:prstGeom>
-            <a:ln w="53975">
-              <a:solidFill>
-                <a:schemeClr val="bg2"/>
-              </a:solidFill>
-              <a:prstDash val="dash"/>
-              <a:tailEnd type="triangle"/>
-            </a:ln>
-          </p:spPr>
-          <p:style>
-            <a:lnRef idx="1">
-              <a:schemeClr val="accent1"/>
-            </a:lnRef>
-            <a:fillRef idx="0">
-              <a:schemeClr val="accent1"/>
-            </a:fillRef>
-            <a:effectRef idx="0">
-              <a:schemeClr val="accent1"/>
-            </a:effectRef>
-            <a:fontRef idx="minor">
-              <a:schemeClr val="tx1"/>
-            </a:fontRef>
-          </p:style>
-        </p:cxnSp>
-        <p:sp>
-          <p:nvSpPr>
-            <p:cNvPr id="83" name="Right Arrow 82"/>
-            <p:cNvSpPr/>
-            <p:nvPr/>
-          </p:nvSpPr>
-          <p:spPr>
-            <a:xfrm rot="16200000" flipH="1">
-              <a:off x="7726605" y="2879214"/>
-              <a:ext cx="3180228" cy="519069"/>
-            </a:xfrm>
-            <a:prstGeom prst="rightArrow">
-              <a:avLst/>
-            </a:prstGeom>
-            <a:solidFill>
-              <a:schemeClr val="bg1">
-                <a:lumMod val="95000"/>
-                <a:alpha val="59000"/>
-              </a:schemeClr>
-            </a:solidFill>
-            <a:ln>
-              <a:noFill/>
-            </a:ln>
-            <a:scene3d>
-              <a:camera prst="orthographicFront">
-                <a:rot lat="0" lon="0" rev="0"/>
-              </a:camera>
-              <a:lightRig rig="threePt" dir="t"/>
-            </a:scene3d>
-          </p:spPr>
-          <p:style>
-            <a:lnRef idx="2">
-              <a:schemeClr val="accent1">
-                <a:shade val="50000"/>
-              </a:schemeClr>
-            </a:lnRef>
-            <a:fillRef idx="1">
-              <a:schemeClr val="accent1"/>
-            </a:fillRef>
-            <a:effectRef idx="0">
-              <a:schemeClr val="accent1"/>
-            </a:effectRef>
-            <a:fontRef idx="minor">
-              <a:schemeClr val="lt1"/>
-            </a:fontRef>
-          </p:style>
-          <p:txBody>
-            <a:bodyPr rtlCol="0" anchor="ctr"/>
-            <a:lstStyle/>
-            <a:p>
-              <a:pPr algn="ctr"/>
-              <a:endParaRPr lang="en-US"/>
-            </a:p>
-          </p:txBody>
-        </p:sp>
-        <p:sp>
-          <p:nvSpPr>
-            <p:cNvPr id="50" name="Right Arrow 49"/>
-            <p:cNvSpPr/>
-            <p:nvPr/>
-          </p:nvSpPr>
-          <p:spPr>
-            <a:xfrm flipH="1">
-              <a:off x="2204577" y="5123174"/>
-              <a:ext cx="6529519" cy="519069"/>
-            </a:xfrm>
-            <a:prstGeom prst="rightArrow">
-              <a:avLst/>
-            </a:prstGeom>
-            <a:solidFill>
-              <a:schemeClr val="accent6">
-                <a:lumMod val="40000"/>
-                <a:lumOff val="60000"/>
-                <a:alpha val="81000"/>
-              </a:schemeClr>
-            </a:solidFill>
-            <a:ln>
-              <a:solidFill>
-                <a:schemeClr val="accent1">
-                  <a:shade val="50000"/>
-                </a:schemeClr>
-              </a:solidFill>
-            </a:ln>
-            <a:scene3d>
-              <a:camera prst="orthographicFront">
-                <a:rot lat="0" lon="0" rev="0"/>
-              </a:camera>
-              <a:lightRig rig="threePt" dir="t"/>
-            </a:scene3d>
-          </p:spPr>
-          <p:style>
-            <a:lnRef idx="2">
-              <a:schemeClr val="accent1">
-                <a:shade val="50000"/>
-              </a:schemeClr>
-            </a:lnRef>
-            <a:fillRef idx="1">
-              <a:schemeClr val="accent1"/>
-            </a:fillRef>
-            <a:effectRef idx="0">
-              <a:schemeClr val="accent1"/>
-            </a:effectRef>
-            <a:fontRef idx="minor">
-              <a:schemeClr val="lt1"/>
-            </a:fontRef>
-          </p:style>
-          <p:txBody>
-            <a:bodyPr rtlCol="0" anchor="ctr"/>
-            <a:lstStyle/>
-            <a:p>
-              <a:pPr algn="ctr"/>
-              <a:endParaRPr lang="en-US"/>
-            </a:p>
-          </p:txBody>
-        </p:sp>
       </p:grpSp>
-      <p:sp>
-        <p:nvSpPr>
-          <p:cNvPr id="53" name="TextBox 52"/>
-          <p:cNvSpPr txBox="1"/>
-          <p:nvPr/>
-        </p:nvSpPr>
-        <p:spPr>
-          <a:xfrm>
-            <a:off x="512033" y="252248"/>
-            <a:ext cx="8726560" cy="707886"/>
-          </a:xfrm>
-          <a:prstGeom prst="rect">
-            <a:avLst/>
-          </a:prstGeom>
-          <a:noFill/>
-        </p:spPr>
-        <p:txBody>
-          <a:bodyPr wrap="square" rtlCol="0">
-            <a:spAutoFit/>
-          </a:bodyPr>
-          <a:lstStyle/>
-          <a:p>
-            <a:r>
-              <a:rPr lang="en-US" sz="4000" smtClean="0"/>
-              <a:t>Our Model</a:t>
-            </a:r>
-            <a:endParaRPr lang="en-US" sz="4000"/>
-          </a:p>
-        </p:txBody>
-      </p:sp>
-    </p:spTree>
-    <p:extLst>
-      <p:ext uri="{BB962C8B-B14F-4D97-AF65-F5344CB8AC3E}">
-        <p14:creationId xmlns:p14="http://schemas.microsoft.com/office/powerpoint/2010/main" val="231337982"/>
-      </p:ext>
-    </p:extLst>
-  </p:cSld>
-  <p:clrMapOvr>
-    <a:masterClrMapping/>
-  </p:clrMapOvr>
-  <p:timing>
-    <p:tnLst>
-      <p:par>
-        <p:cTn id="1" dur="indefinite" restart="never" nodeType="tmRoot"/>
-      </p:par>
-    </p:tnLst>
-  </p:timing>
-</p:sld>
-</file>
-
-<file path=ppt/slides/slide4.xml><?xml version="1.0" encoding="utf-8"?>
-<p:sld xmlns:a="http://schemas.openxmlformats.org/drawingml/2006/main" xmlns:r="http://schemas.openxmlformats.org/officeDocument/2006/relationships" xmlns:p="http://schemas.openxmlformats.org/presentationml/2006/main">
-  <p:cSld>
-    <p:spTree>
-      <p:nvGrpSpPr>
-        <p:cNvPr id="1" name=""/>
-        <p:cNvGrpSpPr/>
-        <p:nvPr/>
-      </p:nvGrpSpPr>
-      <p:grpSpPr>
-        <a:xfrm>
-          <a:off x="0" y="0"/>
-          <a:ext cx="0" cy="0"/>
-          <a:chOff x="0" y="0"/>
-          <a:chExt cx="0" cy="0"/>
-        </a:xfrm>
-      </p:grpSpPr>
       <p:grpSp>
         <p:nvGrpSpPr>
-          <p:cNvPr id="48" name="Group 47"/>
+          <p:cNvPr id="7" name="Group 6"/>
           <p:cNvGrpSpPr/>
           <p:nvPr/>
         </p:nvGrpSpPr>
         <p:grpSpPr>
           <a:xfrm>
-            <a:off x="2800124" y="-2379541"/>
-            <a:ext cx="12035705" cy="12240232"/>
-            <a:chOff x="2800124" y="-2379541"/>
-            <a:chExt cx="12035705" cy="12240232"/>
+            <a:off x="914665" y="2016677"/>
+            <a:ext cx="784880" cy="788814"/>
+            <a:chOff x="941294" y="1721224"/>
+            <a:chExt cx="833718" cy="914400"/>
           </a:xfrm>
         </p:grpSpPr>
         <p:sp>
           <p:nvSpPr>
-            <p:cNvPr id="51" name="Oval 50"/>
+            <p:cNvPr id="6" name="Rounded Rectangle 5"/>
             <p:cNvSpPr/>
             <p:nvPr/>
           </p:nvSpPr>
           <p:spPr>
             <a:xfrm>
-              <a:off x="2800124" y="-2379541"/>
-              <a:ext cx="12035705" cy="12240232"/>
+              <a:off x="941294" y="1721224"/>
+              <a:ext cx="833718" cy="914400"/>
             </a:xfrm>
-            <a:prstGeom prst="ellipse">
+            <a:prstGeom prst="roundRect">
               <a:avLst/>
             </a:prstGeom>
             <a:solidFill>
-              <a:schemeClr val="accent3">
-                <a:lumMod val="20000"/>
-                <a:lumOff val="80000"/>
-              </a:schemeClr>
+              <a:schemeClr val="bg1"/>
             </a:solidFill>
             <a:ln>
               <a:noFill/>
@@ -7392,25 +5976,70 @@
             </a:p>
           </p:txBody>
         </p:sp>
+        <p:pic>
+          <p:nvPicPr>
+            <p:cNvPr id="5" name="Picture 4"/>
+            <p:cNvPicPr>
+              <a:picLocks noChangeAspect="1"/>
+            </p:cNvPicPr>
+            <p:nvPr/>
+          </p:nvPicPr>
+          <p:blipFill>
+            <a:blip r:embed="rId10">
+              <a:extLst>
+                <a:ext uri="{28A0092B-C50C-407E-A947-70E740481C1C}">
+                  <a14:useLocalDpi xmlns:a14="http://schemas.microsoft.com/office/drawing/2010/main" val="0"/>
+                </a:ext>
+              </a:extLst>
+            </a:blip>
+            <a:stretch>
+              <a:fillRect/>
+            </a:stretch>
+          </p:blipFill>
+          <p:spPr>
+            <a:xfrm>
+              <a:off x="1005541" y="1848224"/>
+              <a:ext cx="650240" cy="650240"/>
+            </a:xfrm>
+            <a:prstGeom prst="rect">
+              <a:avLst/>
+            </a:prstGeom>
+            <a:ln>
+              <a:noFill/>
+            </a:ln>
+          </p:spPr>
+        </p:pic>
+      </p:grpSp>
+      <p:grpSp>
+        <p:nvGrpSpPr>
+          <p:cNvPr id="8" name="Group 7"/>
+          <p:cNvGrpSpPr/>
+          <p:nvPr/>
+        </p:nvGrpSpPr>
+        <p:grpSpPr>
+          <a:xfrm>
+            <a:off x="914665" y="3585389"/>
+            <a:ext cx="784880" cy="788814"/>
+            <a:chOff x="941294" y="1721224"/>
+            <a:chExt cx="833718" cy="914400"/>
+          </a:xfrm>
+        </p:grpSpPr>
         <p:sp>
           <p:nvSpPr>
-            <p:cNvPr id="53" name="Oval 52"/>
+            <p:cNvPr id="9" name="Rounded Rectangle 8"/>
             <p:cNvSpPr/>
             <p:nvPr/>
           </p:nvSpPr>
           <p:spPr>
             <a:xfrm>
-              <a:off x="6817974" y="-601255"/>
-              <a:ext cx="7952568" cy="8087709"/>
+              <a:off x="941294" y="1721224"/>
+              <a:ext cx="833718" cy="914400"/>
             </a:xfrm>
-            <a:prstGeom prst="ellipse">
+            <a:prstGeom prst="roundRect">
               <a:avLst/>
             </a:prstGeom>
             <a:solidFill>
-              <a:schemeClr val="accent3">
-                <a:lumMod val="40000"/>
-                <a:lumOff val="60000"/>
-              </a:schemeClr>
+              <a:schemeClr val="bg1"/>
             </a:solidFill>
             <a:ln>
               <a:noFill/>
@@ -7441,17 +6070,50 @@
             </a:p>
           </p:txBody>
         </p:sp>
+        <p:pic>
+          <p:nvPicPr>
+            <p:cNvPr id="10" name="Picture 9"/>
+            <p:cNvPicPr>
+              <a:picLocks noChangeAspect="1"/>
+            </p:cNvPicPr>
+            <p:nvPr/>
+          </p:nvPicPr>
+          <p:blipFill>
+            <a:blip r:embed="rId10">
+              <a:extLst>
+                <a:ext uri="{28A0092B-C50C-407E-A947-70E740481C1C}">
+                  <a14:useLocalDpi xmlns:a14="http://schemas.microsoft.com/office/drawing/2010/main" val="0"/>
+                </a:ext>
+              </a:extLst>
+            </a:blip>
+            <a:stretch>
+              <a:fillRect/>
+            </a:stretch>
+          </p:blipFill>
+          <p:spPr>
+            <a:xfrm>
+              <a:off x="1005541" y="1848224"/>
+              <a:ext cx="650240" cy="650240"/>
+            </a:xfrm>
+            <a:prstGeom prst="rect">
+              <a:avLst/>
+            </a:prstGeom>
+            <a:ln>
+              <a:noFill/>
+            </a:ln>
+          </p:spPr>
+        </p:pic>
       </p:grpSp>
       <p:pic>
         <p:nvPicPr>
-          <p:cNvPr id="14" name="Picture 13"/>
+          <p:cNvPr id="17" name="Picture 16"/>
           <p:cNvPicPr>
             <a:picLocks noChangeAspect="1"/>
           </p:cNvPicPr>
           <p:nvPr/>
         </p:nvPicPr>
         <p:blipFill>
-          <a:blip r:embed="rId3">
+          <a:blip r:embed="rId11">
             <a:extLst>
               <a:ext uri="{28A0092B-C50C-407E-A947-70E740481C1C}">
                 <a14:useLocalDpi xmlns:a14="http://schemas.microsoft.com/office/drawing/2010/main" val="0"/>
@@ -7464,8 +6126,8 @@
         </p:blipFill>
         <p:spPr>
           <a:xfrm>
-            <a:off x="10524258" y="-1062743"/>
-            <a:ext cx="540000" cy="540000"/>
+            <a:off x="2862174" y="1580757"/>
+            <a:ext cx="508367" cy="465835"/>
           </a:xfrm>
           <a:prstGeom prst="rect">
             <a:avLst/>
@@ -7474,14 +6136,14 @@
       </p:pic>
       <p:pic>
         <p:nvPicPr>
-          <p:cNvPr id="18" name="Picture 17"/>
+          <p:cNvPr id="22" name="Picture 21"/>
           <p:cNvPicPr>
             <a:picLocks noChangeAspect="1"/>
           </p:cNvPicPr>
           <p:nvPr/>
         </p:nvPicPr>
         <p:blipFill>
-          <a:blip r:embed="rId4">
+          <a:blip r:embed="rId12">
             <a:extLst>
               <a:ext uri="{28A0092B-C50C-407E-A947-70E740481C1C}">
                 <a14:useLocalDpi xmlns:a14="http://schemas.microsoft.com/office/drawing/2010/main" val="0"/>
@@ -7494,98 +6156,8 @@
         </p:blipFill>
         <p:spPr>
           <a:xfrm>
-            <a:off x="11064258" y="-835857"/>
-            <a:ext cx="540000" cy="540000"/>
-          </a:xfrm>
-          <a:prstGeom prst="rect">
-            <a:avLst/>
-          </a:prstGeom>
-        </p:spPr>
-      </p:pic>
-      <p:pic>
-        <p:nvPicPr>
-          <p:cNvPr id="24" name="Picture 23"/>
-          <p:cNvPicPr>
-            <a:picLocks noChangeAspect="1"/>
-          </p:cNvPicPr>
-          <p:nvPr/>
-        </p:nvPicPr>
-        <p:blipFill>
-          <a:blip r:embed="rId5">
-            <a:extLst>
-              <a:ext uri="{28A0092B-C50C-407E-A947-70E740481C1C}">
-                <a14:useLocalDpi xmlns:a14="http://schemas.microsoft.com/office/drawing/2010/main" val="0"/>
-              </a:ext>
-            </a:extLst>
-          </a:blip>
-          <a:stretch>
-            <a:fillRect/>
-          </a:stretch>
-        </p:blipFill>
-        <p:spPr>
-          <a:xfrm>
-            <a:off x="11608268" y="-565857"/>
-            <a:ext cx="540000" cy="540000"/>
-          </a:xfrm>
-          <a:prstGeom prst="rect">
-            <a:avLst/>
-          </a:prstGeom>
-        </p:spPr>
-      </p:pic>
-      <p:pic>
-        <p:nvPicPr>
-          <p:cNvPr id="25" name="Picture 24"/>
-          <p:cNvPicPr>
-            <a:picLocks noChangeAspect="1"/>
-          </p:cNvPicPr>
-          <p:nvPr/>
-        </p:nvPicPr>
-        <p:blipFill>
-          <a:blip r:embed="rId6">
-            <a:extLst>
-              <a:ext uri="{28A0092B-C50C-407E-A947-70E740481C1C}">
-                <a14:useLocalDpi xmlns:a14="http://schemas.microsoft.com/office/drawing/2010/main" val="0"/>
-              </a:ext>
-            </a:extLst>
-          </a:blip>
-          <a:stretch>
-            <a:fillRect/>
-          </a:stretch>
-        </p:blipFill>
-        <p:spPr>
-          <a:xfrm>
-            <a:off x="12192000" y="4188862"/>
-            <a:ext cx="540000" cy="540000"/>
-          </a:xfrm>
-          <a:prstGeom prst="rect">
-            <a:avLst/>
-          </a:prstGeom>
-        </p:spPr>
-      </p:pic>
-      <p:pic>
-        <p:nvPicPr>
-          <p:cNvPr id="26" name="Picture 25"/>
-          <p:cNvPicPr>
-            <a:picLocks noChangeAspect="1"/>
-          </p:cNvPicPr>
-          <p:nvPr/>
-        </p:nvPicPr>
-        <p:blipFill>
-          <a:blip r:embed="rId7">
-            <a:extLst>
-              <a:ext uri="{28A0092B-C50C-407E-A947-70E740481C1C}">
-                <a14:useLocalDpi xmlns:a14="http://schemas.microsoft.com/office/drawing/2010/main" val="0"/>
-              </a:ext>
-            </a:extLst>
-          </a:blip>
-          <a:stretch>
-            <a:fillRect/>
-          </a:stretch>
-        </p:blipFill>
-        <p:spPr>
-          <a:xfrm>
-            <a:off x="12282363" y="1866944"/>
-            <a:ext cx="540000" cy="540000"/>
+            <a:off x="2864357" y="3986886"/>
+            <a:ext cx="508367" cy="465835"/>
           </a:xfrm>
           <a:prstGeom prst="rect">
             <a:avLst/>
@@ -7594,153 +6166,34 @@
       </p:pic>
       <p:grpSp>
         <p:nvGrpSpPr>
-          <p:cNvPr id="2" name="Group 1"/>
+          <p:cNvPr id="41" name="Group 40"/>
           <p:cNvGrpSpPr/>
           <p:nvPr/>
         </p:nvGrpSpPr>
         <p:grpSpPr>
           <a:xfrm>
-            <a:off x="486713" y="1087200"/>
-            <a:ext cx="10036800" cy="5475600"/>
-            <a:chOff x="486713" y="216201"/>
-            <a:chExt cx="10661327" cy="6347361"/>
+            <a:off x="2713398" y="2687169"/>
+            <a:ext cx="784966" cy="805719"/>
+            <a:chOff x="2851951" y="2070898"/>
+            <a:chExt cx="833810" cy="933996"/>
           </a:xfrm>
         </p:grpSpPr>
         <p:sp>
           <p:nvSpPr>
-            <p:cNvPr id="4" name="Snip and Round Single Corner Rectangle 3"/>
+            <p:cNvPr id="40" name="Rounded Rectangle 39"/>
             <p:cNvSpPr/>
             <p:nvPr/>
           </p:nvSpPr>
           <p:spPr>
             <a:xfrm>
-              <a:off x="486713" y="216201"/>
-              <a:ext cx="10652166" cy="6347361"/>
-            </a:xfrm>
-            <a:prstGeom prst="snipRoundRect">
-              <a:avLst>
-                <a:gd name="adj1" fmla="val 3320"/>
-                <a:gd name="adj2" fmla="val 5862"/>
-              </a:avLst>
-            </a:prstGeom>
-            <a:solidFill>
-              <a:schemeClr val="accent2">
-                <a:lumMod val="40000"/>
-                <a:lumOff val="60000"/>
-              </a:schemeClr>
-            </a:solidFill>
-            <a:ln>
-              <a:solidFill>
-                <a:schemeClr val="bg2"/>
-              </a:solidFill>
-            </a:ln>
-          </p:spPr>
-          <p:style>
-            <a:lnRef idx="2">
-              <a:schemeClr val="accent1">
-                <a:shade val="50000"/>
-              </a:schemeClr>
-            </a:lnRef>
-            <a:fillRef idx="1">
-              <a:schemeClr val="accent1"/>
-            </a:fillRef>
-            <a:effectRef idx="0">
-              <a:schemeClr val="accent1"/>
-            </a:effectRef>
-            <a:fontRef idx="minor">
-              <a:schemeClr val="lt1"/>
-            </a:fontRef>
-          </p:style>
-          <p:txBody>
-            <a:bodyPr rtlCol="0" anchor="ctr"/>
-            <a:lstStyle/>
-            <a:p>
-              <a:pPr algn="ctr"/>
-              <a:endParaRPr lang="en-US"/>
-            </a:p>
-          </p:txBody>
-        </p:sp>
-        <p:sp>
-          <p:nvSpPr>
-            <p:cNvPr id="44" name="Rounded Rectangle 43"/>
-            <p:cNvSpPr/>
-            <p:nvPr/>
-          </p:nvSpPr>
-          <p:spPr>
-            <a:xfrm>
-              <a:off x="8048663" y="216201"/>
-              <a:ext cx="3099377" cy="6347361"/>
+              <a:off x="2851951" y="2070898"/>
+              <a:ext cx="833810" cy="933996"/>
             </a:xfrm>
             <a:prstGeom prst="roundRect">
-              <a:avLst>
-                <a:gd name="adj" fmla="val 0"/>
-              </a:avLst>
+              <a:avLst/>
             </a:prstGeom>
-            <a:solidFill>
-              <a:schemeClr val="accent2">
-                <a:lumMod val="20000"/>
-                <a:lumOff val="80000"/>
-              </a:schemeClr>
-            </a:solidFill>
-            <a:ln w="12700">
-              <a:solidFill>
-                <a:schemeClr val="bg2"/>
-              </a:solidFill>
-            </a:ln>
-          </p:spPr>
-          <p:style>
-            <a:lnRef idx="2">
-              <a:schemeClr val="accent1">
-                <a:shade val="50000"/>
-              </a:schemeClr>
-            </a:lnRef>
-            <a:fillRef idx="1">
-              <a:schemeClr val="accent1"/>
-            </a:fillRef>
-            <a:effectRef idx="0">
-              <a:schemeClr val="accent1"/>
-            </a:effectRef>
-            <a:fontRef idx="minor">
-              <a:schemeClr val="lt1"/>
-            </a:fontRef>
-          </p:style>
-          <p:txBody>
-            <a:bodyPr rtlCol="0" anchor="ctr"/>
-            <a:lstStyle/>
-            <a:p>
-              <a:pPr algn="ctr"/>
-              <a:endParaRPr lang="en-US"/>
-            </a:p>
-          </p:txBody>
-        </p:sp>
-        <p:sp>
-          <p:nvSpPr>
-            <p:cNvPr id="43" name="Rounded Rectangle 42"/>
-            <p:cNvSpPr/>
-            <p:nvPr/>
-          </p:nvSpPr>
-          <p:spPr>
-            <a:xfrm>
-              <a:off x="513607" y="216201"/>
-              <a:ext cx="3628087" cy="6347361"/>
-            </a:xfrm>
-            <a:prstGeom prst="roundRect">
-              <a:avLst>
-                <a:gd name="adj" fmla="val 0"/>
-              </a:avLst>
-            </a:prstGeom>
-            <a:solidFill>
-              <a:schemeClr val="accent2">
-                <a:lumMod val="60000"/>
-                <a:lumOff val="40000"/>
-              </a:schemeClr>
-            </a:solidFill>
-            <a:ln w="28575">
-              <a:solidFill>
-                <a:schemeClr val="bg2">
-                  <a:lumMod val="90000"/>
-                </a:schemeClr>
-              </a:solidFill>
+            <a:ln>
+              <a:noFill/>
             </a:ln>
           </p:spPr>
           <p:style>
@@ -7770,14 +6223,14 @@
         </p:sp>
         <p:pic>
           <p:nvPicPr>
-            <p:cNvPr id="16" name="Picture 15"/>
+            <p:cNvPr id="20" name="Picture 19"/>
             <p:cNvPicPr>
               <a:picLocks noChangeAspect="1"/>
             </p:cNvPicPr>
             <p:nvPr/>
           </p:nvPicPr>
           <p:blipFill>
-            <a:blip r:embed="rId8">
+            <a:blip r:embed="rId13">
               <a:extLst>
                 <a:ext uri="{28A0092B-C50C-407E-A947-70E740481C1C}">
                   <a14:useLocalDpi xmlns:a14="http://schemas.microsoft.com/office/drawing/2010/main" val="0"/>
@@ -7790,17 +6243,527 @@
           </p:blipFill>
           <p:spPr>
             <a:xfrm>
-              <a:off x="5764733" y="1180700"/>
-              <a:ext cx="915512" cy="915512"/>
+              <a:off x="2851951" y="2111999"/>
+              <a:ext cx="833810" cy="833810"/>
             </a:xfrm>
             <a:prstGeom prst="rect">
               <a:avLst/>
             </a:prstGeom>
+            <a:ln>
+              <a:noFill/>
+            </a:ln>
           </p:spPr>
         </p:pic>
+      </p:grpSp>
+      <p:cxnSp>
+        <p:nvCxnSpPr>
+          <p:cNvPr id="49" name="Elbow Connector 48"/>
+          <p:cNvCxnSpPr>
+            <a:stCxn id="12" idx="3"/>
+            <a:endCxn id="20" idx="1"/>
+          </p:cNvCxnSpPr>
+          <p:nvPr/>
+        </p:nvCxnSpPr>
+        <p:spPr>
+          <a:xfrm flipV="1">
+            <a:off x="1699545" y="3082271"/>
+            <a:ext cx="1013853" cy="2466239"/>
+          </a:xfrm>
+          <a:prstGeom prst="bentConnector3">
+            <a:avLst/>
+          </a:prstGeom>
+          <a:ln w="53975">
+            <a:solidFill>
+              <a:schemeClr val="bg1">
+                <a:lumMod val="95000"/>
+              </a:schemeClr>
+            </a:solidFill>
+            <a:prstDash val="dash"/>
+            <a:tailEnd type="triangle"/>
+          </a:ln>
+        </p:spPr>
+        <p:style>
+          <a:lnRef idx="1">
+            <a:schemeClr val="accent1"/>
+          </a:lnRef>
+          <a:fillRef idx="0">
+            <a:schemeClr val="accent1"/>
+          </a:fillRef>
+          <a:effectRef idx="0">
+            <a:schemeClr val="accent1"/>
+          </a:effectRef>
+          <a:fontRef idx="minor">
+            <a:schemeClr val="tx1"/>
+          </a:fontRef>
+        </p:style>
+      </p:cxnSp>
+      <p:cxnSp>
+        <p:nvCxnSpPr>
+          <p:cNvPr id="52" name="Elbow Connector 51"/>
+          <p:cNvCxnSpPr/>
+          <p:nvPr/>
+        </p:nvCxnSpPr>
+        <p:spPr>
+          <a:xfrm flipV="1">
+            <a:off x="1699545" y="3082271"/>
+            <a:ext cx="1011225" cy="850212"/>
+          </a:xfrm>
+          <a:prstGeom prst="bentConnector3">
+            <a:avLst>
+              <a:gd name="adj1" fmla="val 33855"/>
+            </a:avLst>
+          </a:prstGeom>
+          <a:ln w="53975">
+            <a:solidFill>
+              <a:schemeClr val="bg1">
+                <a:lumMod val="95000"/>
+              </a:schemeClr>
+            </a:solidFill>
+            <a:prstDash val="dash"/>
+            <a:tailEnd type="triangle"/>
+          </a:ln>
+        </p:spPr>
+        <p:style>
+          <a:lnRef idx="1">
+            <a:schemeClr val="accent1"/>
+          </a:lnRef>
+          <a:fillRef idx="0">
+            <a:schemeClr val="accent1"/>
+          </a:fillRef>
+          <a:effectRef idx="0">
+            <a:schemeClr val="accent1"/>
+          </a:effectRef>
+          <a:fontRef idx="minor">
+            <a:schemeClr val="tx1"/>
+          </a:fontRef>
+        </p:style>
+      </p:cxnSp>
+      <p:cxnSp>
+        <p:nvCxnSpPr>
+          <p:cNvPr id="54" name="Elbow Connector 53"/>
+          <p:cNvCxnSpPr>
+            <a:stCxn id="6" idx="3"/>
+          </p:cNvCxnSpPr>
+          <p:nvPr/>
+        </p:nvCxnSpPr>
+        <p:spPr>
+          <a:xfrm>
+            <a:off x="1699545" y="2411084"/>
+            <a:ext cx="1011225" cy="671187"/>
+          </a:xfrm>
+          <a:prstGeom prst="bentConnector3">
+            <a:avLst/>
+          </a:prstGeom>
+          <a:ln w="53975">
+            <a:solidFill>
+              <a:schemeClr val="bg1">
+                <a:lumMod val="95000"/>
+              </a:schemeClr>
+            </a:solidFill>
+            <a:prstDash val="dash"/>
+            <a:tailEnd type="triangle"/>
+          </a:ln>
+        </p:spPr>
+        <p:style>
+          <a:lnRef idx="1">
+            <a:schemeClr val="accent1"/>
+          </a:lnRef>
+          <a:fillRef idx="0">
+            <a:schemeClr val="accent1"/>
+          </a:fillRef>
+          <a:effectRef idx="0">
+            <a:schemeClr val="accent1"/>
+          </a:effectRef>
+          <a:fontRef idx="minor">
+            <a:schemeClr val="tx1"/>
+          </a:fontRef>
+        </p:style>
+      </p:cxnSp>
+      <p:cxnSp>
+        <p:nvCxnSpPr>
+          <p:cNvPr id="71" name="Elbow Connector 70"/>
+          <p:cNvCxnSpPr>
+            <a:stCxn id="39" idx="3"/>
+            <a:endCxn id="23" idx="1"/>
+          </p:cNvCxnSpPr>
+          <p:nvPr/>
+        </p:nvCxnSpPr>
+        <p:spPr>
+          <a:xfrm flipV="1">
+            <a:off x="7302230" y="1804441"/>
+            <a:ext cx="1297414" cy="6258"/>
+          </a:xfrm>
+          <a:prstGeom prst="bentConnector3">
+            <a:avLst/>
+          </a:prstGeom>
+          <a:ln w="50800" cmpd="tri">
+            <a:solidFill>
+              <a:schemeClr val="accent1"/>
+            </a:solidFill>
+            <a:prstDash val="solid"/>
+            <a:headEnd type="triangle"/>
+            <a:tailEnd type="triangle"/>
+          </a:ln>
+        </p:spPr>
+        <p:style>
+          <a:lnRef idx="1">
+            <a:schemeClr val="accent1"/>
+          </a:lnRef>
+          <a:fillRef idx="0">
+            <a:schemeClr val="accent1"/>
+          </a:fillRef>
+          <a:effectRef idx="0">
+            <a:schemeClr val="accent1"/>
+          </a:effectRef>
+          <a:fontRef idx="minor">
+            <a:schemeClr val="tx1"/>
+          </a:fontRef>
+        </p:style>
+      </p:cxnSp>
+      <p:cxnSp>
+        <p:nvCxnSpPr>
+          <p:cNvPr id="79" name="Straight Arrow Connector 78"/>
+          <p:cNvCxnSpPr/>
+          <p:nvPr/>
+        </p:nvCxnSpPr>
+        <p:spPr>
+          <a:xfrm flipV="1">
+            <a:off x="6317436" y="1889902"/>
+            <a:ext cx="470370" cy="396480"/>
+          </a:xfrm>
+          <a:prstGeom prst="straightConnector1">
+            <a:avLst/>
+          </a:prstGeom>
+          <a:ln w="31750">
+            <a:headEnd type="triangle"/>
+            <a:tailEnd type="triangle"/>
+          </a:ln>
+        </p:spPr>
+        <p:style>
+          <a:lnRef idx="1">
+            <a:schemeClr val="accent1"/>
+          </a:lnRef>
+          <a:fillRef idx="0">
+            <a:schemeClr val="accent1"/>
+          </a:fillRef>
+          <a:effectRef idx="0">
+            <a:schemeClr val="accent1"/>
+          </a:effectRef>
+          <a:fontRef idx="minor">
+            <a:schemeClr val="tx1"/>
+          </a:fontRef>
+        </p:style>
+      </p:cxnSp>
+      <p:cxnSp>
+        <p:nvCxnSpPr>
+          <p:cNvPr id="56" name="Elbow Connector 55"/>
+          <p:cNvCxnSpPr/>
+          <p:nvPr/>
+        </p:nvCxnSpPr>
+        <p:spPr>
+          <a:xfrm rot="16200000" flipV="1">
+            <a:off x="2759736" y="2376478"/>
+            <a:ext cx="678109" cy="14183"/>
+          </a:xfrm>
+          <a:prstGeom prst="bentConnector3">
+            <a:avLst/>
+          </a:prstGeom>
+          <a:ln w="53975">
+            <a:solidFill>
+              <a:schemeClr val="bg2"/>
+            </a:solidFill>
+            <a:prstDash val="dash"/>
+            <a:tailEnd type="triangle"/>
+          </a:ln>
+        </p:spPr>
+        <p:style>
+          <a:lnRef idx="1">
+            <a:schemeClr val="accent1"/>
+          </a:lnRef>
+          <a:fillRef idx="0">
+            <a:schemeClr val="accent1"/>
+          </a:fillRef>
+          <a:effectRef idx="0">
+            <a:schemeClr val="accent1"/>
+          </a:effectRef>
+          <a:fontRef idx="minor">
+            <a:schemeClr val="tx1"/>
+          </a:fontRef>
+        </p:style>
+      </p:cxnSp>
+      <p:cxnSp>
+        <p:nvCxnSpPr>
+          <p:cNvPr id="59" name="Elbow Connector 58"/>
+          <p:cNvCxnSpPr>
+            <a:endCxn id="22" idx="0"/>
+          </p:cNvCxnSpPr>
+          <p:nvPr/>
+        </p:nvCxnSpPr>
+        <p:spPr>
+          <a:xfrm rot="5400000">
+            <a:off x="2875434" y="3735994"/>
+            <a:ext cx="493998" cy="7784"/>
+          </a:xfrm>
+          <a:prstGeom prst="bentConnector3">
+            <a:avLst/>
+          </a:prstGeom>
+          <a:ln w="53975">
+            <a:solidFill>
+              <a:schemeClr val="bg2"/>
+            </a:solidFill>
+            <a:prstDash val="dash"/>
+            <a:tailEnd type="triangle"/>
+          </a:ln>
+        </p:spPr>
+        <p:style>
+          <a:lnRef idx="1">
+            <a:schemeClr val="accent1"/>
+          </a:lnRef>
+          <a:fillRef idx="0">
+            <a:schemeClr val="accent1"/>
+          </a:fillRef>
+          <a:effectRef idx="0">
+            <a:schemeClr val="accent1"/>
+          </a:effectRef>
+          <a:fontRef idx="minor">
+            <a:schemeClr val="tx1"/>
+          </a:fontRef>
+        </p:style>
+      </p:cxnSp>
+      <p:sp>
+        <p:nvSpPr>
+          <p:cNvPr id="53" name="TextBox 52"/>
+          <p:cNvSpPr txBox="1"/>
+          <p:nvPr/>
+        </p:nvSpPr>
+        <p:spPr>
+          <a:xfrm>
+            <a:off x="512033" y="252248"/>
+            <a:ext cx="8726560" cy="707886"/>
+          </a:xfrm>
+          <a:prstGeom prst="rect">
+            <a:avLst/>
+          </a:prstGeom>
+          <a:noFill/>
+        </p:spPr>
+        <p:txBody>
+          <a:bodyPr wrap="square" rtlCol="0">
+            <a:spAutoFit/>
+          </a:bodyPr>
+          <a:lstStyle/>
+          <a:p>
+            <a:r>
+              <a:rPr lang="en-US" sz="4000"/>
+              <a:t>Our Model</a:t>
+            </a:r>
+          </a:p>
+        </p:txBody>
+      </p:sp>
+      <p:sp>
+        <p:nvSpPr>
+          <p:cNvPr id="69" name="Rounded Rectangle 43">
+            <a:extLst>
+              <a:ext uri="{FF2B5EF4-FFF2-40B4-BE49-F238E27FC236}">
+                <a16:creationId xmlns:a16="http://schemas.microsoft.com/office/drawing/2014/main" id="{238E1532-F279-454E-806B-27C9A5C38293}"/>
+              </a:ext>
+            </a:extLst>
+          </p:cNvPr>
+          <p:cNvSpPr/>
+          <p:nvPr/>
+        </p:nvSpPr>
+        <p:spPr>
+          <a:xfrm>
+            <a:off x="7601310" y="1284790"/>
+            <a:ext cx="2642512" cy="4682994"/>
+          </a:xfrm>
+          <a:prstGeom prst="roundRect">
+            <a:avLst>
+              <a:gd name="adj" fmla="val 0"/>
+            </a:avLst>
+          </a:prstGeom>
+          <a:solidFill>
+            <a:schemeClr val="accent2">
+              <a:lumMod val="20000"/>
+              <a:lumOff val="80000"/>
+              <a:alpha val="71000"/>
+            </a:schemeClr>
+          </a:solidFill>
+          <a:ln w="12700">
+            <a:noFill/>
+          </a:ln>
+        </p:spPr>
+        <p:style>
+          <a:lnRef idx="2">
+            <a:schemeClr val="accent1">
+              <a:shade val="50000"/>
+            </a:schemeClr>
+          </a:lnRef>
+          <a:fillRef idx="1">
+            <a:schemeClr val="accent1"/>
+          </a:fillRef>
+          <a:effectRef idx="0">
+            <a:schemeClr val="accent1"/>
+          </a:effectRef>
+          <a:fontRef idx="minor">
+            <a:schemeClr val="lt1"/>
+          </a:fontRef>
+        </p:style>
+        <p:txBody>
+          <a:bodyPr rtlCol="0" anchor="ctr"/>
+          <a:lstStyle/>
+          <a:p>
+            <a:pPr algn="ctr"/>
+            <a:endParaRPr lang="en-US"/>
+          </a:p>
+        </p:txBody>
+      </p:sp>
+      <p:sp>
+        <p:nvSpPr>
+          <p:cNvPr id="68" name="Snip and Round Single Corner Rectangle 3">
+            <a:extLst>
+              <a:ext uri="{FF2B5EF4-FFF2-40B4-BE49-F238E27FC236}">
+                <a16:creationId xmlns:a16="http://schemas.microsoft.com/office/drawing/2014/main" id="{637F68FE-4B58-D74D-B76B-63DD98350840}"/>
+              </a:ext>
+            </a:extLst>
+          </p:cNvPr>
+          <p:cNvSpPr/>
+          <p:nvPr/>
+        </p:nvSpPr>
+        <p:spPr>
+          <a:xfrm>
+            <a:off x="4847944" y="1087200"/>
+            <a:ext cx="2753803" cy="5475600"/>
+          </a:xfrm>
+          <a:prstGeom prst="snipRoundRect">
+            <a:avLst>
+              <a:gd name="adj1" fmla="val 0"/>
+              <a:gd name="adj2" fmla="val 0"/>
+            </a:avLst>
+          </a:prstGeom>
+          <a:solidFill>
+            <a:schemeClr val="accent2">
+              <a:lumMod val="40000"/>
+              <a:lumOff val="60000"/>
+              <a:alpha val="84000"/>
+            </a:schemeClr>
+          </a:solidFill>
+          <a:ln>
+            <a:noFill/>
+          </a:ln>
+        </p:spPr>
+        <p:style>
+          <a:lnRef idx="2">
+            <a:schemeClr val="accent1">
+              <a:shade val="50000"/>
+            </a:schemeClr>
+          </a:lnRef>
+          <a:fillRef idx="1">
+            <a:schemeClr val="accent1"/>
+          </a:fillRef>
+          <a:effectRef idx="0">
+            <a:schemeClr val="accent1"/>
+          </a:effectRef>
+          <a:fontRef idx="minor">
+            <a:schemeClr val="lt1"/>
+          </a:fontRef>
+        </p:style>
+        <p:txBody>
+          <a:bodyPr rtlCol="0" anchor="ctr"/>
+          <a:lstStyle/>
+          <a:p>
+            <a:pPr algn="ctr"/>
+            <a:endParaRPr lang="en-US"/>
+          </a:p>
+        </p:txBody>
+      </p:sp>
+      <p:cxnSp>
+        <p:nvCxnSpPr>
+          <p:cNvPr id="65" name="Elbow Connector 64"/>
+          <p:cNvCxnSpPr>
+            <a:stCxn id="20" idx="3"/>
+            <a:endCxn id="15" idx="1"/>
+          </p:cNvCxnSpPr>
+          <p:nvPr/>
+        </p:nvCxnSpPr>
+        <p:spPr>
+          <a:xfrm flipV="1">
+            <a:off x="3498365" y="2236634"/>
+            <a:ext cx="933926" cy="845637"/>
+          </a:xfrm>
+          <a:prstGeom prst="bentConnector3">
+            <a:avLst/>
+          </a:prstGeom>
+          <a:ln w="50800" cmpd="tri">
+            <a:solidFill>
+              <a:schemeClr val="accent1"/>
+            </a:solidFill>
+            <a:prstDash val="solid"/>
+            <a:headEnd type="triangle"/>
+            <a:tailEnd type="triangle"/>
+          </a:ln>
+        </p:spPr>
+        <p:style>
+          <a:lnRef idx="1">
+            <a:schemeClr val="accent1"/>
+          </a:lnRef>
+          <a:fillRef idx="0">
+            <a:schemeClr val="accent1"/>
+          </a:fillRef>
+          <a:effectRef idx="0">
+            <a:schemeClr val="accent1"/>
+          </a:effectRef>
+          <a:fontRef idx="minor">
+            <a:schemeClr val="tx1"/>
+          </a:fontRef>
+        </p:style>
+      </p:cxnSp>
+      <p:pic>
+        <p:nvPicPr>
+          <p:cNvPr id="16" name="Picture 15"/>
+          <p:cNvPicPr>
+            <a:picLocks noChangeAspect="1"/>
+          </p:cNvPicPr>
+          <p:nvPr/>
+        </p:nvPicPr>
+        <p:blipFill>
+          <a:blip r:embed="rId14">
+            <a:extLst>
+              <a:ext uri="{28A0092B-C50C-407E-A947-70E740481C1C}">
+                <a14:useLocalDpi xmlns:a14="http://schemas.microsoft.com/office/drawing/2010/main" val="0"/>
+              </a:ext>
+            </a:extLst>
+          </a:blip>
+          <a:stretch>
+            <a:fillRect/>
+          </a:stretch>
+        </p:blipFill>
+        <p:spPr>
+          <a:xfrm>
+            <a:off x="5455553" y="1919233"/>
+            <a:ext cx="861882" cy="789773"/>
+          </a:xfrm>
+          <a:prstGeom prst="rect">
+            <a:avLst/>
+          </a:prstGeom>
+        </p:spPr>
+      </p:pic>
+      <p:grpSp>
+        <p:nvGrpSpPr>
+          <p:cNvPr id="28" name="Group 27"/>
+          <p:cNvGrpSpPr/>
+          <p:nvPr/>
+        </p:nvGrpSpPr>
+        <p:grpSpPr>
+          <a:xfrm>
+            <a:off x="4432291" y="2003716"/>
+            <a:ext cx="646667" cy="597190"/>
+            <a:chOff x="4627756" y="1549054"/>
+            <a:chExt cx="686905" cy="692268"/>
+          </a:xfrm>
+        </p:grpSpPr>
         <p:pic>
           <p:nvPicPr>
-            <p:cNvPr id="19" name="Picture 18"/>
+            <p:cNvPr id="15" name="Picture 14"/>
             <p:cNvPicPr>
               <a:picLocks noChangeAspect="1"/>
             </p:cNvPicPr>
@@ -7820,7 +6783,7 @@
           </p:blipFill>
           <p:spPr>
             <a:xfrm>
-              <a:off x="9063997" y="5059944"/>
+              <a:off x="4627756" y="1549054"/>
               <a:ext cx="540000" cy="540000"/>
             </a:xfrm>
             <a:prstGeom prst="rect">
@@ -7830,14 +6793,14 @@
         </p:pic>
         <p:pic>
           <p:nvPicPr>
-            <p:cNvPr id="23" name="Picture 22"/>
+            <p:cNvPr id="27" name="Picture 26"/>
             <p:cNvPicPr>
               <a:picLocks noChangeAspect="1"/>
             </p:cNvPicPr>
             <p:nvPr/>
           </p:nvPicPr>
           <p:blipFill>
-            <a:blip r:embed="rId10">
+            <a:blip r:embed="rId9">
               <a:extLst>
                 <a:ext uri="{28A0092B-C50C-407E-A947-70E740481C1C}">
                   <a14:useLocalDpi xmlns:a14="http://schemas.microsoft.com/office/drawing/2010/main" val="0"/>
@@ -7850,7 +6813,7 @@
           </p:blipFill>
           <p:spPr>
             <a:xfrm>
-              <a:off x="9104461" y="777633"/>
+              <a:off x="4774661" y="1701322"/>
               <a:ext cx="540000" cy="540000"/>
             </a:xfrm>
             <a:prstGeom prst="rect">
@@ -7858,448 +6821,78 @@
             </a:prstGeom>
           </p:spPr>
         </p:pic>
-        <p:grpSp>
-          <p:nvGrpSpPr>
-            <p:cNvPr id="28" name="Group 27"/>
-            <p:cNvGrpSpPr/>
-            <p:nvPr/>
-          </p:nvGrpSpPr>
-          <p:grpSpPr>
-            <a:xfrm>
-              <a:off x="4677799" y="1278634"/>
-              <a:ext cx="686905" cy="692268"/>
-              <a:chOff x="4627756" y="1549054"/>
-              <a:chExt cx="686905" cy="692268"/>
-            </a:xfrm>
-          </p:grpSpPr>
-          <p:pic>
-            <p:nvPicPr>
-              <p:cNvPr id="15" name="Picture 14"/>
-              <p:cNvPicPr>
-                <a:picLocks noChangeAspect="1"/>
-              </p:cNvPicPr>
-              <p:nvPr/>
-            </p:nvPicPr>
-            <p:blipFill>
-              <a:blip r:embed="rId11">
-                <a:extLst>
-                  <a:ext uri="{28A0092B-C50C-407E-A947-70E740481C1C}">
-                    <a14:useLocalDpi xmlns:a14="http://schemas.microsoft.com/office/drawing/2010/main" val="0"/>
-                  </a:ext>
-                </a:extLst>
-              </a:blip>
-              <a:stretch>
-                <a:fillRect/>
-              </a:stretch>
-            </p:blipFill>
-            <p:spPr>
-              <a:xfrm>
-                <a:off x="4627756" y="1549054"/>
-                <a:ext cx="540000" cy="540000"/>
-              </a:xfrm>
-              <a:prstGeom prst="rect">
-                <a:avLst/>
-              </a:prstGeom>
-            </p:spPr>
-          </p:pic>
-          <p:pic>
-            <p:nvPicPr>
-              <p:cNvPr id="27" name="Picture 26"/>
-              <p:cNvPicPr>
-                <a:picLocks noChangeAspect="1"/>
-              </p:cNvPicPr>
-              <p:nvPr/>
-            </p:nvPicPr>
-            <p:blipFill>
-              <a:blip r:embed="rId11">
-                <a:extLst>
-                  <a:ext uri="{28A0092B-C50C-407E-A947-70E740481C1C}">
-                    <a14:useLocalDpi xmlns:a14="http://schemas.microsoft.com/office/drawing/2010/main" val="0"/>
-                  </a:ext>
-                </a:extLst>
-              </a:blip>
-              <a:stretch>
-                <a:fillRect/>
-              </a:stretch>
-            </p:blipFill>
-            <p:spPr>
-              <a:xfrm>
-                <a:off x="4774661" y="1701322"/>
-                <a:ext cx="540000" cy="540000"/>
-              </a:xfrm>
-              <a:prstGeom prst="rect">
-                <a:avLst/>
-              </a:prstGeom>
-            </p:spPr>
-          </p:pic>
-        </p:grpSp>
-        <p:grpSp>
-          <p:nvGrpSpPr>
-            <p:cNvPr id="37" name="Group 36"/>
-            <p:cNvGrpSpPr/>
-            <p:nvPr/>
-          </p:nvGrpSpPr>
-          <p:grpSpPr>
-            <a:xfrm>
-              <a:off x="7182639" y="725579"/>
-              <a:ext cx="543678" cy="539868"/>
-              <a:chOff x="4627756" y="1549054"/>
-              <a:chExt cx="686905" cy="692268"/>
-            </a:xfrm>
-          </p:grpSpPr>
-          <p:pic>
-            <p:nvPicPr>
-              <p:cNvPr id="38" name="Picture 37"/>
-              <p:cNvPicPr>
-                <a:picLocks noChangeAspect="1"/>
-              </p:cNvPicPr>
-              <p:nvPr/>
-            </p:nvPicPr>
-            <p:blipFill>
-              <a:blip r:embed="rId11">
-                <a:extLst>
-                  <a:ext uri="{28A0092B-C50C-407E-A947-70E740481C1C}">
-                    <a14:useLocalDpi xmlns:a14="http://schemas.microsoft.com/office/drawing/2010/main" val="0"/>
-                  </a:ext>
-                </a:extLst>
-              </a:blip>
-              <a:stretch>
-                <a:fillRect/>
-              </a:stretch>
-            </p:blipFill>
-            <p:spPr>
-              <a:xfrm>
-                <a:off x="4627756" y="1549054"/>
-                <a:ext cx="540000" cy="540000"/>
-              </a:xfrm>
-              <a:prstGeom prst="rect">
-                <a:avLst/>
-              </a:prstGeom>
-            </p:spPr>
-          </p:pic>
-          <p:pic>
-            <p:nvPicPr>
-              <p:cNvPr id="39" name="Picture 38"/>
-              <p:cNvPicPr>
-                <a:picLocks noChangeAspect="1"/>
-              </p:cNvPicPr>
-              <p:nvPr/>
-            </p:nvPicPr>
-            <p:blipFill>
-              <a:blip r:embed="rId11">
-                <a:extLst>
-                  <a:ext uri="{28A0092B-C50C-407E-A947-70E740481C1C}">
-                    <a14:useLocalDpi xmlns:a14="http://schemas.microsoft.com/office/drawing/2010/main" val="0"/>
-                  </a:ext>
-                </a:extLst>
-              </a:blip>
-              <a:stretch>
-                <a:fillRect/>
-              </a:stretch>
-            </p:blipFill>
-            <p:spPr>
-              <a:xfrm>
-                <a:off x="4774661" y="1701322"/>
-                <a:ext cx="540000" cy="540000"/>
-              </a:xfrm>
-              <a:prstGeom prst="rect">
-                <a:avLst/>
-              </a:prstGeom>
-            </p:spPr>
-          </p:pic>
-        </p:grpSp>
-        <p:grpSp>
-          <p:nvGrpSpPr>
-            <p:cNvPr id="7" name="Group 6"/>
-            <p:cNvGrpSpPr/>
-            <p:nvPr/>
-          </p:nvGrpSpPr>
-          <p:grpSpPr>
-            <a:xfrm>
-              <a:off x="941294" y="1293658"/>
-              <a:ext cx="833718" cy="914400"/>
-              <a:chOff x="941294" y="1721224"/>
-              <a:chExt cx="833718" cy="914400"/>
-            </a:xfrm>
-          </p:grpSpPr>
-          <p:sp>
-            <p:nvSpPr>
-              <p:cNvPr id="6" name="Rounded Rectangle 5"/>
-              <p:cNvSpPr/>
-              <p:nvPr/>
-            </p:nvSpPr>
-            <p:spPr>
-              <a:xfrm>
-                <a:off x="941294" y="1721224"/>
-                <a:ext cx="833718" cy="914400"/>
-              </a:xfrm>
-              <a:prstGeom prst="roundRect">
-                <a:avLst/>
-              </a:prstGeom>
-              <a:solidFill>
-                <a:schemeClr val="bg1"/>
-              </a:solidFill>
-              <a:ln>
-                <a:noFill/>
-              </a:ln>
-            </p:spPr>
-            <p:style>
-              <a:lnRef idx="2">
-                <a:schemeClr val="accent1">
-                  <a:shade val="50000"/>
-                </a:schemeClr>
-              </a:lnRef>
-              <a:fillRef idx="1">
-                <a:schemeClr val="accent1"/>
-              </a:fillRef>
-              <a:effectRef idx="0">
-                <a:schemeClr val="accent1"/>
-              </a:effectRef>
-              <a:fontRef idx="minor">
-                <a:schemeClr val="lt1"/>
-              </a:fontRef>
-            </p:style>
-            <p:txBody>
-              <a:bodyPr rtlCol="0" anchor="ctr"/>
-              <a:lstStyle/>
-              <a:p>
-                <a:pPr algn="ctr"/>
-                <a:endParaRPr lang="en-US"/>
-              </a:p>
-            </p:txBody>
-          </p:sp>
-          <p:pic>
-            <p:nvPicPr>
-              <p:cNvPr id="5" name="Picture 4"/>
-              <p:cNvPicPr>
-                <a:picLocks noChangeAspect="1"/>
-              </p:cNvPicPr>
-              <p:nvPr/>
-            </p:nvPicPr>
-            <p:blipFill>
-              <a:blip r:embed="rId12">
-                <a:extLst>
-                  <a:ext uri="{28A0092B-C50C-407E-A947-70E740481C1C}">
-                    <a14:useLocalDpi xmlns:a14="http://schemas.microsoft.com/office/drawing/2010/main" val="0"/>
-                  </a:ext>
-                </a:extLst>
-              </a:blip>
-              <a:stretch>
-                <a:fillRect/>
-              </a:stretch>
-            </p:blipFill>
-            <p:spPr>
-              <a:xfrm>
-                <a:off x="1005541" y="1848224"/>
-                <a:ext cx="650240" cy="650240"/>
-              </a:xfrm>
-              <a:prstGeom prst="rect">
-                <a:avLst/>
-              </a:prstGeom>
-              <a:ln>
-                <a:noFill/>
-              </a:ln>
-            </p:spPr>
-          </p:pic>
-        </p:grpSp>
-        <p:grpSp>
-          <p:nvGrpSpPr>
-            <p:cNvPr id="8" name="Group 7"/>
-            <p:cNvGrpSpPr/>
-            <p:nvPr/>
-          </p:nvGrpSpPr>
-          <p:grpSpPr>
-            <a:xfrm>
-              <a:off x="941294" y="3112123"/>
-              <a:ext cx="833718" cy="914400"/>
-              <a:chOff x="941294" y="1721224"/>
-              <a:chExt cx="833718" cy="914400"/>
-            </a:xfrm>
-          </p:grpSpPr>
-          <p:sp>
-            <p:nvSpPr>
-              <p:cNvPr id="9" name="Rounded Rectangle 8"/>
-              <p:cNvSpPr/>
-              <p:nvPr/>
-            </p:nvSpPr>
-            <p:spPr>
-              <a:xfrm>
-                <a:off x="941294" y="1721224"/>
-                <a:ext cx="833718" cy="914400"/>
-              </a:xfrm>
-              <a:prstGeom prst="roundRect">
-                <a:avLst/>
-              </a:prstGeom>
-              <a:solidFill>
-                <a:schemeClr val="bg1"/>
-              </a:solidFill>
-              <a:ln>
-                <a:noFill/>
-              </a:ln>
-            </p:spPr>
-            <p:style>
-              <a:lnRef idx="2">
-                <a:schemeClr val="accent1">
-                  <a:shade val="50000"/>
-                </a:schemeClr>
-              </a:lnRef>
-              <a:fillRef idx="1">
-                <a:schemeClr val="accent1"/>
-              </a:fillRef>
-              <a:effectRef idx="0">
-                <a:schemeClr val="accent1"/>
-              </a:effectRef>
-              <a:fontRef idx="minor">
-                <a:schemeClr val="lt1"/>
-              </a:fontRef>
-            </p:style>
-            <p:txBody>
-              <a:bodyPr rtlCol="0" anchor="ctr"/>
-              <a:lstStyle/>
-              <a:p>
-                <a:pPr algn="ctr"/>
-                <a:endParaRPr lang="en-US"/>
-              </a:p>
-            </p:txBody>
-          </p:sp>
-          <p:pic>
-            <p:nvPicPr>
-              <p:cNvPr id="10" name="Picture 9"/>
-              <p:cNvPicPr>
-                <a:picLocks noChangeAspect="1"/>
-              </p:cNvPicPr>
-              <p:nvPr/>
-            </p:nvPicPr>
-            <p:blipFill>
-              <a:blip r:embed="rId12">
-                <a:extLst>
-                  <a:ext uri="{28A0092B-C50C-407E-A947-70E740481C1C}">
-                    <a14:useLocalDpi xmlns:a14="http://schemas.microsoft.com/office/drawing/2010/main" val="0"/>
-                  </a:ext>
-                </a:extLst>
-              </a:blip>
-              <a:stretch>
-                <a:fillRect/>
-              </a:stretch>
-            </p:blipFill>
-            <p:spPr>
-              <a:xfrm>
-                <a:off x="1005541" y="1848224"/>
-                <a:ext cx="650240" cy="650240"/>
-              </a:xfrm>
-              <a:prstGeom prst="rect">
-                <a:avLst/>
-              </a:prstGeom>
-              <a:ln>
-                <a:noFill/>
-              </a:ln>
-            </p:spPr>
-          </p:pic>
-        </p:grpSp>
-        <p:grpSp>
-          <p:nvGrpSpPr>
-            <p:cNvPr id="11" name="Group 10"/>
-            <p:cNvGrpSpPr/>
-            <p:nvPr/>
-          </p:nvGrpSpPr>
-          <p:grpSpPr>
-            <a:xfrm>
-              <a:off x="941294" y="4930589"/>
-              <a:ext cx="833718" cy="914400"/>
-              <a:chOff x="941294" y="1721224"/>
-              <a:chExt cx="833718" cy="914400"/>
-            </a:xfrm>
-          </p:grpSpPr>
-          <p:sp>
-            <p:nvSpPr>
-              <p:cNvPr id="12" name="Rounded Rectangle 11"/>
-              <p:cNvSpPr/>
-              <p:nvPr/>
-            </p:nvSpPr>
-            <p:spPr>
-              <a:xfrm>
-                <a:off x="941294" y="1721224"/>
-                <a:ext cx="833718" cy="914400"/>
-              </a:xfrm>
-              <a:prstGeom prst="roundRect">
-                <a:avLst/>
-              </a:prstGeom>
-              <a:solidFill>
-                <a:schemeClr val="bg1"/>
-              </a:solidFill>
-              <a:ln>
-                <a:noFill/>
-              </a:ln>
-            </p:spPr>
-            <p:style>
-              <a:lnRef idx="2">
-                <a:schemeClr val="accent1">
-                  <a:shade val="50000"/>
-                </a:schemeClr>
-              </a:lnRef>
-              <a:fillRef idx="1">
-                <a:schemeClr val="accent1"/>
-              </a:fillRef>
-              <a:effectRef idx="0">
-                <a:schemeClr val="accent1"/>
-              </a:effectRef>
-              <a:fontRef idx="minor">
-                <a:schemeClr val="lt1"/>
-              </a:fontRef>
-            </p:style>
-            <p:txBody>
-              <a:bodyPr rtlCol="0" anchor="ctr"/>
-              <a:lstStyle/>
-              <a:p>
-                <a:pPr algn="ctr"/>
-                <a:endParaRPr lang="en-US"/>
-              </a:p>
-            </p:txBody>
-          </p:sp>
-          <p:pic>
-            <p:nvPicPr>
-              <p:cNvPr id="13" name="Picture 12"/>
-              <p:cNvPicPr>
-                <a:picLocks noChangeAspect="1"/>
-              </p:cNvPicPr>
-              <p:nvPr/>
-            </p:nvPicPr>
-            <p:blipFill>
-              <a:blip r:embed="rId12">
-                <a:extLst>
-                  <a:ext uri="{28A0092B-C50C-407E-A947-70E740481C1C}">
-                    <a14:useLocalDpi xmlns:a14="http://schemas.microsoft.com/office/drawing/2010/main" val="0"/>
-                  </a:ext>
-                </a:extLst>
-              </a:blip>
-              <a:stretch>
-                <a:fillRect/>
-              </a:stretch>
-            </p:blipFill>
-            <p:spPr>
-              <a:xfrm>
-                <a:off x="1005541" y="1848224"/>
-                <a:ext cx="650240" cy="650240"/>
-              </a:xfrm>
-              <a:prstGeom prst="rect">
-                <a:avLst/>
-              </a:prstGeom>
-              <a:ln>
-                <a:noFill/>
-              </a:ln>
-            </p:spPr>
-          </p:pic>
-        </p:grpSp>
+      </p:grpSp>
+      <p:cxnSp>
+        <p:nvCxnSpPr>
+          <p:cNvPr id="67" name="Elbow Connector 66"/>
+          <p:cNvCxnSpPr/>
+          <p:nvPr/>
+        </p:nvCxnSpPr>
+        <p:spPr>
+          <a:xfrm>
+            <a:off x="5093800" y="2286382"/>
+            <a:ext cx="376596" cy="2296"/>
+          </a:xfrm>
+          <a:prstGeom prst="bentConnector3">
+            <a:avLst/>
+          </a:prstGeom>
+          <a:ln w="38100">
+            <a:prstDash val="lgDashDotDot"/>
+            <a:headEnd type="triangle"/>
+            <a:tailEnd type="triangle"/>
+          </a:ln>
+        </p:spPr>
+        <p:style>
+          <a:lnRef idx="1">
+            <a:schemeClr val="accent1"/>
+          </a:lnRef>
+          <a:fillRef idx="0">
+            <a:schemeClr val="accent1"/>
+          </a:fillRef>
+          <a:effectRef idx="0">
+            <a:schemeClr val="accent1"/>
+          </a:effectRef>
+          <a:fontRef idx="minor">
+            <a:schemeClr val="tx1"/>
+          </a:fontRef>
+        </p:style>
+      </p:cxnSp>
+      <p:grpSp>
+        <p:nvGrpSpPr>
+          <p:cNvPr id="60" name="Group 33">
+            <a:extLst>
+              <a:ext uri="{FF2B5EF4-FFF2-40B4-BE49-F238E27FC236}">
+                <a16:creationId xmlns:a16="http://schemas.microsoft.com/office/drawing/2014/main" id="{6476BBE5-AAFC-754B-BD26-B89EEE92F750}"/>
+              </a:ext>
+            </a:extLst>
+          </p:cNvPr>
+          <p:cNvGrpSpPr/>
+          <p:nvPr/>
+        </p:nvGrpSpPr>
+        <p:grpSpPr>
+          <a:xfrm>
+            <a:off x="6788273" y="2642367"/>
+            <a:ext cx="511868" cy="465733"/>
+            <a:chOff x="4627756" y="1549054"/>
+            <a:chExt cx="686905" cy="692268"/>
+          </a:xfrm>
+        </p:grpSpPr>
         <p:pic>
           <p:nvPicPr>
-            <p:cNvPr id="17" name="Picture 16"/>
+            <p:cNvPr id="61" name="Picture 34">
+              <a:extLst>
+                <a:ext uri="{FF2B5EF4-FFF2-40B4-BE49-F238E27FC236}">
+                  <a16:creationId xmlns:a16="http://schemas.microsoft.com/office/drawing/2014/main" id="{294BD75E-A61E-024D-8955-8D536B036403}"/>
+                </a:ext>
+              </a:extLst>
+            </p:cNvPr>
             <p:cNvPicPr>
               <a:picLocks noChangeAspect="1"/>
             </p:cNvPicPr>
             <p:nvPr/>
           </p:nvPicPr>
           <p:blipFill>
-            <a:blip r:embed="rId13">
+            <a:blip r:embed="rId9">
               <a:extLst>
                 <a:ext uri="{28A0092B-C50C-407E-A947-70E740481C1C}">
                   <a14:useLocalDpi xmlns:a14="http://schemas.microsoft.com/office/drawing/2010/main" val="0"/>
@@ -8312,7 +6905,7 @@
           </p:blipFill>
           <p:spPr>
             <a:xfrm>
-              <a:off x="3009984" y="788336"/>
+              <a:off x="4627756" y="1549054"/>
               <a:ext cx="540000" cy="540000"/>
             </a:xfrm>
             <a:prstGeom prst="rect">
@@ -8322,14 +6915,20 @@
         </p:pic>
         <p:pic>
           <p:nvPicPr>
-            <p:cNvPr id="22" name="Picture 21"/>
+            <p:cNvPr id="62" name="Picture 35">
+              <a:extLst>
+                <a:ext uri="{FF2B5EF4-FFF2-40B4-BE49-F238E27FC236}">
+                  <a16:creationId xmlns:a16="http://schemas.microsoft.com/office/drawing/2014/main" id="{7101FF9E-5CE9-FC44-AEA3-E45AFE1ACD22}"/>
+                </a:ext>
+              </a:extLst>
+            </p:cNvPr>
             <p:cNvPicPr>
               <a:picLocks noChangeAspect="1"/>
             </p:cNvPicPr>
             <p:nvPr/>
           </p:nvPicPr>
           <p:blipFill>
-            <a:blip r:embed="rId14">
+            <a:blip r:embed="rId9">
               <a:extLst>
                 <a:ext uri="{28A0092B-C50C-407E-A947-70E740481C1C}">
                   <a14:useLocalDpi xmlns:a14="http://schemas.microsoft.com/office/drawing/2010/main" val="0"/>
@@ -8342,7 +6941,7 @@
           </p:blipFill>
           <p:spPr>
             <a:xfrm>
-              <a:off x="3012303" y="3577541"/>
+              <a:off x="4774661" y="1701322"/>
               <a:ext cx="540000" cy="540000"/>
             </a:xfrm>
             <a:prstGeom prst="rect">
@@ -8350,477 +6949,178 @@
             </a:prstGeom>
           </p:spPr>
         </p:pic>
-        <p:grpSp>
-          <p:nvGrpSpPr>
-            <p:cNvPr id="41" name="Group 40"/>
-            <p:cNvGrpSpPr/>
-            <p:nvPr/>
-          </p:nvGrpSpPr>
-          <p:grpSpPr>
-            <a:xfrm>
-              <a:off x="2851951" y="2070898"/>
-              <a:ext cx="833810" cy="933996"/>
-              <a:chOff x="2851951" y="2070898"/>
-              <a:chExt cx="833810" cy="933996"/>
-            </a:xfrm>
-          </p:grpSpPr>
-          <p:sp>
-            <p:nvSpPr>
-              <p:cNvPr id="40" name="Rounded Rectangle 39"/>
-              <p:cNvSpPr/>
-              <p:nvPr/>
-            </p:nvSpPr>
-            <p:spPr>
-              <a:xfrm>
-                <a:off x="2851951" y="2070898"/>
-                <a:ext cx="833810" cy="933996"/>
-              </a:xfrm>
-              <a:prstGeom prst="roundRect">
-                <a:avLst/>
-              </a:prstGeom>
-              <a:ln>
-                <a:noFill/>
-              </a:ln>
-            </p:spPr>
-            <p:style>
-              <a:lnRef idx="2">
-                <a:schemeClr val="accent1">
-                  <a:shade val="50000"/>
-                </a:schemeClr>
-              </a:lnRef>
-              <a:fillRef idx="1">
-                <a:schemeClr val="accent1"/>
-              </a:fillRef>
-              <a:effectRef idx="0">
-                <a:schemeClr val="accent1"/>
-              </a:effectRef>
-              <a:fontRef idx="minor">
-                <a:schemeClr val="lt1"/>
-              </a:fontRef>
-            </p:style>
-            <p:txBody>
-              <a:bodyPr rtlCol="0" anchor="ctr"/>
-              <a:lstStyle/>
-              <a:p>
-                <a:pPr algn="ctr"/>
-                <a:endParaRPr lang="en-US"/>
-              </a:p>
-            </p:txBody>
-          </p:sp>
-          <p:pic>
-            <p:nvPicPr>
-              <p:cNvPr id="20" name="Picture 19"/>
-              <p:cNvPicPr>
-                <a:picLocks noChangeAspect="1"/>
-              </p:cNvPicPr>
-              <p:nvPr/>
-            </p:nvPicPr>
-            <p:blipFill>
-              <a:blip r:embed="rId15">
-                <a:extLst>
-                  <a:ext uri="{28A0092B-C50C-407E-A947-70E740481C1C}">
-                    <a14:useLocalDpi xmlns:a14="http://schemas.microsoft.com/office/drawing/2010/main" val="0"/>
-                  </a:ext>
-                </a:extLst>
-              </a:blip>
-              <a:stretch>
-                <a:fillRect/>
-              </a:stretch>
-            </p:blipFill>
-            <p:spPr>
-              <a:xfrm>
-                <a:off x="2851951" y="2111999"/>
-                <a:ext cx="833810" cy="833810"/>
-              </a:xfrm>
-              <a:prstGeom prst="rect">
-                <a:avLst/>
-              </a:prstGeom>
-              <a:ln>
-                <a:noFill/>
-              </a:ln>
-            </p:spPr>
-          </p:pic>
-        </p:grpSp>
-        <p:cxnSp>
-          <p:nvCxnSpPr>
-            <p:cNvPr id="49" name="Elbow Connector 48"/>
-            <p:cNvCxnSpPr>
-              <a:stCxn id="12" idx="3"/>
-              <a:endCxn id="20" idx="1"/>
-            </p:cNvCxnSpPr>
-            <p:nvPr/>
-          </p:nvCxnSpPr>
-          <p:spPr>
-            <a:xfrm flipV="1">
-              <a:off x="1775012" y="2528904"/>
-              <a:ext cx="1076939" cy="2858885"/>
-            </a:xfrm>
-            <a:prstGeom prst="bentConnector3">
-              <a:avLst/>
-            </a:prstGeom>
-            <a:ln w="53975">
-              <a:solidFill>
-                <a:schemeClr val="bg1">
-                  <a:lumMod val="95000"/>
-                </a:schemeClr>
-              </a:solidFill>
-              <a:prstDash val="dash"/>
-              <a:tailEnd type="triangle"/>
-            </a:ln>
-          </p:spPr>
-          <p:style>
-            <a:lnRef idx="1">
-              <a:schemeClr val="accent1"/>
-            </a:lnRef>
-            <a:fillRef idx="0">
-              <a:schemeClr val="accent1"/>
-            </a:fillRef>
-            <a:effectRef idx="0">
-              <a:schemeClr val="accent1"/>
-            </a:effectRef>
-            <a:fontRef idx="minor">
-              <a:schemeClr val="tx1"/>
-            </a:fontRef>
-          </p:style>
-        </p:cxnSp>
-        <p:cxnSp>
-          <p:nvCxnSpPr>
-            <p:cNvPr id="52" name="Elbow Connector 51"/>
-            <p:cNvCxnSpPr/>
-            <p:nvPr/>
-          </p:nvCxnSpPr>
-          <p:spPr>
-            <a:xfrm flipV="1">
-              <a:off x="1775012" y="2528904"/>
-              <a:ext cx="1074147" cy="985573"/>
-            </a:xfrm>
-            <a:prstGeom prst="bentConnector3">
-              <a:avLst>
-                <a:gd name="adj1" fmla="val 33855"/>
-              </a:avLst>
-            </a:prstGeom>
-            <a:ln w="53975">
-              <a:solidFill>
-                <a:schemeClr val="bg1">
-                  <a:lumMod val="95000"/>
-                </a:schemeClr>
-              </a:solidFill>
-              <a:prstDash val="dash"/>
-              <a:tailEnd type="triangle"/>
-            </a:ln>
-          </p:spPr>
-          <p:style>
-            <a:lnRef idx="1">
-              <a:schemeClr val="accent1"/>
-            </a:lnRef>
-            <a:fillRef idx="0">
-              <a:schemeClr val="accent1"/>
-            </a:fillRef>
-            <a:effectRef idx="0">
-              <a:schemeClr val="accent1"/>
-            </a:effectRef>
-            <a:fontRef idx="minor">
-              <a:schemeClr val="tx1"/>
-            </a:fontRef>
-          </p:style>
-        </p:cxnSp>
-        <p:cxnSp>
-          <p:nvCxnSpPr>
-            <p:cNvPr id="54" name="Elbow Connector 53"/>
-            <p:cNvCxnSpPr>
-              <a:stCxn id="6" idx="3"/>
-            </p:cNvCxnSpPr>
-            <p:nvPr/>
-          </p:nvCxnSpPr>
-          <p:spPr>
-            <a:xfrm>
-              <a:off x="1775012" y="1750858"/>
-              <a:ext cx="1074147" cy="778046"/>
-            </a:xfrm>
-            <a:prstGeom prst="bentConnector3">
-              <a:avLst/>
-            </a:prstGeom>
-            <a:ln w="53975">
-              <a:solidFill>
-                <a:schemeClr val="bg1">
-                  <a:lumMod val="95000"/>
-                </a:schemeClr>
-              </a:solidFill>
-              <a:prstDash val="dash"/>
-              <a:tailEnd type="triangle"/>
-            </a:ln>
-          </p:spPr>
-          <p:style>
-            <a:lnRef idx="1">
-              <a:schemeClr val="accent1"/>
-            </a:lnRef>
-            <a:fillRef idx="0">
-              <a:schemeClr val="accent1"/>
-            </a:fillRef>
-            <a:effectRef idx="0">
-              <a:schemeClr val="accent1"/>
-            </a:effectRef>
-            <a:fontRef idx="minor">
-              <a:schemeClr val="tx1"/>
-            </a:fontRef>
-          </p:style>
-        </p:cxnSp>
-        <p:cxnSp>
-          <p:nvCxnSpPr>
-            <p:cNvPr id="65" name="Elbow Connector 64"/>
-            <p:cNvCxnSpPr>
-              <a:stCxn id="20" idx="3"/>
-              <a:endCxn id="15" idx="1"/>
-            </p:cNvCxnSpPr>
-            <p:nvPr/>
-          </p:nvCxnSpPr>
-          <p:spPr>
-            <a:xfrm flipV="1">
-              <a:off x="3685761" y="1548634"/>
-              <a:ext cx="992038" cy="980270"/>
-            </a:xfrm>
-            <a:prstGeom prst="bentConnector3">
-              <a:avLst/>
-            </a:prstGeom>
-            <a:ln w="50800" cmpd="tri">
-              <a:solidFill>
-                <a:schemeClr val="accent1"/>
-              </a:solidFill>
-              <a:prstDash val="solid"/>
-              <a:headEnd type="triangle"/>
-              <a:tailEnd type="triangle"/>
-            </a:ln>
-          </p:spPr>
-          <p:style>
-            <a:lnRef idx="1">
-              <a:schemeClr val="accent1"/>
-            </a:lnRef>
-            <a:fillRef idx="0">
-              <a:schemeClr val="accent1"/>
-            </a:fillRef>
-            <a:effectRef idx="0">
-              <a:schemeClr val="accent1"/>
-            </a:effectRef>
-            <a:fontRef idx="minor">
-              <a:schemeClr val="tx1"/>
-            </a:fontRef>
-          </p:style>
-        </p:cxnSp>
-        <p:cxnSp>
-          <p:nvCxnSpPr>
-            <p:cNvPr id="67" name="Elbow Connector 66"/>
-            <p:cNvCxnSpPr/>
-            <p:nvPr/>
-          </p:nvCxnSpPr>
-          <p:spPr>
-            <a:xfrm>
-              <a:off x="5380470" y="1606303"/>
-              <a:ext cx="400029" cy="2661"/>
-            </a:xfrm>
-            <a:prstGeom prst="bentConnector3">
-              <a:avLst/>
-            </a:prstGeom>
-            <a:ln w="38100">
-              <a:prstDash val="lgDashDotDot"/>
-              <a:headEnd type="triangle"/>
-              <a:tailEnd type="triangle"/>
-            </a:ln>
-          </p:spPr>
-          <p:style>
-            <a:lnRef idx="1">
-              <a:schemeClr val="accent1"/>
-            </a:lnRef>
-            <a:fillRef idx="0">
-              <a:schemeClr val="accent1"/>
-            </a:fillRef>
-            <a:effectRef idx="0">
-              <a:schemeClr val="accent1"/>
-            </a:effectRef>
-            <a:fontRef idx="minor">
-              <a:schemeClr val="tx1"/>
-            </a:fontRef>
-          </p:style>
-        </p:cxnSp>
-        <p:cxnSp>
-          <p:nvCxnSpPr>
-            <p:cNvPr id="71" name="Elbow Connector 70"/>
-            <p:cNvCxnSpPr>
-              <a:stCxn id="39" idx="3"/>
-              <a:endCxn id="23" idx="1"/>
-            </p:cNvCxnSpPr>
-            <p:nvPr/>
-          </p:nvCxnSpPr>
-          <p:spPr>
-            <a:xfrm flipV="1">
-              <a:off x="7726317" y="1047633"/>
-              <a:ext cx="1378144" cy="7254"/>
-            </a:xfrm>
-            <a:prstGeom prst="bentConnector3">
-              <a:avLst/>
-            </a:prstGeom>
-            <a:ln w="50800" cmpd="tri">
-              <a:solidFill>
-                <a:schemeClr val="accent1"/>
-              </a:solidFill>
-              <a:prstDash val="solid"/>
-              <a:headEnd type="triangle"/>
-              <a:tailEnd type="triangle"/>
-            </a:ln>
-          </p:spPr>
-          <p:style>
-            <a:lnRef idx="1">
-              <a:schemeClr val="accent1"/>
-            </a:lnRef>
-            <a:fillRef idx="0">
-              <a:schemeClr val="accent1"/>
-            </a:fillRef>
-            <a:effectRef idx="0">
-              <a:schemeClr val="accent1"/>
-            </a:effectRef>
-            <a:fontRef idx="minor">
-              <a:schemeClr val="tx1"/>
-            </a:fontRef>
-          </p:style>
-        </p:cxnSp>
-        <p:cxnSp>
-          <p:nvCxnSpPr>
-            <p:cNvPr id="79" name="Straight Arrow Connector 78"/>
-            <p:cNvCxnSpPr/>
-            <p:nvPr/>
-          </p:nvCxnSpPr>
-          <p:spPr>
-            <a:xfrm flipV="1">
-              <a:off x="6680245" y="1146700"/>
-              <a:ext cx="499638" cy="459603"/>
-            </a:xfrm>
-            <a:prstGeom prst="straightConnector1">
-              <a:avLst/>
-            </a:prstGeom>
-            <a:ln w="31750">
-              <a:headEnd type="triangle"/>
-              <a:tailEnd type="triangle"/>
-            </a:ln>
-          </p:spPr>
-          <p:style>
-            <a:lnRef idx="1">
-              <a:schemeClr val="accent1"/>
-            </a:lnRef>
-            <a:fillRef idx="0">
-              <a:schemeClr val="accent1"/>
-            </a:fillRef>
-            <a:effectRef idx="0">
-              <a:schemeClr val="accent1"/>
-            </a:effectRef>
-            <a:fontRef idx="minor">
-              <a:schemeClr val="tx1"/>
-            </a:fontRef>
-          </p:style>
-        </p:cxnSp>
-        <p:cxnSp>
-          <p:nvCxnSpPr>
-            <p:cNvPr id="56" name="Elbow Connector 55"/>
-            <p:cNvCxnSpPr/>
-            <p:nvPr/>
-          </p:nvCxnSpPr>
-          <p:spPr>
-            <a:xfrm rot="16200000" flipV="1">
-              <a:off x="2868289" y="1711431"/>
-              <a:ext cx="786070" cy="15065"/>
-            </a:xfrm>
-            <a:prstGeom prst="bentConnector3">
-              <a:avLst/>
-            </a:prstGeom>
-            <a:ln w="53975">
-              <a:solidFill>
-                <a:schemeClr val="bg2"/>
-              </a:solidFill>
-              <a:prstDash val="dash"/>
-              <a:tailEnd type="triangle"/>
-            </a:ln>
-          </p:spPr>
-          <p:style>
-            <a:lnRef idx="1">
-              <a:schemeClr val="accent1"/>
-            </a:lnRef>
-            <a:fillRef idx="0">
-              <a:schemeClr val="accent1"/>
-            </a:fillRef>
-            <a:effectRef idx="0">
-              <a:schemeClr val="accent1"/>
-            </a:effectRef>
-            <a:fontRef idx="minor">
-              <a:schemeClr val="tx1"/>
-            </a:fontRef>
-          </p:style>
-        </p:cxnSp>
-        <p:cxnSp>
-          <p:nvCxnSpPr>
-            <p:cNvPr id="59" name="Elbow Connector 58"/>
-            <p:cNvCxnSpPr>
-              <a:endCxn id="22" idx="0"/>
-            </p:cNvCxnSpPr>
-            <p:nvPr/>
-          </p:nvCxnSpPr>
-          <p:spPr>
-            <a:xfrm rot="5400000">
-              <a:off x="3000114" y="3287083"/>
-              <a:ext cx="572647" cy="8268"/>
-            </a:xfrm>
-            <a:prstGeom prst="bentConnector3">
-              <a:avLst/>
-            </a:prstGeom>
-            <a:ln w="53975">
-              <a:solidFill>
-                <a:schemeClr val="bg2"/>
-              </a:solidFill>
-              <a:prstDash val="dash"/>
-              <a:tailEnd type="triangle"/>
-            </a:ln>
-          </p:spPr>
-          <p:style>
-            <a:lnRef idx="1">
-              <a:schemeClr val="accent1"/>
-            </a:lnRef>
-            <a:fillRef idx="0">
-              <a:schemeClr val="accent1"/>
-            </a:fillRef>
-            <a:effectRef idx="0">
-              <a:schemeClr val="accent1"/>
-            </a:effectRef>
-            <a:fontRef idx="minor">
-              <a:schemeClr val="tx1"/>
-            </a:fontRef>
-          </p:style>
-        </p:cxnSp>
+      </p:grpSp>
+      <p:cxnSp>
+        <p:nvCxnSpPr>
+          <p:cNvPr id="64" name="Straight Arrow Connector 79">
+            <a:extLst>
+              <a:ext uri="{FF2B5EF4-FFF2-40B4-BE49-F238E27FC236}">
+                <a16:creationId xmlns:a16="http://schemas.microsoft.com/office/drawing/2014/main" id="{4BB935E5-E512-2448-B482-9D3C31C4AA82}"/>
+              </a:ext>
+            </a:extLst>
+          </p:cNvPr>
+          <p:cNvCxnSpPr/>
+          <p:nvPr/>
+        </p:nvCxnSpPr>
+        <p:spPr>
+          <a:xfrm>
+            <a:off x="6314672" y="2418507"/>
+            <a:ext cx="416153" cy="320492"/>
+          </a:xfrm>
+          <a:prstGeom prst="straightConnector1">
+            <a:avLst/>
+          </a:prstGeom>
+          <a:ln w="31750">
+            <a:solidFill>
+              <a:srgbClr val="00B050"/>
+            </a:solidFill>
+            <a:headEnd type="triangle"/>
+            <a:tailEnd type="triangle"/>
+          </a:ln>
+        </p:spPr>
+        <p:style>
+          <a:lnRef idx="1">
+            <a:schemeClr val="accent1"/>
+          </a:lnRef>
+          <a:fillRef idx="0">
+            <a:schemeClr val="accent1"/>
+          </a:fillRef>
+          <a:effectRef idx="0">
+            <a:schemeClr val="accent1"/>
+          </a:effectRef>
+          <a:fontRef idx="minor">
+            <a:schemeClr val="tx1"/>
+          </a:fontRef>
+        </p:style>
+      </p:cxnSp>
+      <p:cxnSp>
+        <p:nvCxnSpPr>
+          <p:cNvPr id="63" name="Elbow Connector 71">
+            <a:extLst>
+              <a:ext uri="{FF2B5EF4-FFF2-40B4-BE49-F238E27FC236}">
+                <a16:creationId xmlns:a16="http://schemas.microsoft.com/office/drawing/2014/main" id="{78125056-3577-D74D-8CD9-EC8BC44FEACC}"/>
+              </a:ext>
+            </a:extLst>
+          </p:cNvPr>
+          <p:cNvCxnSpPr>
+            <a:cxnSpLocks/>
+          </p:cNvCxnSpPr>
+          <p:nvPr/>
+        </p:nvCxnSpPr>
+        <p:spPr>
+          <a:xfrm flipV="1">
+            <a:off x="7300141" y="2920754"/>
+            <a:ext cx="1300048" cy="5700"/>
+          </a:xfrm>
+          <a:prstGeom prst="bentConnector3">
+            <a:avLst/>
+          </a:prstGeom>
+          <a:ln w="50800" cmpd="tri">
+            <a:solidFill>
+              <a:srgbClr val="00B050"/>
+            </a:solidFill>
+            <a:prstDash val="solid"/>
+            <a:headEnd type="triangle"/>
+            <a:tailEnd type="triangle"/>
+          </a:ln>
+        </p:spPr>
+        <p:style>
+          <a:lnRef idx="1">
+            <a:schemeClr val="accent1"/>
+          </a:lnRef>
+          <a:fillRef idx="0">
+            <a:schemeClr val="accent1"/>
+          </a:fillRef>
+          <a:effectRef idx="0">
+            <a:schemeClr val="accent1"/>
+          </a:effectRef>
+          <a:fontRef idx="minor">
+            <a:schemeClr val="tx1"/>
+          </a:fontRef>
+        </p:style>
+      </p:cxnSp>
+      <p:cxnSp>
+        <p:nvCxnSpPr>
+          <p:cNvPr id="3" name="Gewinkelte Verbindung 2">
+            <a:extLst>
+              <a:ext uri="{FF2B5EF4-FFF2-40B4-BE49-F238E27FC236}">
+                <a16:creationId xmlns:a16="http://schemas.microsoft.com/office/drawing/2014/main" id="{E039EDB4-2FBB-AE42-9071-9FE5AC8B2E65}"/>
+              </a:ext>
+            </a:extLst>
+          </p:cNvPr>
+          <p:cNvCxnSpPr>
+            <a:cxnSpLocks/>
+            <a:stCxn id="51" idx="2"/>
+          </p:cNvCxnSpPr>
+          <p:nvPr/>
+        </p:nvCxnSpPr>
+        <p:spPr>
+          <a:xfrm rot="5400000">
+            <a:off x="3979091" y="854669"/>
+            <a:ext cx="2582349" cy="7180367"/>
+          </a:xfrm>
+          <a:prstGeom prst="bentConnector2">
+            <a:avLst/>
+          </a:prstGeom>
+          <a:ln w="104775">
+            <a:solidFill>
+              <a:schemeClr val="accent1">
+                <a:lumMod val="75000"/>
+                <a:alpha val="54000"/>
+              </a:schemeClr>
+            </a:solidFill>
+            <a:tailEnd type="triangle"/>
+          </a:ln>
+        </p:spPr>
+        <p:style>
+          <a:lnRef idx="1">
+            <a:schemeClr val="accent1"/>
+          </a:lnRef>
+          <a:fillRef idx="0">
+            <a:schemeClr val="accent1"/>
+          </a:fillRef>
+          <a:effectRef idx="0">
+            <a:schemeClr val="accent1"/>
+          </a:effectRef>
+          <a:fontRef idx="minor">
+            <a:schemeClr val="tx1"/>
+          </a:fontRef>
+        </p:style>
+      </p:cxnSp>
+      <p:grpSp>
+        <p:nvGrpSpPr>
+          <p:cNvPr id="11" name="Group 10"/>
+          <p:cNvGrpSpPr/>
+          <p:nvPr/>
+        </p:nvGrpSpPr>
+        <p:grpSpPr>
+          <a:xfrm>
+            <a:off x="914665" y="5154103"/>
+            <a:ext cx="784880" cy="788814"/>
+            <a:chOff x="941294" y="1721224"/>
+            <a:chExt cx="833718" cy="914400"/>
+          </a:xfrm>
+        </p:grpSpPr>
         <p:sp>
           <p:nvSpPr>
-            <p:cNvPr id="83" name="Right Arrow 82"/>
+            <p:cNvPr id="12" name="Rounded Rectangle 11"/>
             <p:cNvSpPr/>
             <p:nvPr/>
           </p:nvSpPr>
           <p:spPr>
-            <a:xfrm rot="16200000" flipH="1">
-              <a:off x="7726605" y="2879214"/>
-              <a:ext cx="3180228" cy="519069"/>
+            <a:xfrm>
+              <a:off x="941294" y="1721224"/>
+              <a:ext cx="833718" cy="914400"/>
             </a:xfrm>
-            <a:prstGeom prst="rightArrow">
+            <a:prstGeom prst="roundRect">
               <a:avLst/>
             </a:prstGeom>
             <a:solidFill>
-              <a:schemeClr val="bg1">
-                <a:lumMod val="95000"/>
-                <a:alpha val="59000"/>
-              </a:schemeClr>
+              <a:schemeClr val="bg1"/>
             </a:solidFill>
             <a:ln>
               <a:noFill/>
             </a:ln>
-            <a:scene3d>
-              <a:camera prst="orthographicFront">
-                <a:rot lat="0" lon="0" rev="0"/>
-              </a:camera>
-              <a:lightRig rig="threePt" dir="t"/>
-            </a:scene3d>
           </p:spPr>
           <p:style>
             <a:lnRef idx="2">
@@ -8847,76 +7147,169 @@
             </a:p>
           </p:txBody>
         </p:sp>
+        <p:pic>
+          <p:nvPicPr>
+            <p:cNvPr id="13" name="Picture 12"/>
+            <p:cNvPicPr>
+              <a:picLocks noChangeAspect="1"/>
+            </p:cNvPicPr>
+            <p:nvPr/>
+          </p:nvPicPr>
+          <p:blipFill>
+            <a:blip r:embed="rId10">
+              <a:extLst>
+                <a:ext uri="{28A0092B-C50C-407E-A947-70E740481C1C}">
+                  <a14:useLocalDpi xmlns:a14="http://schemas.microsoft.com/office/drawing/2010/main" val="0"/>
+                </a:ext>
+              </a:extLst>
+            </a:blip>
+            <a:stretch>
+              <a:fillRect/>
+            </a:stretch>
+          </p:blipFill>
+          <p:spPr>
+            <a:xfrm>
+              <a:off x="1005541" y="1848224"/>
+              <a:ext cx="650240" cy="650240"/>
+            </a:xfrm>
+            <a:prstGeom prst="rect">
+              <a:avLst/>
+            </a:prstGeom>
+            <a:ln>
+              <a:noFill/>
+            </a:ln>
+          </p:spPr>
+        </p:pic>
+      </p:grpSp>
+      <p:grpSp>
+        <p:nvGrpSpPr>
+          <p:cNvPr id="32" name="Gruppieren 31">
+            <a:extLst>
+              <a:ext uri="{FF2B5EF4-FFF2-40B4-BE49-F238E27FC236}">
+                <a16:creationId xmlns:a16="http://schemas.microsoft.com/office/drawing/2014/main" id="{85BAD49F-209F-134D-A8E8-ABC782FF77AC}"/>
+              </a:ext>
+            </a:extLst>
+          </p:cNvPr>
+          <p:cNvGrpSpPr/>
+          <p:nvPr/>
+        </p:nvGrpSpPr>
+        <p:grpSpPr>
+          <a:xfrm>
+            <a:off x="8606245" y="2687831"/>
+            <a:ext cx="700268" cy="648462"/>
+            <a:chOff x="8600189" y="2687831"/>
+            <a:chExt cx="700268" cy="648462"/>
+          </a:xfrm>
+        </p:grpSpPr>
+        <p:pic>
+          <p:nvPicPr>
+            <p:cNvPr id="51" name="Picture 32">
+              <a:extLst>
+                <a:ext uri="{FF2B5EF4-FFF2-40B4-BE49-F238E27FC236}">
+                  <a16:creationId xmlns:a16="http://schemas.microsoft.com/office/drawing/2014/main" id="{D2904F57-BE8C-F54A-9D6A-6CE428AC098A}"/>
+                </a:ext>
+              </a:extLst>
+            </p:cNvPr>
+            <p:cNvPicPr>
+              <a:picLocks noChangeAspect="1"/>
+            </p:cNvPicPr>
+            <p:nvPr/>
+          </p:nvPicPr>
+          <p:blipFill>
+            <a:blip r:embed="rId8">
+              <a:extLst>
+                <a:ext uri="{28A0092B-C50C-407E-A947-70E740481C1C}">
+                  <a14:useLocalDpi xmlns:a14="http://schemas.microsoft.com/office/drawing/2010/main" val="0"/>
+                </a:ext>
+              </a:extLst>
+            </a:blip>
+            <a:stretch>
+              <a:fillRect/>
+            </a:stretch>
+          </p:blipFill>
+          <p:spPr>
+            <a:xfrm>
+              <a:off x="8600189" y="2687831"/>
+              <a:ext cx="508405" cy="465847"/>
+            </a:xfrm>
+            <a:prstGeom prst="rect">
+              <a:avLst/>
+            </a:prstGeom>
+          </p:spPr>
+        </p:pic>
+        <p:pic>
+          <p:nvPicPr>
+            <p:cNvPr id="66" name="Picture 18">
+              <a:extLst>
+                <a:ext uri="{FF2B5EF4-FFF2-40B4-BE49-F238E27FC236}">
+                  <a16:creationId xmlns:a16="http://schemas.microsoft.com/office/drawing/2014/main" id="{FAC64FA6-AC13-5749-98D5-FCB7A8338278}"/>
+                </a:ext>
+              </a:extLst>
+            </p:cNvPr>
+            <p:cNvPicPr>
+              <a:picLocks noChangeAspect="1"/>
+            </p:cNvPicPr>
+            <p:nvPr/>
+          </p:nvPicPr>
+          <p:blipFill>
+            <a:blip r:embed="rId15">
+              <a:extLst>
+                <a:ext uri="{28A0092B-C50C-407E-A947-70E740481C1C}">
+                  <a14:useLocalDpi xmlns:a14="http://schemas.microsoft.com/office/drawing/2010/main" val="0"/>
+                </a:ext>
+              </a:extLst>
+            </a:blip>
+            <a:stretch>
+              <a:fillRect/>
+            </a:stretch>
+          </p:blipFill>
+          <p:spPr>
+            <a:xfrm>
+              <a:off x="8957076" y="3021641"/>
+              <a:ext cx="343381" cy="314652"/>
+            </a:xfrm>
+            <a:prstGeom prst="rect">
+              <a:avLst/>
+            </a:prstGeom>
+          </p:spPr>
+        </p:pic>
+      </p:grpSp>
+      <p:grpSp>
+        <p:nvGrpSpPr>
+          <p:cNvPr id="72" name="Gruppieren 71">
+            <a:extLst>
+              <a:ext uri="{FF2B5EF4-FFF2-40B4-BE49-F238E27FC236}">
+                <a16:creationId xmlns:a16="http://schemas.microsoft.com/office/drawing/2014/main" id="{B917F957-E6C8-C64F-9699-314C63F30D9F}"/>
+              </a:ext>
+            </a:extLst>
+          </p:cNvPr>
+          <p:cNvGrpSpPr/>
+          <p:nvPr/>
+        </p:nvGrpSpPr>
+        <p:grpSpPr>
+          <a:xfrm>
+            <a:off x="3504618" y="3541039"/>
+            <a:ext cx="4792858" cy="2813731"/>
+            <a:chOff x="3504618" y="3541039"/>
+            <a:chExt cx="4792858" cy="2813731"/>
+          </a:xfrm>
+        </p:grpSpPr>
         <p:sp>
           <p:nvSpPr>
-            <p:cNvPr id="50" name="Right Arrow 49"/>
-            <p:cNvSpPr/>
-            <p:nvPr/>
-          </p:nvSpPr>
-          <p:spPr>
-            <a:xfrm flipH="1">
-              <a:off x="2204577" y="5123174"/>
-              <a:ext cx="6529519" cy="519069"/>
-            </a:xfrm>
-            <a:prstGeom prst="rightArrow">
-              <a:avLst/>
-            </a:prstGeom>
-            <a:solidFill>
-              <a:schemeClr val="accent6">
-                <a:lumMod val="40000"/>
-                <a:lumOff val="60000"/>
-                <a:alpha val="81000"/>
-              </a:schemeClr>
-            </a:solidFill>
-            <a:ln>
-              <a:solidFill>
-                <a:schemeClr val="accent1">
-                  <a:shade val="50000"/>
-                </a:schemeClr>
-              </a:solidFill>
-            </a:ln>
-            <a:scene3d>
-              <a:camera prst="orthographicFront">
-                <a:rot lat="0" lon="0" rev="0"/>
-              </a:camera>
-              <a:lightRig rig="threePt" dir="t"/>
-            </a:scene3d>
-          </p:spPr>
-          <p:style>
-            <a:lnRef idx="2">
-              <a:schemeClr val="accent1">
-                <a:shade val="50000"/>
-              </a:schemeClr>
-            </a:lnRef>
-            <a:fillRef idx="1">
-              <a:schemeClr val="accent1"/>
-            </a:fillRef>
-            <a:effectRef idx="0">
-              <a:schemeClr val="accent1"/>
-            </a:effectRef>
-            <a:fontRef idx="minor">
-              <a:schemeClr val="lt1"/>
-            </a:fontRef>
-          </p:style>
-          <p:txBody>
-            <a:bodyPr rtlCol="0" anchor="ctr"/>
-            <a:lstStyle/>
-            <a:p>
-              <a:pPr algn="ctr"/>
-              <a:endParaRPr lang="en-US"/>
-            </a:p>
-          </p:txBody>
-        </p:sp>
-        <p:sp>
-          <p:nvSpPr>
-            <p:cNvPr id="45" name="Rounded Rectangle 44"/>
+            <p:cNvPr id="73" name="Rounded Rectangle 44">
+              <a:extLst>
+                <a:ext uri="{FF2B5EF4-FFF2-40B4-BE49-F238E27FC236}">
+                  <a16:creationId xmlns:a16="http://schemas.microsoft.com/office/drawing/2014/main" id="{D0D7FCFA-8129-6A43-919D-302BDB68BFE3}"/>
+                </a:ext>
+              </a:extLst>
+            </p:cNvPr>
             <p:cNvSpPr/>
             <p:nvPr/>
           </p:nvSpPr>
           <p:spPr>
             <a:xfrm>
-              <a:off x="3692403" y="3876391"/>
-              <a:ext cx="5091087" cy="2446021"/>
+              <a:off x="3504618" y="4244691"/>
+              <a:ext cx="4792858" cy="2110079"/>
             </a:xfrm>
             <a:prstGeom prst="roundRect">
               <a:avLst/>
@@ -8950,7 +7343,7 @@
             <a:p>
               <a:pPr algn="ctr"/>
               <a:r>
-                <a:rPr lang="en-US" dirty="0" smtClean="0">
+                <a:rPr lang="en-US" dirty="0">
                   <a:solidFill>
                     <a:schemeClr val="tx1"/>
                   </a:solidFill>
@@ -8969,12 +7362,12 @@
             <a:p>
               <a:pPr algn="ctr"/>
               <a:r>
-                <a:rPr lang="en-US" dirty="0" smtClean="0">
+                <a:rPr lang="en-US" dirty="0">
                   <a:solidFill>
                     <a:schemeClr val="tx1"/>
                   </a:solidFill>
                 </a:rPr>
-                <a:t>Incentivize Competition between Providers at whole SCM Level</a:t>
+                <a:t>Incentive competition between providers at whole SCM Level</a:t>
               </a:r>
             </a:p>
             <a:p>
@@ -8988,87 +7381,57 @@
             <a:p>
               <a:pPr algn="ctr"/>
               <a:r>
-                <a:rPr lang="en-US" dirty="0" smtClean="0">
+                <a:rPr lang="en-US" dirty="0">
                   <a:solidFill>
                     <a:schemeClr val="tx1"/>
                   </a:solidFill>
                 </a:rPr>
-                <a:t>Award Bonuses based on Quality and Timeliness </a:t>
+                <a:t>Award bonuses based on quality and timeliness </a:t>
               </a:r>
-              <a:endParaRPr lang="en-US" dirty="0">
-                <a:solidFill>
-                  <a:schemeClr val="tx1"/>
-                </a:solidFill>
-              </a:endParaRPr>
+            </a:p>
+          </p:txBody>
+        </p:sp>
+        <p:sp>
+          <p:nvSpPr>
+            <p:cNvPr id="74" name="TextBox 46">
+              <a:extLst>
+                <a:ext uri="{FF2B5EF4-FFF2-40B4-BE49-F238E27FC236}">
+                  <a16:creationId xmlns:a16="http://schemas.microsoft.com/office/drawing/2014/main" id="{925CD37D-AFC4-7B4F-B4F4-BEC06B94A164}"/>
+                </a:ext>
+              </a:extLst>
+            </p:cNvPr>
+            <p:cNvSpPr txBox="1"/>
+            <p:nvPr/>
+          </p:nvSpPr>
+          <p:spPr>
+            <a:xfrm>
+              <a:off x="3931538" y="3541039"/>
+              <a:ext cx="3661148" cy="615553"/>
+            </a:xfrm>
+            <a:prstGeom prst="rect">
+              <a:avLst/>
+            </a:prstGeom>
+            <a:noFill/>
+          </p:spPr>
+          <p:txBody>
+            <a:bodyPr wrap="square" rtlCol="0">
+              <a:spAutoFit/>
+            </a:bodyPr>
+            <a:lstStyle/>
+            <a:p>
+              <a:pPr algn="ctr"/>
+              <a:r>
+                <a:rPr lang="en-US" sz="3400" dirty="0"/>
+                <a:t>Further Use Cases</a:t>
+              </a:r>
             </a:p>
           </p:txBody>
         </p:sp>
       </p:grpSp>
-      <p:sp>
-        <p:nvSpPr>
-          <p:cNvPr id="46" name="TextBox 45"/>
-          <p:cNvSpPr txBox="1"/>
-          <p:nvPr/>
-        </p:nvSpPr>
-        <p:spPr>
-          <a:xfrm>
-            <a:off x="512033" y="252248"/>
-            <a:ext cx="8726560" cy="707886"/>
-          </a:xfrm>
-          <a:prstGeom prst="rect">
-            <a:avLst/>
-          </a:prstGeom>
-          <a:noFill/>
-        </p:spPr>
-        <p:txBody>
-          <a:bodyPr wrap="square" rtlCol="0">
-            <a:spAutoFit/>
-          </a:bodyPr>
-          <a:lstStyle/>
-          <a:p>
-            <a:r>
-              <a:rPr lang="en-US" sz="4000" smtClean="0"/>
-              <a:t>Our Model</a:t>
-            </a:r>
-            <a:endParaRPr lang="en-US" sz="4000"/>
-          </a:p>
-        </p:txBody>
-      </p:sp>
-      <p:sp>
-        <p:nvSpPr>
-          <p:cNvPr id="47" name="TextBox 46"/>
-          <p:cNvSpPr txBox="1"/>
-          <p:nvPr/>
-        </p:nvSpPr>
-        <p:spPr>
-          <a:xfrm>
-            <a:off x="4285848" y="3541039"/>
-            <a:ext cx="3230581" cy="707886"/>
-          </a:xfrm>
-          <a:prstGeom prst="rect">
-            <a:avLst/>
-          </a:prstGeom>
-          <a:noFill/>
-        </p:spPr>
-        <p:txBody>
-          <a:bodyPr wrap="square" rtlCol="0">
-            <a:spAutoFit/>
-          </a:bodyPr>
-          <a:lstStyle/>
-          <a:p>
-            <a:pPr algn="ctr"/>
-            <a:r>
-              <a:rPr lang="en-US" sz="4000" smtClean="0"/>
-              <a:t>Further Uses</a:t>
-            </a:r>
-            <a:endParaRPr lang="en-US" sz="4000"/>
-          </a:p>
-        </p:txBody>
-      </p:sp>
     </p:spTree>
     <p:extLst>
       <p:ext uri="{BB962C8B-B14F-4D97-AF65-F5344CB8AC3E}">
-        <p14:creationId xmlns:p14="http://schemas.microsoft.com/office/powerpoint/2010/main" val="1429869833"/>
+        <p14:creationId xmlns:p14="http://schemas.microsoft.com/office/powerpoint/2010/main" val="2256246683"/>
       </p:ext>
     </p:extLst>
   </p:cSld>
@@ -9078,7 +7441,115 @@
   <p:timing>
     <p:tnLst>
       <p:par>
-        <p:cTn id="1" dur="indefinite" restart="never" nodeType="tmRoot"/>
+        <p:cTn id="1" dur="indefinite" restart="never" nodeType="tmRoot">
+          <p:childTnLst>
+            <p:seq concurrent="1" nextAc="seek">
+              <p:cTn id="2" dur="indefinite" nodeType="mainSeq">
+                <p:childTnLst>
+                  <p:par>
+                    <p:cTn id="3" fill="hold">
+                      <p:stCondLst>
+                        <p:cond delay="indefinite"/>
+                      </p:stCondLst>
+                      <p:childTnLst>
+                        <p:par>
+                          <p:cTn id="4" fill="hold">
+                            <p:stCondLst>
+                              <p:cond delay="0"/>
+                            </p:stCondLst>
+                            <p:childTnLst>
+                              <p:par>
+                                <p:cTn id="5" presetID="0" presetClass="path" presetSubtype="0" fill="hold" nodeType="clickEffect">
+                                  <p:stCondLst>
+                                    <p:cond delay="0"/>
+                                  </p:stCondLst>
+                                  <p:childTnLst>
+                                    <p:animMotion origin="layout" path="M 0.00156 0.01359 L -0.00013 0.39436 L -0.60716 0.40455 " pathEditMode="fixed" rAng="0" ptsTypes="AAA">
+                                      <p:cBhvr>
+                                        <p:cTn id="6" dur="3000" fill="hold"/>
+                                        <p:tgtEl>
+                                          <p:spTgt spid="32"/>
+                                        </p:tgtEl>
+                                        <p:attrNameLst>
+                                          <p:attrName>ppt_x</p:attrName>
+                                          <p:attrName>ppt_y</p:attrName>
+                                        </p:attrNameLst>
+                                      </p:cBhvr>
+                                      <p:rCtr x="-30443" y="19537"/>
+                                    </p:animMotion>
+                                  </p:childTnLst>
+                                </p:cTn>
+                              </p:par>
+                            </p:childTnLst>
+                          </p:cTn>
+                        </p:par>
+                      </p:childTnLst>
+                    </p:cTn>
+                  </p:par>
+                  <p:par>
+                    <p:cTn id="7" fill="hold">
+                      <p:stCondLst>
+                        <p:cond delay="indefinite"/>
+                      </p:stCondLst>
+                      <p:childTnLst>
+                        <p:par>
+                          <p:cTn id="8" fill="hold">
+                            <p:stCondLst>
+                              <p:cond delay="0"/>
+                            </p:stCondLst>
+                            <p:childTnLst>
+                              <p:par>
+                                <p:cTn id="9" presetID="1" presetClass="entr" presetSubtype="0" fill="hold" nodeType="clickEffect">
+                                  <p:stCondLst>
+                                    <p:cond delay="0"/>
+                                  </p:stCondLst>
+                                  <p:childTnLst>
+                                    <p:set>
+                                      <p:cBhvr>
+                                        <p:cTn id="10" dur="1" fill="hold">
+                                          <p:stCondLst>
+                                            <p:cond delay="0"/>
+                                          </p:stCondLst>
+                                        </p:cTn>
+                                        <p:tgtEl>
+                                          <p:spTgt spid="72"/>
+                                        </p:tgtEl>
+                                        <p:attrNameLst>
+                                          <p:attrName>style.visibility</p:attrName>
+                                        </p:attrNameLst>
+                                      </p:cBhvr>
+                                      <p:to>
+                                        <p:strVal val="visible"/>
+                                      </p:to>
+                                    </p:set>
+                                  </p:childTnLst>
+                                </p:cTn>
+                              </p:par>
+                            </p:childTnLst>
+                          </p:cTn>
+                        </p:par>
+                      </p:childTnLst>
+                    </p:cTn>
+                  </p:par>
+                </p:childTnLst>
+              </p:cTn>
+              <p:prevCondLst>
+                <p:cond evt="onPrev" delay="0">
+                  <p:tgtEl>
+                    <p:sldTgt/>
+                  </p:tgtEl>
+                </p:cond>
+              </p:prevCondLst>
+              <p:nextCondLst>
+                <p:cond evt="onNext" delay="0">
+                  <p:tgtEl>
+                    <p:sldTgt/>
+                  </p:tgtEl>
+                </p:cond>
+              </p:nextCondLst>
+            </p:seq>
+          </p:childTnLst>
+        </p:cTn>
       </p:par>
     </p:tnLst>
   </p:timing>
